--- a/Template Final - Apresentacao - Conhecendo o Negócio.pptx
+++ b/Template Final - Apresentacao - Conhecendo o Negócio.pptx
@@ -5,30 +5,27 @@
     <p:sldMasterId id="2147483660" r:id="rId4"/>
   </p:sldMasterIdLst>
   <p:notesMasterIdLst>
-    <p:notesMasterId r:id="rId26"/>
+    <p:notesMasterId r:id="rId23"/>
   </p:notesMasterIdLst>
   <p:sldIdLst>
     <p:sldId id="256" r:id="rId5"/>
     <p:sldId id="278" r:id="rId6"/>
     <p:sldId id="257" r:id="rId7"/>
-    <p:sldId id="283" r:id="rId8"/>
-    <p:sldId id="284" r:id="rId9"/>
-    <p:sldId id="259" r:id="rId10"/>
-    <p:sldId id="270" r:id="rId11"/>
-    <p:sldId id="262" r:id="rId12"/>
-    <p:sldId id="263" r:id="rId13"/>
-    <p:sldId id="264" r:id="rId14"/>
-    <p:sldId id="271" r:id="rId15"/>
-    <p:sldId id="274" r:id="rId16"/>
-    <p:sldId id="272" r:id="rId17"/>
-    <p:sldId id="273" r:id="rId18"/>
-    <p:sldId id="276" r:id="rId19"/>
-    <p:sldId id="266" r:id="rId20"/>
-    <p:sldId id="265" r:id="rId21"/>
-    <p:sldId id="277" r:id="rId22"/>
-    <p:sldId id="267" r:id="rId23"/>
-    <p:sldId id="268" r:id="rId24"/>
-    <p:sldId id="269" r:id="rId25"/>
+    <p:sldId id="284" r:id="rId8"/>
+    <p:sldId id="259" r:id="rId9"/>
+    <p:sldId id="290" r:id="rId10"/>
+    <p:sldId id="262" r:id="rId11"/>
+    <p:sldId id="264" r:id="rId12"/>
+    <p:sldId id="286" r:id="rId13"/>
+    <p:sldId id="287" r:id="rId14"/>
+    <p:sldId id="288" r:id="rId15"/>
+    <p:sldId id="289" r:id="rId16"/>
+    <p:sldId id="276" r:id="rId17"/>
+    <p:sldId id="266" r:id="rId18"/>
+    <p:sldId id="277" r:id="rId19"/>
+    <p:sldId id="267" r:id="rId20"/>
+    <p:sldId id="268" r:id="rId21"/>
+    <p:sldId id="269" r:id="rId22"/>
   </p:sldIdLst>
   <p:sldSz cx="12192000" cy="6858000"/>
   <p:notesSz cx="6858000" cy="9144000"/>
@@ -257,7 +254,7 @@
           <a:p>
             <a:fld id="{7ACAF243-C119-4CE5-B27C-0A40FC517A49}" type="datetimeFigureOut">
               <a:rPr lang="pt-BR" smtClean="0"/>
-              <a:t>24/05/2025</a:t>
+              <a:t>01/06/2025</a:t>
             </a:fld>
             <a:endParaRPr lang="pt-BR"/>
           </a:p>
@@ -681,7 +678,7 @@
             <a:fld id="{3391A759-BFF8-4B5B-9ECE-D93AC303B331}" type="datetime1">
               <a:rPr lang="en-US" smtClean="0"/>
               <a:pPr/>
-              <a:t>5/24/2025</a:t>
+              <a:t>6/1/2025</a:t>
             </a:fld>
             <a:endParaRPr lang="en-US"/>
           </a:p>
@@ -937,7 +934,7 @@
             <a:fld id="{6DFDF398-5DA3-4937-BE3F-7CA1B9158252}" type="datetime1">
               <a:rPr lang="en-US" smtClean="0"/>
               <a:pPr/>
-              <a:t>5/24/2025</a:t>
+              <a:t>6/1/2025</a:t>
             </a:fld>
             <a:endParaRPr lang="en-US"/>
           </a:p>
@@ -1149,7 +1146,7 @@
             <a:fld id="{8F191ED9-F929-4A92-90F9-3C9C84ABBE83}" type="datetime1">
               <a:rPr lang="en-US" smtClean="0"/>
               <a:pPr/>
-              <a:t>5/24/2025</a:t>
+              <a:t>6/1/2025</a:t>
             </a:fld>
             <a:endParaRPr lang="en-US"/>
           </a:p>
@@ -1406,7 +1403,7 @@
             <a:fld id="{EEBAB316-A2E6-49F2-825C-64AA951E4184}" type="datetime1">
               <a:rPr lang="en-US" smtClean="0"/>
               <a:pPr/>
-              <a:t>5/24/2025</a:t>
+              <a:t>6/1/2025</a:t>
             </a:fld>
             <a:endParaRPr lang="en-US"/>
           </a:p>
@@ -1686,7 +1683,7 @@
             <a:fld id="{5AE9748B-ADD6-4C5A-8C2A-A39721276E74}" type="datetime1">
               <a:rPr lang="en-US" smtClean="0"/>
               <a:pPr/>
-              <a:t>5/24/2025</a:t>
+              <a:t>6/1/2025</a:t>
             </a:fld>
             <a:endParaRPr lang="en-US"/>
           </a:p>
@@ -1960,7 +1957,7 @@
             <a:fld id="{7241FB0F-3C5C-4949-B933-9C7E511ED094}" type="datetime1">
               <a:rPr lang="en-US" smtClean="0"/>
               <a:pPr/>
-              <a:t>5/24/2025</a:t>
+              <a:t>6/1/2025</a:t>
             </a:fld>
             <a:endParaRPr lang="en-US"/>
           </a:p>
@@ -2450,7 +2447,7 @@
             <a:fld id="{C2F01D58-E949-4BCB-829A-BBF80E38D59C}" type="datetime1">
               <a:rPr lang="en-US" smtClean="0"/>
               <a:pPr/>
-              <a:t>5/24/2025</a:t>
+              <a:t>6/1/2025</a:t>
             </a:fld>
             <a:endParaRPr lang="en-US"/>
           </a:p>
@@ -2594,7 +2591,7 @@
             <a:fld id="{FF10A846-0DA4-4D92-9BF1-DE8C52C1F4DF}" type="datetime1">
               <a:rPr lang="en-US" smtClean="0"/>
               <a:pPr/>
-              <a:t>5/24/2025</a:t>
+              <a:t>6/1/2025</a:t>
             </a:fld>
             <a:endParaRPr lang="en-US"/>
           </a:p>
@@ -2709,7 +2706,7 @@
             <a:fld id="{E9412331-4A9C-472F-A7FA-968157338839}" type="datetime1">
               <a:rPr lang="en-US" smtClean="0"/>
               <a:pPr/>
-              <a:t>5/24/2025</a:t>
+              <a:t>6/1/2025</a:t>
             </a:fld>
             <a:endParaRPr lang="en-US"/>
           </a:p>
@@ -3030,7 +3027,7 @@
             <a:fld id="{A2197F3D-ED52-43FD-A26D-318B71534485}" type="datetime1">
               <a:rPr lang="en-US" smtClean="0"/>
               <a:pPr/>
-              <a:t>5/24/2025</a:t>
+              <a:t>6/1/2025</a:t>
             </a:fld>
             <a:endParaRPr lang="en-US"/>
           </a:p>
@@ -3329,7 +3326,7 @@
             <a:fld id="{3D291FA4-6264-4BB8-B3B5-77711EED2D82}" type="datetime1">
               <a:rPr lang="en-US" smtClean="0"/>
               <a:pPr/>
-              <a:t>5/24/2025</a:t>
+              <a:t>6/1/2025</a:t>
             </a:fld>
             <a:endParaRPr lang="en-US"/>
           </a:p>
@@ -3572,7 +3569,7 @@
             <a:fld id="{E7F6A1D9-D323-4F4E-8655-25E2D32CE742}" type="datetime1">
               <a:rPr lang="en-US" smtClean="0"/>
               <a:pPr/>
-              <a:t>5/24/2025</a:t>
+              <a:t>6/1/2025</a:t>
             </a:fld>
             <a:endParaRPr lang="en-US"/>
           </a:p>
@@ -4255,7 +4252,7 @@
         </p:blipFill>
         <p:spPr>
           <a:xfrm>
-            <a:off x="23" y="10"/>
+            <a:off x="-2" y="13853"/>
             <a:ext cx="12191979" cy="6857990"/>
           </a:xfrm>
           <a:prstGeom prst="rect">
@@ -4549,7 +4546,7 @@
         </p:blipFill>
         <p:spPr bwMode="auto">
           <a:xfrm rot="19191637">
-            <a:off x="8246919" y="5154808"/>
+            <a:off x="8548631" y="5155005"/>
             <a:ext cx="1606355" cy="421056"/>
           </a:xfrm>
           <a:prstGeom prst="rect">
@@ -4595,8 +4592,8 @@
         </p:blipFill>
         <p:spPr>
           <a:xfrm rot="18937685">
-            <a:off x="8982033" y="5139389"/>
-            <a:ext cx="1891483" cy="1462944"/>
+            <a:off x="9182319" y="5363654"/>
+            <a:ext cx="1734913" cy="1341847"/>
           </a:xfrm>
           <a:prstGeom prst="rect">
             <a:avLst/>
@@ -4628,7 +4625,13 @@
   <p:cSld>
     <p:spTree>
       <p:nvGrpSpPr>
-        <p:cNvPr id="1" name=""/>
+        <p:cNvPr id="1" name="">
+          <a:extLst>
+            <a:ext uri="{FF2B5EF4-FFF2-40B4-BE49-F238E27FC236}">
+              <a16:creationId xmlns:a16="http://schemas.microsoft.com/office/drawing/2014/main" id="{D234E607-E36D-7C6C-0874-CFC0135B8B6E}"/>
+            </a:ext>
+          </a:extLst>
+        </p:cNvPr>
         <p:cNvGrpSpPr/>
         <p:nvPr/>
       </p:nvGrpSpPr>
@@ -4640,42 +4643,12 @@
           <a:chExt cx="0" cy="0"/>
         </a:xfrm>
       </p:grpSpPr>
-      <p:pic>
-        <p:nvPicPr>
-          <p:cNvPr id="11" name="Imagem 10">
-            <a:extLst>
-              <a:ext uri="{FF2B5EF4-FFF2-40B4-BE49-F238E27FC236}">
-                <a16:creationId xmlns:a16="http://schemas.microsoft.com/office/drawing/2014/main" id="{B6FD08B0-0ABD-60D5-9AFA-E5FF60B9D681}"/>
-              </a:ext>
-            </a:extLst>
-          </p:cNvPr>
-          <p:cNvPicPr>
-            <a:picLocks noChangeAspect="1"/>
-          </p:cNvPicPr>
-          <p:nvPr/>
-        </p:nvPicPr>
-        <p:blipFill>
-          <a:blip r:embed="rId2"/>
-          <a:stretch>
-            <a:fillRect/>
-          </a:stretch>
-        </p:blipFill>
-        <p:spPr>
-          <a:xfrm>
-            <a:off x="5048104" y="2517909"/>
-            <a:ext cx="2095792" cy="2210108"/>
-          </a:xfrm>
-          <a:prstGeom prst="rect">
-            <a:avLst/>
-          </a:prstGeom>
-        </p:spPr>
-      </p:pic>
       <p:sp>
         <p:nvSpPr>
           <p:cNvPr id="2" name="Título 1">
             <a:extLst>
               <a:ext uri="{FF2B5EF4-FFF2-40B4-BE49-F238E27FC236}">
-                <a16:creationId xmlns:a16="http://schemas.microsoft.com/office/drawing/2014/main" id="{291D89C4-053F-18E2-B15A-EBDA32C61CED}"/>
+                <a16:creationId xmlns:a16="http://schemas.microsoft.com/office/drawing/2014/main" id="{6031F153-DA62-DEE2-D606-F5B90B695B08}"/>
               </a:ext>
             </a:extLst>
           </p:cNvPr>
@@ -4735,7 +4708,7 @@
           <p:cNvPr id="4" name="Triângulo Retângulo 3">
             <a:extLst>
               <a:ext uri="{FF2B5EF4-FFF2-40B4-BE49-F238E27FC236}">
-                <a16:creationId xmlns:a16="http://schemas.microsoft.com/office/drawing/2014/main" id="{116EC607-7B07-9A91-D369-2DEAE8471510}"/>
+                <a16:creationId xmlns:a16="http://schemas.microsoft.com/office/drawing/2014/main" id="{7B792BF3-0E9D-BD72-BE88-374DCE8ABA82}"/>
               </a:ext>
             </a:extLst>
           </p:cNvPr>
@@ -4784,7 +4757,7 @@
           <p:cNvPr id="6" name="Picture 2" descr="Fatec Votorantim">
             <a:extLst>
               <a:ext uri="{FF2B5EF4-FFF2-40B4-BE49-F238E27FC236}">
-                <a16:creationId xmlns:a16="http://schemas.microsoft.com/office/drawing/2014/main" id="{E19D8493-9A9C-8D11-2058-7BC3906A4306}"/>
+                <a16:creationId xmlns:a16="http://schemas.microsoft.com/office/drawing/2014/main" id="{23739897-320B-63C6-34CE-C0140D716450}"/>
               </a:ext>
             </a:extLst>
           </p:cNvPr>
@@ -4794,7 +4767,7 @@
           <p:nvPr/>
         </p:nvPicPr>
         <p:blipFill>
-          <a:blip r:embed="rId3" cstate="print">
+          <a:blip r:embed="rId2" cstate="print">
             <a:extLst>
               <a:ext uri="{28A0092B-C50C-407E-A947-70E740481C1C}">
                 <a14:useLocalDpi xmlns:a14="http://schemas.microsoft.com/office/drawing/2010/main" val="0"/>
@@ -4831,7 +4804,7 @@
           <p:cNvPr id="7" name="Imagem 6">
             <a:extLst>
               <a:ext uri="{FF2B5EF4-FFF2-40B4-BE49-F238E27FC236}">
-                <a16:creationId xmlns:a16="http://schemas.microsoft.com/office/drawing/2014/main" id="{E2FD3FFF-B65B-8297-75FE-D7BE11360F14}"/>
+                <a16:creationId xmlns:a16="http://schemas.microsoft.com/office/drawing/2014/main" id="{925E0BB9-F596-0BE7-536B-2963724FFF86}"/>
               </a:ext>
             </a:extLst>
           </p:cNvPr>
@@ -4841,7 +4814,7 @@
           <p:nvPr/>
         </p:nvPicPr>
         <p:blipFill>
-          <a:blip r:embed="rId4" cstate="print"/>
+          <a:blip r:embed="rId3" cstate="print"/>
           <a:stretch>
             <a:fillRect/>
           </a:stretch>
@@ -4858,20 +4831,22 @@
       </p:pic>
       <p:cxnSp>
         <p:nvCxnSpPr>
-          <p:cNvPr id="5" name="Conector reto 4">
-            <a:extLst>
-              <a:ext uri="{FF2B5EF4-FFF2-40B4-BE49-F238E27FC236}">
-                <a16:creationId xmlns:a16="http://schemas.microsoft.com/office/drawing/2014/main" id="{0CA9F93D-1568-1F61-D866-8FF00B84BD93}"/>
-              </a:ext>
-            </a:extLst>
-          </p:cNvPr>
-          <p:cNvCxnSpPr/>
+          <p:cNvPr id="9" name="Conector reto 8">
+            <a:extLst>
+              <a:ext uri="{FF2B5EF4-FFF2-40B4-BE49-F238E27FC236}">
+                <a16:creationId xmlns:a16="http://schemas.microsoft.com/office/drawing/2014/main" id="{C8D0239B-C431-9CA2-774C-DEBE1C279543}"/>
+              </a:ext>
+            </a:extLst>
+          </p:cNvPr>
+          <p:cNvCxnSpPr>
+            <a:cxnSpLocks/>
+          </p:cNvCxnSpPr>
           <p:nvPr/>
         </p:nvCxnSpPr>
         <p:spPr>
-          <a:xfrm>
-            <a:off x="879764" y="3622963"/>
-            <a:ext cx="10432472" cy="0"/>
+          <a:xfrm flipV="1">
+            <a:off x="4461537" y="1648691"/>
+            <a:ext cx="0" cy="4694752"/>
           </a:xfrm>
           <a:prstGeom prst="line">
             <a:avLst/>
@@ -4893,500 +4868,12 @@
           </a:fontRef>
         </p:style>
       </p:cxnSp>
-      <p:cxnSp>
-        <p:nvCxnSpPr>
-          <p:cNvPr id="9" name="Conector reto 8">
-            <a:extLst>
-              <a:ext uri="{FF2B5EF4-FFF2-40B4-BE49-F238E27FC236}">
-                <a16:creationId xmlns:a16="http://schemas.microsoft.com/office/drawing/2014/main" id="{EEA0B0A4-F6C8-FECF-6A70-C8BE8D4200BA}"/>
-              </a:ext>
-            </a:extLst>
-          </p:cNvPr>
-          <p:cNvCxnSpPr/>
-          <p:nvPr/>
-        </p:nvCxnSpPr>
-        <p:spPr>
-          <a:xfrm flipV="1">
-            <a:off x="6096000" y="1343891"/>
-            <a:ext cx="0" cy="4987636"/>
-          </a:xfrm>
-          <a:prstGeom prst="line">
-            <a:avLst/>
-          </a:prstGeom>
-          <a:ln w="76200"/>
-        </p:spPr>
-        <p:style>
-          <a:lnRef idx="1">
-            <a:schemeClr val="dk1"/>
-          </a:lnRef>
-          <a:fillRef idx="0">
-            <a:schemeClr val="dk1"/>
-          </a:fillRef>
-          <a:effectRef idx="0">
-            <a:schemeClr val="dk1"/>
-          </a:effectRef>
-          <a:fontRef idx="minor">
-            <a:schemeClr val="tx1"/>
-          </a:fontRef>
-        </p:style>
-      </p:cxnSp>
-      <p:sp>
-        <p:nvSpPr>
-          <p:cNvPr id="12" name="CaixaDeTexto 11">
-            <a:extLst>
-              <a:ext uri="{FF2B5EF4-FFF2-40B4-BE49-F238E27FC236}">
-                <a16:creationId xmlns:a16="http://schemas.microsoft.com/office/drawing/2014/main" id="{91C4718C-3BB9-F5A4-A494-77A46E60CB7D}"/>
-              </a:ext>
-            </a:extLst>
-          </p:cNvPr>
-          <p:cNvSpPr txBox="1"/>
-          <p:nvPr/>
-        </p:nvSpPr>
-        <p:spPr>
-          <a:xfrm>
-            <a:off x="7143895" y="1665377"/>
-            <a:ext cx="4024745" cy="1569660"/>
-          </a:xfrm>
-          <a:prstGeom prst="rect">
-            <a:avLst/>
-          </a:prstGeom>
-          <a:noFill/>
-          <a:ln w="19050">
-            <a:noFill/>
-          </a:ln>
-        </p:spPr>
-        <p:txBody>
-          <a:bodyPr wrap="square" rtlCol="0">
-            <a:spAutoFit/>
-          </a:bodyPr>
-          <a:lstStyle/>
-          <a:p>
-            <a:pPr marL="342900" indent="-342900">
-              <a:buFont typeface="Arial" panose="020B0604020202020204" pitchFamily="34" charset="0"/>
-              <a:buChar char="•"/>
-            </a:pPr>
-            <a:r>
-              <a:rPr lang="pt-BR" sz="2400" dirty="0">
-                <a:latin typeface="Arial" panose="020B0604020202020204" pitchFamily="34" charset="0"/>
-                <a:cs typeface="Arial" panose="020B0604020202020204" pitchFamily="34" charset="0"/>
-              </a:rPr>
-              <a:t>Preço/ condição pagamento</a:t>
-            </a:r>
-          </a:p>
-          <a:p>
-            <a:pPr marL="342900" indent="-342900">
-              <a:buFont typeface="Arial" panose="020B0604020202020204" pitchFamily="34" charset="0"/>
-              <a:buChar char="•"/>
-            </a:pPr>
-            <a:r>
-              <a:rPr lang="pt-BR" sz="2400" dirty="0">
-                <a:latin typeface="Arial" panose="020B0604020202020204" pitchFamily="34" charset="0"/>
-                <a:cs typeface="Arial" panose="020B0604020202020204" pitchFamily="34" charset="0"/>
-              </a:rPr>
-              <a:t>Comunicação</a:t>
-            </a:r>
-          </a:p>
-          <a:p>
-            <a:pPr marL="342900" indent="-342900">
-              <a:buFont typeface="Arial" panose="020B0604020202020204" pitchFamily="34" charset="0"/>
-              <a:buChar char="•"/>
-            </a:pPr>
-            <a:r>
-              <a:rPr lang="pt-BR" sz="2400" dirty="0">
-                <a:latin typeface="Arial" panose="020B0604020202020204" pitchFamily="34" charset="0"/>
-                <a:cs typeface="Arial" panose="020B0604020202020204" pitchFamily="34" charset="0"/>
-              </a:rPr>
-              <a:t>Plataforma digital</a:t>
-            </a:r>
-          </a:p>
-        </p:txBody>
-      </p:sp>
-      <p:sp>
-        <p:nvSpPr>
-          <p:cNvPr id="13" name="CaixaDeTexto 12">
-            <a:extLst>
-              <a:ext uri="{FF2B5EF4-FFF2-40B4-BE49-F238E27FC236}">
-                <a16:creationId xmlns:a16="http://schemas.microsoft.com/office/drawing/2014/main" id="{404FD637-009F-E659-58F5-87912843A5E3}"/>
-              </a:ext>
-            </a:extLst>
-          </p:cNvPr>
-          <p:cNvSpPr txBox="1"/>
-          <p:nvPr/>
-        </p:nvSpPr>
-        <p:spPr>
-          <a:xfrm>
-            <a:off x="1999458" y="1883793"/>
-            <a:ext cx="4024745" cy="1477328"/>
-          </a:xfrm>
-          <a:prstGeom prst="rect">
-            <a:avLst/>
-          </a:prstGeom>
-          <a:noFill/>
-          <a:ln w="19050">
-            <a:noFill/>
-          </a:ln>
-        </p:spPr>
-        <p:txBody>
-          <a:bodyPr wrap="square" rtlCol="0">
-            <a:spAutoFit/>
-          </a:bodyPr>
-          <a:lstStyle/>
-          <a:p>
-            <a:pPr marL="342900" indent="-342900">
-              <a:buFont typeface="Arial" panose="020B0604020202020204" pitchFamily="34" charset="0"/>
-              <a:buChar char="•"/>
-            </a:pPr>
-            <a:r>
-              <a:rPr lang="pt-BR" sz="2400" dirty="0">
-                <a:latin typeface="Arial" panose="020B0604020202020204" pitchFamily="34" charset="0"/>
-                <a:cs typeface="Arial" panose="020B0604020202020204" pitchFamily="34" charset="0"/>
-              </a:rPr>
-              <a:t>Marca</a:t>
-            </a:r>
-          </a:p>
-          <a:p>
-            <a:pPr marL="342900" indent="-342900">
-              <a:buFont typeface="Arial" panose="020B0604020202020204" pitchFamily="34" charset="0"/>
-              <a:buChar char="•"/>
-            </a:pPr>
-            <a:r>
-              <a:rPr lang="pt-BR" sz="2400" dirty="0">
-                <a:latin typeface="Arial" panose="020B0604020202020204" pitchFamily="34" charset="0"/>
-                <a:cs typeface="Arial" panose="020B0604020202020204" pitchFamily="34" charset="0"/>
-              </a:rPr>
-              <a:t>Qualidade</a:t>
-            </a:r>
-          </a:p>
-          <a:p>
-            <a:pPr marL="342900" indent="-342900">
-              <a:buFont typeface="Arial" panose="020B0604020202020204" pitchFamily="34" charset="0"/>
-              <a:buChar char="•"/>
-            </a:pPr>
-            <a:r>
-              <a:rPr lang="pt-BR" sz="2400" dirty="0">
-                <a:latin typeface="Arial" panose="020B0604020202020204" pitchFamily="34" charset="0"/>
-                <a:cs typeface="Arial" panose="020B0604020202020204" pitchFamily="34" charset="0"/>
-              </a:rPr>
-              <a:t>Tecnologia</a:t>
-            </a:r>
-          </a:p>
-          <a:p>
-            <a:pPr marL="285750" indent="-285750">
-              <a:buFont typeface="Arial" panose="020B0604020202020204" pitchFamily="34" charset="0"/>
-              <a:buChar char="•"/>
-            </a:pPr>
-            <a:endParaRPr lang="pt-BR" dirty="0">
-              <a:latin typeface="Arial" panose="020B0604020202020204" pitchFamily="34" charset="0"/>
-              <a:cs typeface="Arial" panose="020B0604020202020204" pitchFamily="34" charset="0"/>
-            </a:endParaRPr>
-          </a:p>
-        </p:txBody>
-      </p:sp>
-      <p:sp>
-        <p:nvSpPr>
-          <p:cNvPr id="14" name="CaixaDeTexto 13">
-            <a:extLst>
-              <a:ext uri="{FF2B5EF4-FFF2-40B4-BE49-F238E27FC236}">
-                <a16:creationId xmlns:a16="http://schemas.microsoft.com/office/drawing/2014/main" id="{249B81FE-5C8C-1437-3582-E7C5CC1D36FB}"/>
-              </a:ext>
-            </a:extLst>
-          </p:cNvPr>
-          <p:cNvSpPr txBox="1"/>
-          <p:nvPr/>
-        </p:nvSpPr>
-        <p:spPr>
-          <a:xfrm>
-            <a:off x="7327760" y="4410669"/>
-            <a:ext cx="4024745" cy="1846659"/>
-          </a:xfrm>
-          <a:prstGeom prst="rect">
-            <a:avLst/>
-          </a:prstGeom>
-          <a:noFill/>
-          <a:ln w="19050">
-            <a:noFill/>
-          </a:ln>
-        </p:spPr>
-        <p:txBody>
-          <a:bodyPr wrap="square" rtlCol="0">
-            <a:spAutoFit/>
-          </a:bodyPr>
-          <a:lstStyle/>
-          <a:p>
-            <a:pPr marL="342900" indent="-342900">
-              <a:buFont typeface="Arial" panose="020B0604020202020204" pitchFamily="34" charset="0"/>
-              <a:buChar char="•"/>
-            </a:pPr>
-            <a:r>
-              <a:rPr lang="pt-BR" sz="2400" dirty="0">
-                <a:latin typeface="Arial" panose="020B0604020202020204" pitchFamily="34" charset="0"/>
-                <a:cs typeface="Arial" panose="020B0604020202020204" pitchFamily="34" charset="0"/>
-              </a:rPr>
-              <a:t>Ativos antigos</a:t>
-            </a:r>
-          </a:p>
-          <a:p>
-            <a:pPr marL="342900" indent="-342900">
-              <a:buFont typeface="Arial" panose="020B0604020202020204" pitchFamily="34" charset="0"/>
-              <a:buChar char="•"/>
-            </a:pPr>
-            <a:r>
-              <a:rPr lang="pt-BR" sz="2400" dirty="0">
-                <a:latin typeface="Arial" panose="020B0604020202020204" pitchFamily="34" charset="0"/>
-                <a:cs typeface="Arial" panose="020B0604020202020204" pitchFamily="34" charset="0"/>
-              </a:rPr>
-              <a:t>Fatores climáticos</a:t>
-            </a:r>
-          </a:p>
-          <a:p>
-            <a:pPr marL="342900" indent="-342900">
-              <a:buFont typeface="Arial" panose="020B0604020202020204" pitchFamily="34" charset="0"/>
-              <a:buChar char="•"/>
-            </a:pPr>
-            <a:r>
-              <a:rPr lang="pt-BR" sz="2400" dirty="0">
-                <a:latin typeface="Arial" panose="020B0604020202020204" pitchFamily="34" charset="0"/>
-                <a:cs typeface="Arial" panose="020B0604020202020204" pitchFamily="34" charset="0"/>
-              </a:rPr>
-              <a:t>Legislação </a:t>
-            </a:r>
-          </a:p>
-          <a:p>
-            <a:pPr marL="342900" indent="-342900">
-              <a:buFont typeface="Arial" panose="020B0604020202020204" pitchFamily="34" charset="0"/>
-              <a:buChar char="•"/>
-            </a:pPr>
-            <a:r>
-              <a:rPr lang="pt-BR" sz="2400" dirty="0">
-                <a:latin typeface="Arial" panose="020B0604020202020204" pitchFamily="34" charset="0"/>
-                <a:cs typeface="Arial" panose="020B0604020202020204" pitchFamily="34" charset="0"/>
-              </a:rPr>
-              <a:t>Política</a:t>
-            </a:r>
-          </a:p>
-          <a:p>
-            <a:endParaRPr lang="pt-BR" dirty="0"/>
-          </a:p>
-        </p:txBody>
-      </p:sp>
-      <p:sp>
-        <p:nvSpPr>
-          <p:cNvPr id="15" name="CaixaDeTexto 14">
-            <a:extLst>
-              <a:ext uri="{FF2B5EF4-FFF2-40B4-BE49-F238E27FC236}">
-                <a16:creationId xmlns:a16="http://schemas.microsoft.com/office/drawing/2014/main" id="{36D996A2-7DD9-F400-ED30-30093CCCFF7B}"/>
-              </a:ext>
-            </a:extLst>
-          </p:cNvPr>
-          <p:cNvSpPr txBox="1"/>
-          <p:nvPr/>
-        </p:nvSpPr>
-        <p:spPr>
-          <a:xfrm>
-            <a:off x="1876399" y="4170235"/>
-            <a:ext cx="4024745" cy="2492990"/>
-          </a:xfrm>
-          <a:prstGeom prst="rect">
-            <a:avLst/>
-          </a:prstGeom>
-          <a:noFill/>
-          <a:ln w="19050">
-            <a:noFill/>
-          </a:ln>
-        </p:spPr>
-        <p:txBody>
-          <a:bodyPr wrap="square" rtlCol="0">
-            <a:spAutoFit/>
-          </a:bodyPr>
-          <a:lstStyle/>
-          <a:p>
-            <a:pPr marL="285750" indent="-285750">
-              <a:buFont typeface="Arial" panose="020B0604020202020204" pitchFamily="34" charset="0"/>
-              <a:buChar char="•"/>
-            </a:pPr>
-            <a:r>
-              <a:rPr lang="pt-BR" sz="2000" dirty="0">
-                <a:latin typeface="Arial" panose="020B0604020202020204" pitchFamily="34" charset="0"/>
-                <a:cs typeface="Arial" panose="020B0604020202020204" pitchFamily="34" charset="0"/>
-              </a:rPr>
-              <a:t>Expansão das rede de distribuição</a:t>
-            </a:r>
-          </a:p>
-          <a:p>
-            <a:pPr marL="285750" indent="-285750">
-              <a:buFont typeface="Arial" panose="020B0604020202020204" pitchFamily="34" charset="0"/>
-              <a:buChar char="•"/>
-            </a:pPr>
-            <a:r>
-              <a:rPr lang="pt-BR" sz="2000" dirty="0">
-                <a:latin typeface="Arial" panose="020B0604020202020204" pitchFamily="34" charset="0"/>
-                <a:cs typeface="Arial" panose="020B0604020202020204" pitchFamily="34" charset="0"/>
-              </a:rPr>
-              <a:t>Aumento do consumo de energia no País</a:t>
-            </a:r>
-          </a:p>
-          <a:p>
-            <a:pPr marL="285750" indent="-285750">
-              <a:buFont typeface="Arial" panose="020B0604020202020204" pitchFamily="34" charset="0"/>
-              <a:buChar char="•"/>
-            </a:pPr>
-            <a:r>
-              <a:rPr lang="pt-BR" sz="2000" dirty="0">
-                <a:latin typeface="Arial" panose="020B0604020202020204" pitchFamily="34" charset="0"/>
-                <a:cs typeface="Arial" panose="020B0604020202020204" pitchFamily="34" charset="0"/>
-              </a:rPr>
-              <a:t>Expansão da geração por fontes renováveis</a:t>
-            </a:r>
-          </a:p>
-          <a:p>
-            <a:endParaRPr lang="pt-BR" dirty="0"/>
-          </a:p>
-          <a:p>
-            <a:endParaRPr lang="pt-BR" dirty="0"/>
-          </a:p>
-        </p:txBody>
-      </p:sp>
-    </p:spTree>
-    <p:extLst>
-      <p:ext uri="{BB962C8B-B14F-4D97-AF65-F5344CB8AC3E}">
-        <p14:creationId xmlns:p14="http://schemas.microsoft.com/office/powerpoint/2010/main" val="1346890498"/>
-      </p:ext>
-    </p:extLst>
-  </p:cSld>
-  <p:clrMapOvr>
-    <a:masterClrMapping/>
-  </p:clrMapOvr>
-</p:sld>
-</file>
-
-<file path=ppt/slides/slide11.xml><?xml version="1.0" encoding="utf-8"?>
-<p:sld xmlns:a="http://schemas.openxmlformats.org/drawingml/2006/main" xmlns:r="http://schemas.openxmlformats.org/officeDocument/2006/relationships" xmlns:p="http://schemas.openxmlformats.org/presentationml/2006/main">
-  <p:cSld>
-    <p:spTree>
-      <p:nvGrpSpPr>
-        <p:cNvPr id="1" name=""/>
-        <p:cNvGrpSpPr/>
-        <p:nvPr/>
-      </p:nvGrpSpPr>
-      <p:grpSpPr>
-        <a:xfrm>
-          <a:off x="0" y="0"/>
-          <a:ext cx="0" cy="0"/>
-          <a:chOff x="0" y="0"/>
-          <a:chExt cx="0" cy="0"/>
-        </a:xfrm>
-      </p:grpSpPr>
-      <p:pic>
-        <p:nvPicPr>
-          <p:cNvPr id="6" name="Imagem 5">
-            <a:extLst>
-              <a:ext uri="{FF2B5EF4-FFF2-40B4-BE49-F238E27FC236}">
-                <a16:creationId xmlns:a16="http://schemas.microsoft.com/office/drawing/2014/main" id="{95FC20A2-893D-E61C-4742-1E7416CA615D}"/>
-              </a:ext>
-            </a:extLst>
-          </p:cNvPr>
-          <p:cNvPicPr>
-            <a:picLocks noChangeAspect="1"/>
-          </p:cNvPicPr>
-          <p:nvPr/>
-        </p:nvPicPr>
-        <p:blipFill>
-          <a:blip r:embed="rId2"/>
-          <a:stretch>
-            <a:fillRect/>
-          </a:stretch>
-        </p:blipFill>
-        <p:spPr>
-          <a:xfrm>
-            <a:off x="7582048" y="3668311"/>
-            <a:ext cx="4635017" cy="3024101"/>
-          </a:xfrm>
-          <a:prstGeom prst="rect">
-            <a:avLst/>
-          </a:prstGeom>
-        </p:spPr>
-      </p:pic>
-      <p:sp>
-        <p:nvSpPr>
-          <p:cNvPr id="4" name="Triângulo Retângulo 3">
-            <a:extLst>
-              <a:ext uri="{FF2B5EF4-FFF2-40B4-BE49-F238E27FC236}">
-                <a16:creationId xmlns:a16="http://schemas.microsoft.com/office/drawing/2014/main" id="{116EC607-7B07-9A91-D369-2DEAE8471510}"/>
-              </a:ext>
-            </a:extLst>
-          </p:cNvPr>
-          <p:cNvSpPr/>
-          <p:nvPr/>
-        </p:nvSpPr>
-        <p:spPr>
-          <a:xfrm>
-            <a:off x="-22462" y="4693920"/>
-            <a:ext cx="2506582" cy="2164080"/>
-          </a:xfrm>
-          <a:prstGeom prst="rtTriangle">
-            <a:avLst/>
-          </a:prstGeom>
-          <a:ln>
-            <a:noFill/>
-          </a:ln>
-        </p:spPr>
-        <p:style>
-          <a:lnRef idx="2">
-            <a:schemeClr val="accent1">
-              <a:shade val="15000"/>
-            </a:schemeClr>
-          </a:lnRef>
-          <a:fillRef idx="1">
-            <a:schemeClr val="accent1"/>
-          </a:fillRef>
-          <a:effectRef idx="0">
-            <a:schemeClr val="accent1"/>
-          </a:effectRef>
-          <a:fontRef idx="minor">
-            <a:schemeClr val="lt1"/>
-          </a:fontRef>
-        </p:style>
-        <p:txBody>
-          <a:bodyPr rtlCol="0" anchor="ctr"/>
-          <a:lstStyle/>
-          <a:p>
-            <a:pPr algn="ctr"/>
-            <a:endParaRPr lang="pt-BR"/>
-          </a:p>
-        </p:txBody>
-      </p:sp>
-      <p:pic>
-        <p:nvPicPr>
-          <p:cNvPr id="12290" name="Picture 2" descr="Growth - Free business icons"/>
-          <p:cNvPicPr>
-            <a:picLocks noChangeAspect="1" noChangeArrowheads="1"/>
-          </p:cNvPicPr>
-          <p:nvPr/>
-        </p:nvPicPr>
-        <p:blipFill>
-          <a:blip r:embed="rId3" cstate="print"/>
-          <a:srcRect/>
-          <a:stretch>
-            <a:fillRect/>
-          </a:stretch>
-        </p:blipFill>
-        <p:spPr bwMode="auto">
-          <a:xfrm>
-            <a:off x="164124" y="5731120"/>
-            <a:ext cx="961292" cy="961292"/>
-          </a:xfrm>
-          <a:prstGeom prst="rect">
-            <a:avLst/>
-          </a:prstGeom>
-          <a:noFill/>
-        </p:spPr>
-      </p:pic>
-      <p:sp>
-        <p:nvSpPr>
-          <p:cNvPr id="3" name="Título 1">
-            <a:extLst>
-              <a:ext uri="{FF2B5EF4-FFF2-40B4-BE49-F238E27FC236}">
-                <a16:creationId xmlns:a16="http://schemas.microsoft.com/office/drawing/2014/main" id="{9CB4481D-5C8D-5AFA-0DA9-322D9E693ACB}"/>
+      <p:sp>
+        <p:nvSpPr>
+          <p:cNvPr id="8" name="Título 1">
+            <a:extLst>
+              <a:ext uri="{FF2B5EF4-FFF2-40B4-BE49-F238E27FC236}">
+                <a16:creationId xmlns:a16="http://schemas.microsoft.com/office/drawing/2014/main" id="{1C8D970B-800C-BDA2-2522-31DBCA87ACC3}"/>
               </a:ext>
             </a:extLst>
           </p:cNvPr>
@@ -5397,8 +4884,8 @@
         </p:nvSpPr>
         <p:spPr>
           <a:xfrm>
-            <a:off x="508650" y="688848"/>
-            <a:ext cx="5008230" cy="1475231"/>
+            <a:off x="783156" y="1746504"/>
+            <a:ext cx="4718484" cy="835152"/>
           </a:xfrm>
           <a:prstGeom prst="rect">
             <a:avLst/>
@@ -5429,21 +4916,21 @@
           </a:lstStyle>
           <a:p>
             <a:r>
-              <a:rPr lang="pt-BR" sz="4000" dirty="0">
+              <a:rPr lang="pt-BR" sz="3200" dirty="0">
                 <a:latin typeface="Arial" panose="020B0604020202020204" pitchFamily="34" charset="0"/>
                 <a:cs typeface="Arial" panose="020B0604020202020204" pitchFamily="34" charset="0"/>
               </a:rPr>
-              <a:t>Estratégias de Crescimento</a:t>
-            </a:r>
-          </a:p>
-        </p:txBody>
-      </p:sp>
-      <p:sp>
-        <p:nvSpPr>
-          <p:cNvPr id="2" name="CaixaDeTexto 1">
-            <a:extLst>
-              <a:ext uri="{FF2B5EF4-FFF2-40B4-BE49-F238E27FC236}">
-                <a16:creationId xmlns:a16="http://schemas.microsoft.com/office/drawing/2014/main" id="{36507252-3F8C-6FDB-7D68-1C857D68CBF0}"/>
+              <a:t>Pontos fracos</a:t>
+            </a:r>
+          </a:p>
+        </p:txBody>
+      </p:sp>
+      <p:sp>
+        <p:nvSpPr>
+          <p:cNvPr id="5" name="CaixaDeTexto 4">
+            <a:extLst>
+              <a:ext uri="{FF2B5EF4-FFF2-40B4-BE49-F238E27FC236}">
+                <a16:creationId xmlns:a16="http://schemas.microsoft.com/office/drawing/2014/main" id="{EFE75B3E-9F7B-2320-076E-6E6F2091A4A5}"/>
               </a:ext>
             </a:extLst>
           </p:cNvPr>
@@ -5452,13 +4939,16 @@
         </p:nvSpPr>
         <p:spPr>
           <a:xfrm>
-            <a:off x="1336367" y="2318039"/>
-            <a:ext cx="8057016" cy="2862322"/>
+            <a:off x="622536" y="2509139"/>
+            <a:ext cx="4024745" cy="2597827"/>
           </a:xfrm>
           <a:prstGeom prst="rect">
             <a:avLst/>
           </a:prstGeom>
           <a:noFill/>
+          <a:ln w="19050">
+            <a:noFill/>
+          </a:ln>
         </p:spPr>
         <p:txBody>
           <a:bodyPr wrap="square" rtlCol="0">
@@ -5466,7 +4956,7 @@
           </a:bodyPr>
           <a:lstStyle/>
           <a:p>
-            <a:pPr marL="285750" indent="-285750" algn="just">
+            <a:pPr marL="342900" indent="-342900">
               <a:lnSpc>
                 <a:spcPct val="150000"/>
               </a:lnSpc>
@@ -5474,15 +4964,15 @@
               <a:buChar char="•"/>
             </a:pPr>
             <a:r>
-              <a:rPr lang="pt-BR" sz="2400" dirty="0">
+              <a:rPr lang="pt-BR" sz="2800" dirty="0">
                 <a:latin typeface="Arial" panose="020B0604020202020204" pitchFamily="34" charset="0"/>
                 <a:cs typeface="Arial" panose="020B0604020202020204" pitchFamily="34" charset="0"/>
               </a:rPr>
-              <a:t>Investir na expansão das redes elétricas;</a:t>
-            </a:r>
-          </a:p>
-          <a:p>
-            <a:pPr marL="285750" indent="-285750" algn="just">
+              <a:t>Preço/ condição pagamento</a:t>
+            </a:r>
+          </a:p>
+          <a:p>
+            <a:pPr marL="342900" indent="-342900">
               <a:lnSpc>
                 <a:spcPct val="150000"/>
               </a:lnSpc>
@@ -5490,15 +4980,15 @@
               <a:buChar char="•"/>
             </a:pPr>
             <a:r>
-              <a:rPr lang="pt-BR" sz="2400" dirty="0">
+              <a:rPr lang="pt-BR" sz="2800" dirty="0">
                 <a:latin typeface="Arial" panose="020B0604020202020204" pitchFamily="34" charset="0"/>
                 <a:cs typeface="Arial" panose="020B0604020202020204" pitchFamily="34" charset="0"/>
               </a:rPr>
-              <a:t>Aumentar a capacidade de geração de energia;</a:t>
-            </a:r>
-          </a:p>
-          <a:p>
-            <a:pPr marL="285750" indent="-285750" algn="just">
+              <a:t>Comunicação</a:t>
+            </a:r>
+          </a:p>
+          <a:p>
+            <a:pPr marL="342900" indent="-342900">
               <a:lnSpc>
                 <a:spcPct val="150000"/>
               </a:lnSpc>
@@ -5506,195 +4996,21 @@
               <a:buChar char="•"/>
             </a:pPr>
             <a:r>
-              <a:rPr lang="pt-BR" sz="2400" dirty="0">
+              <a:rPr lang="pt-BR" sz="2800" dirty="0">
                 <a:latin typeface="Arial" panose="020B0604020202020204" pitchFamily="34" charset="0"/>
                 <a:cs typeface="Arial" panose="020B0604020202020204" pitchFamily="34" charset="0"/>
               </a:rPr>
-              <a:t>Aumentar manutenções preventivas;</a:t>
-            </a:r>
-          </a:p>
-          <a:p>
-            <a:pPr marL="285750" indent="-285750" algn="just">
-              <a:lnSpc>
-                <a:spcPct val="150000"/>
-              </a:lnSpc>
-              <a:buFont typeface="Arial" panose="020B0604020202020204" pitchFamily="34" charset="0"/>
-              <a:buChar char="•"/>
-            </a:pPr>
-            <a:r>
-              <a:rPr lang="pt-BR" sz="2400" dirty="0">
-                <a:latin typeface="Arial" panose="020B0604020202020204" pitchFamily="34" charset="0"/>
-                <a:cs typeface="Arial" panose="020B0604020202020204" pitchFamily="34" charset="0"/>
-              </a:rPr>
-              <a:t>Investir em fontes de geração renováveis;</a:t>
-            </a:r>
-          </a:p>
-          <a:p>
-            <a:endParaRPr lang="pt-BR" dirty="0"/>
-          </a:p>
-          <a:p>
-            <a:endParaRPr lang="pt-BR" dirty="0"/>
-          </a:p>
-        </p:txBody>
-      </p:sp>
-      <p:pic>
-        <p:nvPicPr>
-          <p:cNvPr id="7" name="Picture 2" descr="Fatec Votorantim">
-            <a:extLst>
-              <a:ext uri="{FF2B5EF4-FFF2-40B4-BE49-F238E27FC236}">
-                <a16:creationId xmlns:a16="http://schemas.microsoft.com/office/drawing/2014/main" id="{87C928F2-CB00-95A3-8C7C-A4C31CBE91FB}"/>
-              </a:ext>
-            </a:extLst>
-          </p:cNvPr>
-          <p:cNvPicPr>
-            <a:picLocks noChangeAspect="1" noChangeArrowheads="1"/>
-          </p:cNvPicPr>
-          <p:nvPr/>
-        </p:nvPicPr>
-        <p:blipFill>
-          <a:blip r:embed="rId4" cstate="print">
-            <a:extLst>
-              <a:ext uri="{28A0092B-C50C-407E-A947-70E740481C1C}">
-                <a14:useLocalDpi xmlns:a14="http://schemas.microsoft.com/office/drawing/2010/main" val="0"/>
-              </a:ext>
-            </a:extLst>
-          </a:blip>
-          <a:srcRect/>
-          <a:stretch>
-            <a:fillRect/>
-          </a:stretch>
-        </p:blipFill>
-        <p:spPr bwMode="auto">
-          <a:xfrm>
-            <a:off x="9670638" y="165588"/>
-            <a:ext cx="2309086" cy="605254"/>
-          </a:xfrm>
-          <a:prstGeom prst="rect">
-            <a:avLst/>
-          </a:prstGeom>
-          <a:noFill/>
-          <a:extLst>
-            <a:ext uri="{909E8E84-426E-40DD-AFC4-6F175D3DCCD1}">
-              <a14:hiddenFill xmlns:a14="http://schemas.microsoft.com/office/drawing/2010/main">
-                <a:solidFill>
-                  <a:srgbClr val="FFFFFF"/>
-                </a:solidFill>
-              </a14:hiddenFill>
-            </a:ext>
-          </a:extLst>
-        </p:spPr>
-      </p:pic>
-    </p:spTree>
-    <p:extLst>
-      <p:ext uri="{BB962C8B-B14F-4D97-AF65-F5344CB8AC3E}">
-        <p14:creationId xmlns:p14="http://schemas.microsoft.com/office/powerpoint/2010/main" val="4239493358"/>
-      </p:ext>
-    </p:extLst>
-  </p:cSld>
-  <p:clrMapOvr>
-    <a:masterClrMapping/>
-  </p:clrMapOvr>
-</p:sld>
-</file>
-
-<file path=ppt/slides/slide12.xml><?xml version="1.0" encoding="utf-8"?>
-<p:sld xmlns:a="http://schemas.openxmlformats.org/drawingml/2006/main" xmlns:r="http://schemas.openxmlformats.org/officeDocument/2006/relationships" xmlns:p="http://schemas.openxmlformats.org/presentationml/2006/main">
-  <p:cSld>
-    <p:spTree>
-      <p:nvGrpSpPr>
-        <p:cNvPr id="1" name=""/>
-        <p:cNvGrpSpPr/>
-        <p:nvPr/>
-      </p:nvGrpSpPr>
-      <p:grpSpPr>
-        <a:xfrm>
-          <a:off x="0" y="0"/>
-          <a:ext cx="0" cy="0"/>
-          <a:chOff x="0" y="0"/>
-          <a:chExt cx="0" cy="0"/>
-        </a:xfrm>
-      </p:grpSpPr>
-      <p:sp>
-        <p:nvSpPr>
-          <p:cNvPr id="3" name="Triângulo Retângulo 3">
-            <a:extLst>
-              <a:ext uri="{FF2B5EF4-FFF2-40B4-BE49-F238E27FC236}">
-                <a16:creationId xmlns:a16="http://schemas.microsoft.com/office/drawing/2014/main" id="{116EC607-7B07-9A91-D369-2DEAE8471510}"/>
-              </a:ext>
-            </a:extLst>
-          </p:cNvPr>
-          <p:cNvSpPr/>
-          <p:nvPr/>
-        </p:nvSpPr>
-        <p:spPr>
-          <a:xfrm>
-            <a:off x="-22462" y="4693920"/>
-            <a:ext cx="2506582" cy="2164080"/>
-          </a:xfrm>
-          <a:prstGeom prst="rtTriangle">
-            <a:avLst/>
-          </a:prstGeom>
-          <a:ln>
-            <a:noFill/>
-          </a:ln>
-        </p:spPr>
-        <p:style>
-          <a:lnRef idx="2">
-            <a:schemeClr val="accent1">
-              <a:shade val="15000"/>
-            </a:schemeClr>
-          </a:lnRef>
-          <a:fillRef idx="1">
-            <a:schemeClr val="accent1"/>
-          </a:fillRef>
-          <a:effectRef idx="0">
-            <a:schemeClr val="accent1"/>
-          </a:effectRef>
-          <a:fontRef idx="minor">
-            <a:schemeClr val="lt1"/>
-          </a:fontRef>
-        </p:style>
-        <p:txBody>
-          <a:bodyPr rtlCol="0" anchor="ctr"/>
-          <a:lstStyle/>
-          <a:p>
-            <a:pPr algn="ctr"/>
-            <a:endParaRPr lang="pt-BR"/>
-          </a:p>
-        </p:txBody>
-      </p:sp>
-      <p:pic>
-        <p:nvPicPr>
-          <p:cNvPr id="11266" name="Picture 2" descr="Fight - Free entertainment icons"/>
-          <p:cNvPicPr>
-            <a:picLocks noChangeAspect="1" noChangeArrowheads="1"/>
-          </p:cNvPicPr>
-          <p:nvPr/>
-        </p:nvPicPr>
-        <p:blipFill>
-          <a:blip r:embed="rId2" cstate="print"/>
-          <a:srcRect/>
-          <a:stretch>
-            <a:fillRect/>
-          </a:stretch>
-        </p:blipFill>
-        <p:spPr bwMode="auto">
-          <a:xfrm>
-            <a:off x="164124" y="5709139"/>
-            <a:ext cx="961292" cy="961292"/>
-          </a:xfrm>
-          <a:prstGeom prst="rect">
-            <a:avLst/>
-          </a:prstGeom>
-          <a:noFill/>
-        </p:spPr>
-      </p:pic>
-      <p:sp>
-        <p:nvSpPr>
-          <p:cNvPr id="6" name="Título 1">
-            <a:extLst>
-              <a:ext uri="{FF2B5EF4-FFF2-40B4-BE49-F238E27FC236}">
-                <a16:creationId xmlns:a16="http://schemas.microsoft.com/office/drawing/2014/main" id="{E9D7E2B4-A9AA-9D36-A2CF-DC3361205435}"/>
+              <a:t>Plataforma digital</a:t>
+            </a:r>
+          </a:p>
+        </p:txBody>
+      </p:sp>
+      <p:sp>
+        <p:nvSpPr>
+          <p:cNvPr id="11" name="Título 1">
+            <a:extLst>
+              <a:ext uri="{FF2B5EF4-FFF2-40B4-BE49-F238E27FC236}">
+                <a16:creationId xmlns:a16="http://schemas.microsoft.com/office/drawing/2014/main" id="{E8B5A07B-4642-CA63-C296-08ACE8232496}"/>
               </a:ext>
             </a:extLst>
           </p:cNvPr>
@@ -5705,8 +5021,8 @@
         </p:nvSpPr>
         <p:spPr>
           <a:xfrm>
-            <a:off x="508650" y="688848"/>
-            <a:ext cx="5008230" cy="1475231"/>
+            <a:off x="5284683" y="1706880"/>
+            <a:ext cx="7115135" cy="1657571"/>
           </a:xfrm>
           <a:prstGeom prst="rect">
             <a:avLst/>
@@ -5737,7 +5053,7 @@
           </a:lstStyle>
           <a:p>
             <a:r>
-              <a:rPr lang="pt-BR" sz="4000" dirty="0">
+              <a:rPr lang="pt-BR" sz="3600" dirty="0">
                 <a:latin typeface="Arial" panose="020B0604020202020204" pitchFamily="34" charset="0"/>
                 <a:cs typeface="Arial" panose="020B0604020202020204" pitchFamily="34" charset="0"/>
               </a:rPr>
@@ -5748,10 +5064,10 @@
       </p:sp>
       <p:sp>
         <p:nvSpPr>
-          <p:cNvPr id="2" name="CaixaDeTexto 1">
-            <a:extLst>
-              <a:ext uri="{FF2B5EF4-FFF2-40B4-BE49-F238E27FC236}">
-                <a16:creationId xmlns:a16="http://schemas.microsoft.com/office/drawing/2014/main" id="{095E5AB5-32F7-93BF-6B46-0196DB8C92FA}"/>
+          <p:cNvPr id="12" name="CaixaDeTexto 11">
+            <a:extLst>
+              <a:ext uri="{FF2B5EF4-FFF2-40B4-BE49-F238E27FC236}">
+                <a16:creationId xmlns:a16="http://schemas.microsoft.com/office/drawing/2014/main" id="{FC52CCA6-FD1B-5DD5-C8AF-60C3A68A0C88}"/>
               </a:ext>
             </a:extLst>
           </p:cNvPr>
@@ -5760,8 +5076,8 @@
         </p:nvSpPr>
         <p:spPr>
           <a:xfrm>
-            <a:off x="803564" y="2601039"/>
-            <a:ext cx="6691745" cy="2523768"/>
+            <a:off x="4833024" y="2621280"/>
+            <a:ext cx="6850323" cy="3787768"/>
           </a:xfrm>
           <a:prstGeom prst="rect">
             <a:avLst/>
@@ -5774,151 +5090,67 @@
           </a:bodyPr>
           <a:lstStyle/>
           <a:p>
-            <a:pPr marL="457200" indent="-457200">
+            <a:pPr marL="285750" indent="-285750">
+              <a:lnSpc>
+                <a:spcPct val="150000"/>
+              </a:lnSpc>
               <a:buFont typeface="Arial" panose="020B0604020202020204" pitchFamily="34" charset="0"/>
               <a:buChar char="•"/>
             </a:pPr>
             <a:r>
-              <a:rPr lang="pt-BR" sz="2800" dirty="0">
+              <a:rPr lang="pt-BR" sz="2400" dirty="0">
                 <a:latin typeface="Arial" panose="020B0604020202020204" pitchFamily="34" charset="0"/>
                 <a:cs typeface="Arial" panose="020B0604020202020204" pitchFamily="34" charset="0"/>
               </a:rPr>
-              <a:t>Investir na modernização de ativos;</a:t>
-            </a:r>
-          </a:p>
-          <a:p>
-            <a:pPr marL="457200" indent="-457200">
+              <a:t>Possibilitar maior flexibilidade no pagamento da conta de energia;</a:t>
+            </a:r>
+          </a:p>
+          <a:p>
+            <a:pPr marL="285750" indent="-285750">
+              <a:lnSpc>
+                <a:spcPct val="150000"/>
+              </a:lnSpc>
               <a:buFont typeface="Arial" panose="020B0604020202020204" pitchFamily="34" charset="0"/>
               <a:buChar char="•"/>
             </a:pPr>
             <a:r>
-              <a:rPr lang="pt-BR" sz="2800" dirty="0">
+              <a:rPr lang="pt-BR" sz="2400" dirty="0">
                 <a:latin typeface="Arial" panose="020B0604020202020204" pitchFamily="34" charset="0"/>
                 <a:cs typeface="Arial" panose="020B0604020202020204" pitchFamily="34" charset="0"/>
               </a:rPr>
-              <a:t>Aumentar as manutenções preventivas;</a:t>
-            </a:r>
-          </a:p>
-          <a:p>
-            <a:pPr marL="457200" indent="-457200">
+              <a:t>Aumentar a capacidade de atendimento em períodos de grande demanda;</a:t>
+            </a:r>
+          </a:p>
+          <a:p>
+            <a:pPr marL="285750" indent="-285750">
+              <a:lnSpc>
+                <a:spcPct val="150000"/>
+              </a:lnSpc>
               <a:buFont typeface="Arial" panose="020B0604020202020204" pitchFamily="34" charset="0"/>
               <a:buChar char="•"/>
             </a:pPr>
             <a:r>
-              <a:rPr lang="pt-BR" sz="2800" dirty="0">
+              <a:rPr lang="pt-BR" sz="2400" dirty="0">
                 <a:latin typeface="Arial" panose="020B0604020202020204" pitchFamily="34" charset="0"/>
                 <a:cs typeface="Arial" panose="020B0604020202020204" pitchFamily="34" charset="0"/>
               </a:rPr>
-              <a:t>Investir em fontes de geração renováveis;</a:t>
-            </a:r>
-          </a:p>
-          <a:p>
-            <a:pPr marL="285750" indent="-285750">
-              <a:buFont typeface="Arial" panose="020B0604020202020204" pitchFamily="34" charset="0"/>
-              <a:buChar char="•"/>
+              <a:t>Aumentar o investimento no aplicativo da CPFL Energia;</a:t>
+            </a:r>
+          </a:p>
+          <a:p>
+            <a:pPr>
+              <a:lnSpc>
+                <a:spcPct val="150000"/>
+              </a:lnSpc>
             </a:pPr>
             <a:endParaRPr lang="pt-BR" dirty="0"/>
           </a:p>
         </p:txBody>
       </p:sp>
-      <p:pic>
-        <p:nvPicPr>
-          <p:cNvPr id="1028" name="Picture 4" descr="Energia limpa: O que é? Conheça seus tipos | Órigo Blog">
-            <a:extLst>
-              <a:ext uri="{FF2B5EF4-FFF2-40B4-BE49-F238E27FC236}">
-                <a16:creationId xmlns:a16="http://schemas.microsoft.com/office/drawing/2014/main" id="{9C8B3FCA-B7DB-FAB7-14C2-6FF5C7DFB167}"/>
-              </a:ext>
-            </a:extLst>
-          </p:cNvPr>
-          <p:cNvPicPr>
-            <a:picLocks noChangeAspect="1" noChangeArrowheads="1"/>
-          </p:cNvPicPr>
-          <p:nvPr/>
-        </p:nvPicPr>
-        <p:blipFill>
-          <a:blip r:embed="rId3">
-            <a:extLst>
-              <a:ext uri="{28A0092B-C50C-407E-A947-70E740481C1C}">
-                <a14:useLocalDpi xmlns:a14="http://schemas.microsoft.com/office/drawing/2010/main" val="0"/>
-              </a:ext>
-            </a:extLst>
-          </a:blip>
-          <a:srcRect/>
-          <a:stretch>
-            <a:fillRect/>
-          </a:stretch>
-        </p:blipFill>
-        <p:spPr bwMode="auto">
-          <a:xfrm>
-            <a:off x="7481454" y="3638118"/>
-            <a:ext cx="4151571" cy="2762682"/>
-          </a:xfrm>
-          <a:prstGeom prst="rect">
-            <a:avLst/>
-          </a:prstGeom>
-          <a:noFill/>
-          <a:extLst>
-            <a:ext uri="{909E8E84-426E-40DD-AFC4-6F175D3DCCD1}">
-              <a14:hiddenFill xmlns:a14="http://schemas.microsoft.com/office/drawing/2010/main">
-                <a:solidFill>
-                  <a:srgbClr val="FFFFFF"/>
-                </a:solidFill>
-              </a14:hiddenFill>
-            </a:ext>
-          </a:extLst>
-        </p:spPr>
-      </p:pic>
-      <p:pic>
-        <p:nvPicPr>
-          <p:cNvPr id="4" name="Picture 2" descr="Fatec Votorantim">
-            <a:extLst>
-              <a:ext uri="{FF2B5EF4-FFF2-40B4-BE49-F238E27FC236}">
-                <a16:creationId xmlns:a16="http://schemas.microsoft.com/office/drawing/2014/main" id="{DAADFA7E-04EE-2D3A-90EB-0E2C6401DBBA}"/>
-              </a:ext>
-            </a:extLst>
-          </p:cNvPr>
-          <p:cNvPicPr>
-            <a:picLocks noChangeAspect="1" noChangeArrowheads="1"/>
-          </p:cNvPicPr>
-          <p:nvPr/>
-        </p:nvPicPr>
-        <p:blipFill>
-          <a:blip r:embed="rId4" cstate="print">
-            <a:extLst>
-              <a:ext uri="{28A0092B-C50C-407E-A947-70E740481C1C}">
-                <a14:useLocalDpi xmlns:a14="http://schemas.microsoft.com/office/drawing/2010/main" val="0"/>
-              </a:ext>
-            </a:extLst>
-          </a:blip>
-          <a:srcRect/>
-          <a:stretch>
-            <a:fillRect/>
-          </a:stretch>
-        </p:blipFill>
-        <p:spPr bwMode="auto">
-          <a:xfrm>
-            <a:off x="9557239" y="154573"/>
-            <a:ext cx="2309086" cy="605254"/>
-          </a:xfrm>
-          <a:prstGeom prst="rect">
-            <a:avLst/>
-          </a:prstGeom>
-          <a:noFill/>
-          <a:extLst>
-            <a:ext uri="{909E8E84-426E-40DD-AFC4-6F175D3DCCD1}">
-              <a14:hiddenFill xmlns:a14="http://schemas.microsoft.com/office/drawing/2010/main">
-                <a:solidFill>
-                  <a:srgbClr val="FFFFFF"/>
-                </a:solidFill>
-              </a14:hiddenFill>
-            </a:ext>
-          </a:extLst>
-        </p:spPr>
-      </p:pic>
     </p:spTree>
     <p:extLst>
       <p:ext uri="{BB962C8B-B14F-4D97-AF65-F5344CB8AC3E}">
-        <p14:creationId xmlns:p14="http://schemas.microsoft.com/office/powerpoint/2010/main" val="3521772034"/>
+        <p14:creationId xmlns:p14="http://schemas.microsoft.com/office/powerpoint/2010/main" val="1542905602"/>
       </p:ext>
     </p:extLst>
   </p:cSld>
@@ -5928,12 +5160,18 @@
 </p:sld>
 </file>
 
-<file path=ppt/slides/slide13.xml><?xml version="1.0" encoding="utf-8"?>
+<file path=ppt/slides/slide11.xml><?xml version="1.0" encoding="utf-8"?>
 <p:sld xmlns:a="http://schemas.openxmlformats.org/drawingml/2006/main" xmlns:r="http://schemas.openxmlformats.org/officeDocument/2006/relationships" xmlns:p="http://schemas.openxmlformats.org/presentationml/2006/main">
   <p:cSld>
     <p:spTree>
       <p:nvGrpSpPr>
-        <p:cNvPr id="1" name=""/>
+        <p:cNvPr id="1" name="">
+          <a:extLst>
+            <a:ext uri="{FF2B5EF4-FFF2-40B4-BE49-F238E27FC236}">
+              <a16:creationId xmlns:a16="http://schemas.microsoft.com/office/drawing/2014/main" id="{F966C657-5994-5DF1-4E96-85921FB7A756}"/>
+            </a:ext>
+          </a:extLst>
+        </p:cNvPr>
         <p:cNvGrpSpPr/>
         <p:nvPr/>
       </p:nvGrpSpPr>
@@ -5947,10 +5185,70 @@
       </p:grpSpPr>
       <p:sp>
         <p:nvSpPr>
-          <p:cNvPr id="3" name="Triângulo Retângulo 3">
-            <a:extLst>
-              <a:ext uri="{FF2B5EF4-FFF2-40B4-BE49-F238E27FC236}">
-                <a16:creationId xmlns:a16="http://schemas.microsoft.com/office/drawing/2014/main" id="{116EC607-7B07-9A91-D369-2DEAE8471510}"/>
+          <p:cNvPr id="2" name="Título 1">
+            <a:extLst>
+              <a:ext uri="{FF2B5EF4-FFF2-40B4-BE49-F238E27FC236}">
+                <a16:creationId xmlns:a16="http://schemas.microsoft.com/office/drawing/2014/main" id="{6FE2E194-F846-03AC-F46D-2CA07189787B}"/>
+              </a:ext>
+            </a:extLst>
+          </p:cNvPr>
+          <p:cNvSpPr>
+            <a:spLocks noGrp="1"/>
+          </p:cNvSpPr>
+          <p:nvPr>
+            <p:ph type="title"/>
+          </p:nvPr>
+        </p:nvSpPr>
+        <p:spPr>
+          <a:xfrm>
+            <a:off x="508650" y="688849"/>
+            <a:ext cx="4992990" cy="835152"/>
+          </a:xfrm>
+        </p:spPr>
+        <p:txBody>
+          <a:bodyPr>
+            <a:noAutofit/>
+          </a:bodyPr>
+          <a:lstStyle/>
+          <a:p>
+            <a:r>
+              <a:rPr lang="pt-BR" sz="3200" dirty="0">
+                <a:latin typeface="Arial" panose="020B0604020202020204" pitchFamily="34" charset="0"/>
+                <a:cs typeface="Arial" panose="020B0604020202020204" pitchFamily="34" charset="0"/>
+              </a:rPr>
+              <a:t>Análise SWOT</a:t>
+            </a:r>
+            <a:br>
+              <a:rPr lang="pt-BR" sz="4000" dirty="0">
+                <a:latin typeface="Arial" panose="020B0604020202020204" pitchFamily="34" charset="0"/>
+                <a:cs typeface="Arial" panose="020B0604020202020204" pitchFamily="34" charset="0"/>
+              </a:rPr>
+            </a:br>
+            <a:br>
+              <a:rPr lang="pt-BR" sz="4000" dirty="0">
+                <a:latin typeface="Arial" panose="020B0604020202020204" pitchFamily="34" charset="0"/>
+                <a:cs typeface="Arial" panose="020B0604020202020204" pitchFamily="34" charset="0"/>
+              </a:rPr>
+            </a:br>
+            <a:br>
+              <a:rPr lang="pt-BR" sz="4000" dirty="0">
+                <a:latin typeface="Arial" panose="020B0604020202020204" pitchFamily="34" charset="0"/>
+                <a:cs typeface="Arial" panose="020B0604020202020204" pitchFamily="34" charset="0"/>
+              </a:rPr>
+            </a:br>
+            <a:endParaRPr lang="pt-BR" sz="4000" dirty="0">
+              <a:latin typeface="Arial" panose="020B0604020202020204" pitchFamily="34" charset="0"/>
+              <a:cs typeface="Arial" panose="020B0604020202020204" pitchFamily="34" charset="0"/>
+            </a:endParaRPr>
+          </a:p>
+        </p:txBody>
+      </p:sp>
+      <p:sp>
+        <p:nvSpPr>
+          <p:cNvPr id="4" name="Triângulo Retângulo 3">
+            <a:extLst>
+              <a:ext uri="{FF2B5EF4-FFF2-40B4-BE49-F238E27FC236}">
+                <a16:creationId xmlns:a16="http://schemas.microsoft.com/office/drawing/2014/main" id="{D9E5500A-AB77-2936-41B4-9F98776A4DE7}"/>
               </a:ext>
             </a:extLst>
           </p:cNvPr>
@@ -5994,12 +5292,128 @@
           </a:p>
         </p:txBody>
       </p:sp>
-      <p:sp>
-        <p:nvSpPr>
-          <p:cNvPr id="6" name="Título 1">
-            <a:extLst>
-              <a:ext uri="{FF2B5EF4-FFF2-40B4-BE49-F238E27FC236}">
-                <a16:creationId xmlns:a16="http://schemas.microsoft.com/office/drawing/2014/main" id="{D5ABC5FE-76D3-382C-2D2D-8022A119AA90}"/>
+      <p:pic>
+        <p:nvPicPr>
+          <p:cNvPr id="6" name="Picture 2" descr="Fatec Votorantim">
+            <a:extLst>
+              <a:ext uri="{FF2B5EF4-FFF2-40B4-BE49-F238E27FC236}">
+                <a16:creationId xmlns:a16="http://schemas.microsoft.com/office/drawing/2014/main" id="{9E0F2F61-5EC0-C212-7AE1-CFA03874AD43}"/>
+              </a:ext>
+            </a:extLst>
+          </p:cNvPr>
+          <p:cNvPicPr>
+            <a:picLocks noChangeAspect="1" noChangeArrowheads="1"/>
+          </p:cNvPicPr>
+          <p:nvPr/>
+        </p:nvPicPr>
+        <p:blipFill>
+          <a:blip r:embed="rId2" cstate="print">
+            <a:extLst>
+              <a:ext uri="{28A0092B-C50C-407E-A947-70E740481C1C}">
+                <a14:useLocalDpi xmlns:a14="http://schemas.microsoft.com/office/drawing/2010/main" val="0"/>
+              </a:ext>
+            </a:extLst>
+          </a:blip>
+          <a:srcRect/>
+          <a:stretch>
+            <a:fillRect/>
+          </a:stretch>
+        </p:blipFill>
+        <p:spPr bwMode="auto">
+          <a:xfrm>
+            <a:off x="9739911" y="124518"/>
+            <a:ext cx="2309086" cy="605254"/>
+          </a:xfrm>
+          <a:prstGeom prst="rect">
+            <a:avLst/>
+          </a:prstGeom>
+          <a:noFill/>
+          <a:extLst>
+            <a:ext uri="{909E8E84-426E-40DD-AFC4-6F175D3DCCD1}">
+              <a14:hiddenFill xmlns:a14="http://schemas.microsoft.com/office/drawing/2010/main">
+                <a:solidFill>
+                  <a:srgbClr val="FFFFFF"/>
+                </a:solidFill>
+              </a14:hiddenFill>
+            </a:ext>
+          </a:extLst>
+        </p:spPr>
+      </p:pic>
+      <p:pic>
+        <p:nvPicPr>
+          <p:cNvPr id="7" name="Imagem 6">
+            <a:extLst>
+              <a:ext uri="{FF2B5EF4-FFF2-40B4-BE49-F238E27FC236}">
+                <a16:creationId xmlns:a16="http://schemas.microsoft.com/office/drawing/2014/main" id="{07795CBE-3ADB-1AFE-E864-B2AAC4665108}"/>
+              </a:ext>
+            </a:extLst>
+          </p:cNvPr>
+          <p:cNvPicPr>
+            <a:picLocks noChangeAspect="1"/>
+          </p:cNvPicPr>
+          <p:nvPr/>
+        </p:nvPicPr>
+        <p:blipFill>
+          <a:blip r:embed="rId3" cstate="print"/>
+          <a:stretch>
+            <a:fillRect/>
+          </a:stretch>
+        </p:blipFill>
+        <p:spPr>
+          <a:xfrm>
+            <a:off x="60546" y="5775960"/>
+            <a:ext cx="957168" cy="957168"/>
+          </a:xfrm>
+          <a:prstGeom prst="rect">
+            <a:avLst/>
+          </a:prstGeom>
+        </p:spPr>
+      </p:pic>
+      <p:cxnSp>
+        <p:nvCxnSpPr>
+          <p:cNvPr id="9" name="Conector reto 8">
+            <a:extLst>
+              <a:ext uri="{FF2B5EF4-FFF2-40B4-BE49-F238E27FC236}">
+                <a16:creationId xmlns:a16="http://schemas.microsoft.com/office/drawing/2014/main" id="{6FBC1CDE-AB3D-05D9-C995-98FB4BAF2816}"/>
+              </a:ext>
+            </a:extLst>
+          </p:cNvPr>
+          <p:cNvCxnSpPr>
+            <a:cxnSpLocks/>
+          </p:cNvCxnSpPr>
+          <p:nvPr/>
+        </p:nvCxnSpPr>
+        <p:spPr>
+          <a:xfrm flipV="1">
+            <a:off x="4683209" y="1706880"/>
+            <a:ext cx="0" cy="4694752"/>
+          </a:xfrm>
+          <a:prstGeom prst="line">
+            <a:avLst/>
+          </a:prstGeom>
+          <a:ln w="76200"/>
+        </p:spPr>
+        <p:style>
+          <a:lnRef idx="1">
+            <a:schemeClr val="dk1"/>
+          </a:lnRef>
+          <a:fillRef idx="0">
+            <a:schemeClr val="dk1"/>
+          </a:fillRef>
+          <a:effectRef idx="0">
+            <a:schemeClr val="dk1"/>
+          </a:effectRef>
+          <a:fontRef idx="minor">
+            <a:schemeClr val="tx1"/>
+          </a:fontRef>
+        </p:style>
+      </p:cxnSp>
+      <p:sp>
+        <p:nvSpPr>
+          <p:cNvPr id="8" name="Título 1">
+            <a:extLst>
+              <a:ext uri="{FF2B5EF4-FFF2-40B4-BE49-F238E27FC236}">
+                <a16:creationId xmlns:a16="http://schemas.microsoft.com/office/drawing/2014/main" id="{57805D66-2842-C540-11EB-4E3F4FFF5640}"/>
               </a:ext>
             </a:extLst>
           </p:cNvPr>
@@ -6010,8 +5424,8 @@
         </p:nvSpPr>
         <p:spPr>
           <a:xfrm>
-            <a:off x="508650" y="688848"/>
-            <a:ext cx="5008230" cy="1475231"/>
+            <a:off x="801027" y="1526772"/>
+            <a:ext cx="4718484" cy="835152"/>
           </a:xfrm>
           <a:prstGeom prst="rect">
             <a:avLst/>
@@ -6042,62 +5456,21 @@
           </a:lstStyle>
           <a:p>
             <a:r>
-              <a:rPr lang="pt-BR" sz="4000" dirty="0">
+              <a:rPr lang="pt-BR" sz="3200" dirty="0">
                 <a:latin typeface="Arial" panose="020B0604020202020204" pitchFamily="34" charset="0"/>
                 <a:cs typeface="Arial" panose="020B0604020202020204" pitchFamily="34" charset="0"/>
               </a:rPr>
-              <a:t>Estratégias de Melhoria</a:t>
-            </a:r>
-          </a:p>
-        </p:txBody>
-      </p:sp>
-      <p:pic>
-        <p:nvPicPr>
-          <p:cNvPr id="7" name="Imagem 6">
-            <a:extLst>
-              <a:ext uri="{FF2B5EF4-FFF2-40B4-BE49-F238E27FC236}">
-                <a16:creationId xmlns:a16="http://schemas.microsoft.com/office/drawing/2014/main" id="{852AB90F-58D6-4C72-13D8-44F8AC067887}"/>
-              </a:ext>
-            </a:extLst>
-          </p:cNvPr>
-          <p:cNvPicPr>
-            <a:picLocks noChangeAspect="1"/>
-          </p:cNvPicPr>
-          <p:nvPr/>
-        </p:nvPicPr>
-        <p:blipFill>
-          <a:blip r:embed="rId2">
-            <a:clrChange>
-              <a:clrFrom>
-                <a:srgbClr val="FFFFFF"/>
-              </a:clrFrom>
-              <a:clrTo>
-                <a:srgbClr val="FFFFFF">
-                  <a:alpha val="0"/>
-                </a:srgbClr>
-              </a:clrTo>
-            </a:clrChange>
-          </a:blip>
-          <a:stretch>
-            <a:fillRect/>
-          </a:stretch>
-        </p:blipFill>
-        <p:spPr>
-          <a:xfrm>
-            <a:off x="221856" y="5775963"/>
-            <a:ext cx="934403" cy="934403"/>
-          </a:xfrm>
-          <a:prstGeom prst="rect">
-            <a:avLst/>
-          </a:prstGeom>
-        </p:spPr>
-      </p:pic>
-      <p:sp>
-        <p:nvSpPr>
-          <p:cNvPr id="2" name="CaixaDeTexto 1">
-            <a:extLst>
-              <a:ext uri="{FF2B5EF4-FFF2-40B4-BE49-F238E27FC236}">
-                <a16:creationId xmlns:a16="http://schemas.microsoft.com/office/drawing/2014/main" id="{451A7935-8989-3536-6FB0-38451769534C}"/>
+              <a:t>Oportunidades</a:t>
+            </a:r>
+          </a:p>
+        </p:txBody>
+      </p:sp>
+      <p:sp>
+        <p:nvSpPr>
+          <p:cNvPr id="5" name="CaixaDeTexto 4">
+            <a:extLst>
+              <a:ext uri="{FF2B5EF4-FFF2-40B4-BE49-F238E27FC236}">
+                <a16:creationId xmlns:a16="http://schemas.microsoft.com/office/drawing/2014/main" id="{1B1F24CE-7904-4487-18F5-750D13C4BBEC}"/>
               </a:ext>
             </a:extLst>
           </p:cNvPr>
@@ -6106,13 +5479,16 @@
         </p:nvSpPr>
         <p:spPr>
           <a:xfrm>
-            <a:off x="508650" y="2180703"/>
-            <a:ext cx="9809018" cy="2679773"/>
+            <a:off x="508650" y="2374947"/>
+            <a:ext cx="4024745" cy="3970318"/>
           </a:xfrm>
           <a:prstGeom prst="rect">
             <a:avLst/>
           </a:prstGeom>
           <a:noFill/>
+          <a:ln w="19050">
+            <a:noFill/>
+          </a:ln>
         </p:spPr>
         <p:txBody>
           <a:bodyPr wrap="square" rtlCol="0">
@@ -6132,7 +5508,7 @@
                 <a:latin typeface="Arial" panose="020B0604020202020204" pitchFamily="34" charset="0"/>
                 <a:cs typeface="Arial" panose="020B0604020202020204" pitchFamily="34" charset="0"/>
               </a:rPr>
-              <a:t>Possibilitar maior flexibilidade no pagamento da conta de energia;</a:t>
+              <a:t>Expansão das rede de distribuição</a:t>
             </a:r>
           </a:p>
           <a:p>
@@ -6148,7 +5524,7 @@
                 <a:latin typeface="Arial" panose="020B0604020202020204" pitchFamily="34" charset="0"/>
                 <a:cs typeface="Arial" panose="020B0604020202020204" pitchFamily="34" charset="0"/>
               </a:rPr>
-              <a:t>Aumentar a capacidade de atendimento em períodos de grande demanda;</a:t>
+              <a:t>Aumento do consumo de energia no País</a:t>
             </a:r>
           </a:p>
           <a:p>
@@ -6164,235 +5540,23 @@
                 <a:latin typeface="Arial" panose="020B0604020202020204" pitchFamily="34" charset="0"/>
                 <a:cs typeface="Arial" panose="020B0604020202020204" pitchFamily="34" charset="0"/>
               </a:rPr>
-              <a:t>Aumentar o investimento no aplicativo da CPFL Energia;</a:t>
-            </a:r>
-          </a:p>
-          <a:p>
-            <a:pPr>
-              <a:lnSpc>
-                <a:spcPct val="150000"/>
-              </a:lnSpc>
-            </a:pPr>
+              <a:t>Expansão da geração por fontes renováveis</a:t>
+            </a:r>
+          </a:p>
+          <a:p>
             <a:endParaRPr lang="pt-BR" dirty="0"/>
           </a:p>
-        </p:txBody>
-      </p:sp>
-      <p:pic>
-        <p:nvPicPr>
-          <p:cNvPr id="4" name="Picture 2" descr="Fatec Votorantim">
-            <a:extLst>
-              <a:ext uri="{FF2B5EF4-FFF2-40B4-BE49-F238E27FC236}">
-                <a16:creationId xmlns:a16="http://schemas.microsoft.com/office/drawing/2014/main" id="{8C5CEB70-8FC8-82A3-0E6A-57971059F4FE}"/>
-              </a:ext>
-            </a:extLst>
-          </p:cNvPr>
-          <p:cNvPicPr>
-            <a:picLocks noChangeAspect="1" noChangeArrowheads="1"/>
-          </p:cNvPicPr>
-          <p:nvPr/>
-        </p:nvPicPr>
-        <p:blipFill>
-          <a:blip r:embed="rId3" cstate="print">
-            <a:extLst>
-              <a:ext uri="{28A0092B-C50C-407E-A947-70E740481C1C}">
-                <a14:useLocalDpi xmlns:a14="http://schemas.microsoft.com/office/drawing/2010/main" val="0"/>
-              </a:ext>
-            </a:extLst>
-          </a:blip>
-          <a:srcRect/>
-          <a:stretch>
-            <a:fillRect/>
-          </a:stretch>
-        </p:blipFill>
-        <p:spPr bwMode="auto">
-          <a:xfrm>
-            <a:off x="9670638" y="165588"/>
-            <a:ext cx="2309086" cy="605254"/>
-          </a:xfrm>
-          <a:prstGeom prst="rect">
-            <a:avLst/>
-          </a:prstGeom>
-          <a:noFill/>
-          <a:extLst>
-            <a:ext uri="{909E8E84-426E-40DD-AFC4-6F175D3DCCD1}">
-              <a14:hiddenFill xmlns:a14="http://schemas.microsoft.com/office/drawing/2010/main">
-                <a:solidFill>
-                  <a:srgbClr val="FFFFFF"/>
-                </a:solidFill>
-              </a14:hiddenFill>
-            </a:ext>
-          </a:extLst>
-        </p:spPr>
-      </p:pic>
-      <p:pic>
-        <p:nvPicPr>
-          <p:cNvPr id="2052" name="Picture 4" descr="Energia limpa ganha protagonismo nas empresas brasileiras - Mercado&amp;Consumo">
-            <a:extLst>
-              <a:ext uri="{FF2B5EF4-FFF2-40B4-BE49-F238E27FC236}">
-                <a16:creationId xmlns:a16="http://schemas.microsoft.com/office/drawing/2014/main" id="{5D8D9086-BBA7-7F85-A875-DB23A90EAC23}"/>
-              </a:ext>
-            </a:extLst>
-          </p:cNvPr>
-          <p:cNvPicPr>
-            <a:picLocks noChangeAspect="1" noChangeArrowheads="1"/>
-          </p:cNvPicPr>
-          <p:nvPr/>
-        </p:nvPicPr>
-        <p:blipFill>
-          <a:blip r:embed="rId4">
-            <a:extLst>
-              <a:ext uri="{28A0092B-C50C-407E-A947-70E740481C1C}">
-                <a14:useLocalDpi xmlns:a14="http://schemas.microsoft.com/office/drawing/2010/main" val="0"/>
-              </a:ext>
-            </a:extLst>
-          </a:blip>
-          <a:srcRect/>
-          <a:stretch>
-            <a:fillRect/>
-          </a:stretch>
-        </p:blipFill>
-        <p:spPr bwMode="auto">
-          <a:xfrm>
-            <a:off x="8745970" y="4693920"/>
-            <a:ext cx="3143395" cy="1768620"/>
-          </a:xfrm>
-          <a:prstGeom prst="rect">
-            <a:avLst/>
-          </a:prstGeom>
-          <a:noFill/>
-          <a:extLst>
-            <a:ext uri="{909E8E84-426E-40DD-AFC4-6F175D3DCCD1}">
-              <a14:hiddenFill xmlns:a14="http://schemas.microsoft.com/office/drawing/2010/main">
-                <a:solidFill>
-                  <a:srgbClr val="FFFFFF"/>
-                </a:solidFill>
-              </a14:hiddenFill>
-            </a:ext>
-          </a:extLst>
-        </p:spPr>
-      </p:pic>
-    </p:spTree>
-    <p:extLst>
-      <p:ext uri="{BB962C8B-B14F-4D97-AF65-F5344CB8AC3E}">
-        <p14:creationId xmlns:p14="http://schemas.microsoft.com/office/powerpoint/2010/main" val="2538825127"/>
-      </p:ext>
-    </p:extLst>
-  </p:cSld>
-  <p:clrMapOvr>
-    <a:masterClrMapping/>
-  </p:clrMapOvr>
-</p:sld>
-</file>
-
-<file path=ppt/slides/slide14.xml><?xml version="1.0" encoding="utf-8"?>
-<p:sld xmlns:a="http://schemas.openxmlformats.org/drawingml/2006/main" xmlns:r="http://schemas.openxmlformats.org/officeDocument/2006/relationships" xmlns:p="http://schemas.openxmlformats.org/presentationml/2006/main">
-  <p:cSld>
-    <p:spTree>
-      <p:nvGrpSpPr>
-        <p:cNvPr id="1" name=""/>
-        <p:cNvGrpSpPr/>
-        <p:nvPr/>
-      </p:nvGrpSpPr>
-      <p:grpSpPr>
-        <a:xfrm>
-          <a:off x="0" y="0"/>
-          <a:ext cx="0" cy="0"/>
-          <a:chOff x="0" y="0"/>
-          <a:chExt cx="0" cy="0"/>
-        </a:xfrm>
-      </p:grpSpPr>
-      <p:sp>
-        <p:nvSpPr>
-          <p:cNvPr id="3" name="Triângulo Retângulo 3">
-            <a:extLst>
-              <a:ext uri="{FF2B5EF4-FFF2-40B4-BE49-F238E27FC236}">
-                <a16:creationId xmlns:a16="http://schemas.microsoft.com/office/drawing/2014/main" id="{116EC607-7B07-9A91-D369-2DEAE8471510}"/>
-              </a:ext>
-            </a:extLst>
-          </p:cNvPr>
-          <p:cNvSpPr/>
-          <p:nvPr/>
-        </p:nvSpPr>
-        <p:spPr>
-          <a:xfrm>
-            <a:off x="-22462" y="4693920"/>
-            <a:ext cx="2506582" cy="2164080"/>
-          </a:xfrm>
-          <a:prstGeom prst="rtTriangle">
-            <a:avLst/>
-          </a:prstGeom>
-          <a:ln>
-            <a:noFill/>
-          </a:ln>
-        </p:spPr>
-        <p:style>
-          <a:lnRef idx="2">
-            <a:schemeClr val="accent1">
-              <a:shade val="15000"/>
-            </a:schemeClr>
-          </a:lnRef>
-          <a:fillRef idx="1">
-            <a:schemeClr val="accent1"/>
-          </a:fillRef>
-          <a:effectRef idx="0">
-            <a:schemeClr val="accent1"/>
-          </a:effectRef>
-          <a:fontRef idx="minor">
-            <a:schemeClr val="lt1"/>
-          </a:fontRef>
-        </p:style>
-        <p:txBody>
-          <a:bodyPr rtlCol="0" anchor="ctr"/>
-          <a:lstStyle/>
-          <a:p>
-            <a:pPr algn="ctr"/>
-            <a:endParaRPr lang="pt-BR"/>
-          </a:p>
-        </p:txBody>
-      </p:sp>
-      <p:pic>
-        <p:nvPicPr>
-          <p:cNvPr id="9218" name="Picture 2" descr="Free icon &quot;Shield icon&quot;"/>
-          <p:cNvPicPr>
-            <a:picLocks noChangeAspect="1" noChangeArrowheads="1"/>
-          </p:cNvPicPr>
-          <p:nvPr/>
-        </p:nvPicPr>
-        <p:blipFill>
-          <a:blip r:embed="rId2" cstate="print">
-            <a:clrChange>
-              <a:clrFrom>
-                <a:srgbClr val="FFFFFF"/>
-              </a:clrFrom>
-              <a:clrTo>
-                <a:srgbClr val="FFFFFF">
-                  <a:alpha val="0"/>
-                </a:srgbClr>
-              </a:clrTo>
-            </a:clrChange>
-          </a:blip>
-          <a:srcRect/>
-          <a:stretch>
-            <a:fillRect/>
-          </a:stretch>
-        </p:blipFill>
-        <p:spPr bwMode="auto">
-          <a:xfrm>
-            <a:off x="202470" y="5676903"/>
-            <a:ext cx="852853" cy="852853"/>
-          </a:xfrm>
-          <a:prstGeom prst="rect">
-            <a:avLst/>
-          </a:prstGeom>
-          <a:noFill/>
-        </p:spPr>
-      </p:pic>
-      <p:sp>
-        <p:nvSpPr>
-          <p:cNvPr id="8" name="Título 1">
-            <a:extLst>
-              <a:ext uri="{FF2B5EF4-FFF2-40B4-BE49-F238E27FC236}">
-                <a16:creationId xmlns:a16="http://schemas.microsoft.com/office/drawing/2014/main" id="{98152EA7-B613-B62F-8560-0A50235EC792}"/>
+          <a:p>
+            <a:endParaRPr lang="pt-BR" dirty="0"/>
+          </a:p>
+        </p:txBody>
+      </p:sp>
+      <p:sp>
+        <p:nvSpPr>
+          <p:cNvPr id="11" name="Título 1">
+            <a:extLst>
+              <a:ext uri="{FF2B5EF4-FFF2-40B4-BE49-F238E27FC236}">
+                <a16:creationId xmlns:a16="http://schemas.microsoft.com/office/drawing/2014/main" id="{8216500D-3C8B-1029-85E3-4B3D3D46BDD1}"/>
               </a:ext>
             </a:extLst>
           </p:cNvPr>
@@ -6403,8 +5567,8 @@
         </p:nvSpPr>
         <p:spPr>
           <a:xfrm>
-            <a:off x="508650" y="688848"/>
-            <a:ext cx="5008230" cy="1475231"/>
+            <a:off x="5065545" y="1564720"/>
+            <a:ext cx="7115135" cy="1657571"/>
           </a:xfrm>
           <a:prstGeom prst="rect">
             <a:avLst/>
@@ -6435,21 +5599,21 @@
           </a:lstStyle>
           <a:p>
             <a:r>
-              <a:rPr lang="pt-BR" sz="4000" dirty="0">
+              <a:rPr lang="pt-BR" sz="3600" dirty="0">
                 <a:latin typeface="Arial" panose="020B0604020202020204" pitchFamily="34" charset="0"/>
                 <a:cs typeface="Arial" panose="020B0604020202020204" pitchFamily="34" charset="0"/>
               </a:rPr>
-              <a:t>Estratégias de Defesa</a:t>
-            </a:r>
-          </a:p>
-        </p:txBody>
-      </p:sp>
-      <p:sp>
-        <p:nvSpPr>
-          <p:cNvPr id="2" name="CaixaDeTexto 1">
-            <a:extLst>
-              <a:ext uri="{FF2B5EF4-FFF2-40B4-BE49-F238E27FC236}">
-                <a16:creationId xmlns:a16="http://schemas.microsoft.com/office/drawing/2014/main" id="{B75E0B38-2B61-C5F9-9798-B73FAA58F3FD}"/>
+              <a:t>Estratégias de Melhorias</a:t>
+            </a:r>
+          </a:p>
+        </p:txBody>
+      </p:sp>
+      <p:sp>
+        <p:nvSpPr>
+          <p:cNvPr id="12" name="CaixaDeTexto 11">
+            <a:extLst>
+              <a:ext uri="{FF2B5EF4-FFF2-40B4-BE49-F238E27FC236}">
+                <a16:creationId xmlns:a16="http://schemas.microsoft.com/office/drawing/2014/main" id="{F151DA41-A281-FB40-8D40-13E71337F2CA}"/>
               </a:ext>
             </a:extLst>
           </p:cNvPr>
@@ -6458,8 +5622,8 @@
         </p:nvSpPr>
         <p:spPr>
           <a:xfrm>
-            <a:off x="2050473" y="2164079"/>
-            <a:ext cx="8756072" cy="1960473"/>
+            <a:off x="4888161" y="2597450"/>
+            <a:ext cx="6691745" cy="3600986"/>
           </a:xfrm>
           <a:prstGeom prst="rect">
             <a:avLst/>
@@ -6472,7 +5636,7 @@
           </a:bodyPr>
           <a:lstStyle/>
           <a:p>
-            <a:pPr marL="342900" indent="-342900">
+            <a:pPr marL="457200" indent="-457200">
               <a:lnSpc>
                 <a:spcPct val="150000"/>
               </a:lnSpc>
@@ -6484,11 +5648,11 @@
                 <a:latin typeface="Arial" panose="020B0604020202020204" pitchFamily="34" charset="0"/>
                 <a:cs typeface="Arial" panose="020B0604020202020204" pitchFamily="34" charset="0"/>
               </a:rPr>
-              <a:t>Investir no combate de fraudes e na inadimplência;</a:t>
-            </a:r>
-          </a:p>
-          <a:p>
-            <a:pPr marL="342900" indent="-342900">
+              <a:t>Investir na modernização de ativos;</a:t>
+            </a:r>
+          </a:p>
+          <a:p>
+            <a:pPr marL="457200" indent="-457200">
               <a:lnSpc>
                 <a:spcPct val="150000"/>
               </a:lnSpc>
@@ -6500,11 +5664,11 @@
                 <a:latin typeface="Arial" panose="020B0604020202020204" pitchFamily="34" charset="0"/>
                 <a:cs typeface="Arial" panose="020B0604020202020204" pitchFamily="34" charset="0"/>
               </a:rPr>
-              <a:t>Investir em segurança digital;</a:t>
-            </a:r>
-          </a:p>
-          <a:p>
-            <a:pPr marL="342900" indent="-342900">
+              <a:t>Aumentar as manutenções preventivas;</a:t>
+            </a:r>
+          </a:p>
+          <a:p>
+            <a:pPr marL="457200" indent="-457200">
               <a:lnSpc>
                 <a:spcPct val="150000"/>
               </a:lnSpc>
@@ -6516,18 +5680,169 @@
                 <a:latin typeface="Arial" panose="020B0604020202020204" pitchFamily="34" charset="0"/>
                 <a:cs typeface="Arial" panose="020B0604020202020204" pitchFamily="34" charset="0"/>
               </a:rPr>
-              <a:t>Investir no combate de fake News;</a:t>
-            </a:r>
-            <a:endParaRPr lang="pt-BR" sz="2000" dirty="0"/>
+              <a:t>Investir em fontes de geração renováveis;</a:t>
+            </a:r>
+          </a:p>
+          <a:p>
+            <a:pPr marL="285750" indent="-285750">
+              <a:buFont typeface="Arial" panose="020B0604020202020204" pitchFamily="34" charset="0"/>
+              <a:buChar char="•"/>
+            </a:pPr>
+            <a:endParaRPr lang="pt-BR" dirty="0"/>
+          </a:p>
+        </p:txBody>
+      </p:sp>
+    </p:spTree>
+    <p:extLst>
+      <p:ext uri="{BB962C8B-B14F-4D97-AF65-F5344CB8AC3E}">
+        <p14:creationId xmlns:p14="http://schemas.microsoft.com/office/powerpoint/2010/main" val="874028245"/>
+      </p:ext>
+    </p:extLst>
+  </p:cSld>
+  <p:clrMapOvr>
+    <a:masterClrMapping/>
+  </p:clrMapOvr>
+</p:sld>
+</file>
+
+<file path=ppt/slides/slide12.xml><?xml version="1.0" encoding="utf-8"?>
+<p:sld xmlns:a="http://schemas.openxmlformats.org/drawingml/2006/main" xmlns:r="http://schemas.openxmlformats.org/officeDocument/2006/relationships" xmlns:p="http://schemas.openxmlformats.org/presentationml/2006/main">
+  <p:cSld>
+    <p:spTree>
+      <p:nvGrpSpPr>
+        <p:cNvPr id="1" name="">
+          <a:extLst>
+            <a:ext uri="{FF2B5EF4-FFF2-40B4-BE49-F238E27FC236}">
+              <a16:creationId xmlns:a16="http://schemas.microsoft.com/office/drawing/2014/main" id="{0955ED97-7754-5F73-0849-271C81CC3323}"/>
+            </a:ext>
+          </a:extLst>
+        </p:cNvPr>
+        <p:cNvGrpSpPr/>
+        <p:nvPr/>
+      </p:nvGrpSpPr>
+      <p:grpSpPr>
+        <a:xfrm>
+          <a:off x="0" y="0"/>
+          <a:ext cx="0" cy="0"/>
+          <a:chOff x="0" y="0"/>
+          <a:chExt cx="0" cy="0"/>
+        </a:xfrm>
+      </p:grpSpPr>
+      <p:sp>
+        <p:nvSpPr>
+          <p:cNvPr id="2" name="Título 1">
+            <a:extLst>
+              <a:ext uri="{FF2B5EF4-FFF2-40B4-BE49-F238E27FC236}">
+                <a16:creationId xmlns:a16="http://schemas.microsoft.com/office/drawing/2014/main" id="{5BA23147-92A5-6157-68E9-C5982FB89644}"/>
+              </a:ext>
+            </a:extLst>
+          </p:cNvPr>
+          <p:cNvSpPr>
+            <a:spLocks noGrp="1"/>
+          </p:cNvSpPr>
+          <p:nvPr>
+            <p:ph type="title"/>
+          </p:nvPr>
+        </p:nvSpPr>
+        <p:spPr>
+          <a:xfrm>
+            <a:off x="508650" y="688849"/>
+            <a:ext cx="4992990" cy="835152"/>
+          </a:xfrm>
+        </p:spPr>
+        <p:txBody>
+          <a:bodyPr>
+            <a:noAutofit/>
+          </a:bodyPr>
+          <a:lstStyle/>
+          <a:p>
+            <a:r>
+              <a:rPr lang="pt-BR" sz="3200" dirty="0">
+                <a:latin typeface="Arial" panose="020B0604020202020204" pitchFamily="34" charset="0"/>
+                <a:cs typeface="Arial" panose="020B0604020202020204" pitchFamily="34" charset="0"/>
+              </a:rPr>
+              <a:t>Análise SWOT</a:t>
+            </a:r>
+            <a:br>
+              <a:rPr lang="pt-BR" sz="4000" dirty="0">
+                <a:latin typeface="Arial" panose="020B0604020202020204" pitchFamily="34" charset="0"/>
+                <a:cs typeface="Arial" panose="020B0604020202020204" pitchFamily="34" charset="0"/>
+              </a:rPr>
+            </a:br>
+            <a:br>
+              <a:rPr lang="pt-BR" sz="4000" dirty="0">
+                <a:latin typeface="Arial" panose="020B0604020202020204" pitchFamily="34" charset="0"/>
+                <a:cs typeface="Arial" panose="020B0604020202020204" pitchFamily="34" charset="0"/>
+              </a:rPr>
+            </a:br>
+            <a:br>
+              <a:rPr lang="pt-BR" sz="4000" dirty="0">
+                <a:latin typeface="Arial" panose="020B0604020202020204" pitchFamily="34" charset="0"/>
+                <a:cs typeface="Arial" panose="020B0604020202020204" pitchFamily="34" charset="0"/>
+              </a:rPr>
+            </a:br>
+            <a:endParaRPr lang="pt-BR" sz="4000" dirty="0">
+              <a:latin typeface="Arial" panose="020B0604020202020204" pitchFamily="34" charset="0"/>
+              <a:cs typeface="Arial" panose="020B0604020202020204" pitchFamily="34" charset="0"/>
+            </a:endParaRPr>
+          </a:p>
+        </p:txBody>
+      </p:sp>
+      <p:sp>
+        <p:nvSpPr>
+          <p:cNvPr id="4" name="Triângulo Retângulo 3">
+            <a:extLst>
+              <a:ext uri="{FF2B5EF4-FFF2-40B4-BE49-F238E27FC236}">
+                <a16:creationId xmlns:a16="http://schemas.microsoft.com/office/drawing/2014/main" id="{E06122E6-4E8A-E7E8-D26F-08BDA2396337}"/>
+              </a:ext>
+            </a:extLst>
+          </p:cNvPr>
+          <p:cNvSpPr/>
+          <p:nvPr/>
+        </p:nvSpPr>
+        <p:spPr>
+          <a:xfrm>
+            <a:off x="-22462" y="4693920"/>
+            <a:ext cx="2506582" cy="2164080"/>
+          </a:xfrm>
+          <a:prstGeom prst="rtTriangle">
+            <a:avLst/>
+          </a:prstGeom>
+          <a:ln>
+            <a:noFill/>
+          </a:ln>
+        </p:spPr>
+        <p:style>
+          <a:lnRef idx="2">
+            <a:schemeClr val="accent1">
+              <a:shade val="15000"/>
+            </a:schemeClr>
+          </a:lnRef>
+          <a:fillRef idx="1">
+            <a:schemeClr val="accent1"/>
+          </a:fillRef>
+          <a:effectRef idx="0">
+            <a:schemeClr val="accent1"/>
+          </a:effectRef>
+          <a:fontRef idx="minor">
+            <a:schemeClr val="lt1"/>
+          </a:fontRef>
+        </p:style>
+        <p:txBody>
+          <a:bodyPr rtlCol="0" anchor="ctr"/>
+          <a:lstStyle/>
+          <a:p>
+            <a:pPr algn="ctr"/>
+            <a:endParaRPr lang="pt-BR"/>
           </a:p>
         </p:txBody>
       </p:sp>
       <p:pic>
         <p:nvPicPr>
-          <p:cNvPr id="4" name="Picture 2" descr="Fatec Votorantim">
-            <a:extLst>
-              <a:ext uri="{FF2B5EF4-FFF2-40B4-BE49-F238E27FC236}">
-                <a16:creationId xmlns:a16="http://schemas.microsoft.com/office/drawing/2014/main" id="{079BA54F-B50D-D06D-C0FF-D4FF0683CBC5}"/>
+          <p:cNvPr id="6" name="Picture 2" descr="Fatec Votorantim">
+            <a:extLst>
+              <a:ext uri="{FF2B5EF4-FFF2-40B4-BE49-F238E27FC236}">
+                <a16:creationId xmlns:a16="http://schemas.microsoft.com/office/drawing/2014/main" id="{65CFDF45-6F24-0081-EFFC-E235410E3B20}"/>
               </a:ext>
             </a:extLst>
           </p:cNvPr>
@@ -6537,7 +5852,7 @@
           <p:nvPr/>
         </p:nvPicPr>
         <p:blipFill>
-          <a:blip r:embed="rId3" cstate="print">
+          <a:blip r:embed="rId2" cstate="print">
             <a:extLst>
               <a:ext uri="{28A0092B-C50C-407E-A947-70E740481C1C}">
                 <a14:useLocalDpi xmlns:a14="http://schemas.microsoft.com/office/drawing/2010/main" val="0"/>
@@ -6551,7 +5866,7 @@
         </p:blipFill>
         <p:spPr bwMode="auto">
           <a:xfrm>
-            <a:off x="9670638" y="165588"/>
+            <a:off x="9739911" y="124518"/>
             <a:ext cx="2309086" cy="605254"/>
           </a:xfrm>
           <a:prstGeom prst="rect">
@@ -6571,55 +5886,435 @@
       </p:pic>
       <p:pic>
         <p:nvPicPr>
-          <p:cNvPr id="5" name="Picture 2" descr="Tipos de energia: quais são, fontes, utilização e mais">
-            <a:extLst>
-              <a:ext uri="{FF2B5EF4-FFF2-40B4-BE49-F238E27FC236}">
-                <a16:creationId xmlns:a16="http://schemas.microsoft.com/office/drawing/2014/main" id="{212065ED-6205-6BE6-004F-8778C6F82DBE}"/>
+          <p:cNvPr id="7" name="Imagem 6">
+            <a:extLst>
+              <a:ext uri="{FF2B5EF4-FFF2-40B4-BE49-F238E27FC236}">
+                <a16:creationId xmlns:a16="http://schemas.microsoft.com/office/drawing/2014/main" id="{95BC1A24-B7E4-BD68-CDE2-6158BB6EA4F6}"/>
               </a:ext>
             </a:extLst>
           </p:cNvPr>
           <p:cNvPicPr>
-            <a:picLocks noChangeAspect="1" noChangeArrowheads="1"/>
+            <a:picLocks noChangeAspect="1"/>
           </p:cNvPicPr>
           <p:nvPr/>
         </p:nvPicPr>
         <p:blipFill>
-          <a:blip r:embed="rId4">
-            <a:extLst>
-              <a:ext uri="{28A0092B-C50C-407E-A947-70E740481C1C}">
-                <a14:useLocalDpi xmlns:a14="http://schemas.microsoft.com/office/drawing/2010/main" val="0"/>
-              </a:ext>
-            </a:extLst>
-          </a:blip>
-          <a:srcRect/>
+          <a:blip r:embed="rId3" cstate="print"/>
           <a:stretch>
             <a:fillRect/>
           </a:stretch>
         </p:blipFill>
-        <p:spPr bwMode="auto">
-          <a:xfrm>
-            <a:off x="8908473" y="4503233"/>
-            <a:ext cx="3061671" cy="2041114"/>
+        <p:spPr>
+          <a:xfrm>
+            <a:off x="60546" y="5775960"/>
+            <a:ext cx="957168" cy="957168"/>
+          </a:xfrm>
+          <a:prstGeom prst="rect">
+            <a:avLst/>
+          </a:prstGeom>
+        </p:spPr>
+      </p:pic>
+      <p:cxnSp>
+        <p:nvCxnSpPr>
+          <p:cNvPr id="9" name="Conector reto 8">
+            <a:extLst>
+              <a:ext uri="{FF2B5EF4-FFF2-40B4-BE49-F238E27FC236}">
+                <a16:creationId xmlns:a16="http://schemas.microsoft.com/office/drawing/2014/main" id="{53341241-9417-64F9-3366-DF7436DA7C7A}"/>
+              </a:ext>
+            </a:extLst>
+          </p:cNvPr>
+          <p:cNvCxnSpPr>
+            <a:cxnSpLocks/>
+          </p:cNvCxnSpPr>
+          <p:nvPr/>
+        </p:nvCxnSpPr>
+        <p:spPr>
+          <a:xfrm flipV="1">
+            <a:off x="4835610" y="1618124"/>
+            <a:ext cx="0" cy="4694752"/>
+          </a:xfrm>
+          <a:prstGeom prst="line">
+            <a:avLst/>
+          </a:prstGeom>
+          <a:ln w="76200"/>
+        </p:spPr>
+        <p:style>
+          <a:lnRef idx="1">
+            <a:schemeClr val="dk1"/>
+          </a:lnRef>
+          <a:fillRef idx="0">
+            <a:schemeClr val="dk1"/>
+          </a:fillRef>
+          <a:effectRef idx="0">
+            <a:schemeClr val="dk1"/>
+          </a:effectRef>
+          <a:fontRef idx="minor">
+            <a:schemeClr val="tx1"/>
+          </a:fontRef>
+        </p:style>
+      </p:cxnSp>
+      <p:sp>
+        <p:nvSpPr>
+          <p:cNvPr id="3" name="Título 1">
+            <a:extLst>
+              <a:ext uri="{FF2B5EF4-FFF2-40B4-BE49-F238E27FC236}">
+                <a16:creationId xmlns:a16="http://schemas.microsoft.com/office/drawing/2014/main" id="{7781B472-D662-D914-8859-01FD5DE22A65}"/>
+              </a:ext>
+            </a:extLst>
+          </p:cNvPr>
+          <p:cNvSpPr txBox="1">
+            <a:spLocks/>
+          </p:cNvSpPr>
+          <p:nvPr/>
+        </p:nvSpPr>
+        <p:spPr>
+          <a:xfrm>
+            <a:off x="5679083" y="1294339"/>
+            <a:ext cx="7115135" cy="1657571"/>
+          </a:xfrm>
+          <a:prstGeom prst="rect">
+            <a:avLst/>
+          </a:prstGeom>
+        </p:spPr>
+        <p:txBody>
+          <a:bodyPr vert="horz" lIns="91440" tIns="45720" rIns="91440" bIns="45720" rtlCol="0" anchor="t">
+            <a:noAutofit/>
+          </a:bodyPr>
+          <a:lstStyle>
+            <a:lvl1pPr algn="l" defTabSz="914400" rtl="0" eaLnBrk="1" latinLnBrk="0" hangingPunct="1">
+              <a:lnSpc>
+                <a:spcPct val="100000"/>
+              </a:lnSpc>
+              <a:spcBef>
+                <a:spcPct val="0"/>
+              </a:spcBef>
+              <a:buNone/>
+              <a:defRPr sz="5400" b="1" kern="1200">
+                <a:solidFill>
+                  <a:schemeClr val="tx1"/>
+                </a:solidFill>
+                <a:latin typeface="+mj-lt"/>
+                <a:ea typeface="+mj-ea"/>
+                <a:cs typeface="+mj-cs"/>
+              </a:defRPr>
+            </a:lvl1pPr>
+          </a:lstStyle>
+          <a:p>
+            <a:r>
+              <a:rPr lang="pt-BR" sz="3600" dirty="0">
+                <a:latin typeface="Arial" panose="020B0604020202020204" pitchFamily="34" charset="0"/>
+                <a:cs typeface="Arial" panose="020B0604020202020204" pitchFamily="34" charset="0"/>
+              </a:rPr>
+              <a:t>Estratégias de Defesa</a:t>
+            </a:r>
+          </a:p>
+        </p:txBody>
+      </p:sp>
+      <p:sp>
+        <p:nvSpPr>
+          <p:cNvPr id="8" name="Título 1">
+            <a:extLst>
+              <a:ext uri="{FF2B5EF4-FFF2-40B4-BE49-F238E27FC236}">
+                <a16:creationId xmlns:a16="http://schemas.microsoft.com/office/drawing/2014/main" id="{96F0BC82-B8D2-3F37-D3CE-E4EE9F3E123B}"/>
+              </a:ext>
+            </a:extLst>
+          </p:cNvPr>
+          <p:cNvSpPr txBox="1">
+            <a:spLocks/>
+          </p:cNvSpPr>
+          <p:nvPr/>
+        </p:nvSpPr>
+        <p:spPr>
+          <a:xfrm>
+            <a:off x="783156" y="1477814"/>
+            <a:ext cx="4718484" cy="835152"/>
+          </a:xfrm>
+          <a:prstGeom prst="rect">
+            <a:avLst/>
+          </a:prstGeom>
+        </p:spPr>
+        <p:txBody>
+          <a:bodyPr vert="horz" lIns="91440" tIns="45720" rIns="91440" bIns="45720" rtlCol="0" anchor="t">
+            <a:noAutofit/>
+          </a:bodyPr>
+          <a:lstStyle>
+            <a:lvl1pPr algn="l" defTabSz="914400" rtl="0" eaLnBrk="1" latinLnBrk="0" hangingPunct="1">
+              <a:lnSpc>
+                <a:spcPct val="100000"/>
+              </a:lnSpc>
+              <a:spcBef>
+                <a:spcPct val="0"/>
+              </a:spcBef>
+              <a:buNone/>
+              <a:defRPr sz="5400" b="1" kern="1200">
+                <a:solidFill>
+                  <a:schemeClr val="tx1"/>
+                </a:solidFill>
+                <a:latin typeface="+mj-lt"/>
+                <a:ea typeface="+mj-ea"/>
+                <a:cs typeface="+mj-cs"/>
+              </a:defRPr>
+            </a:lvl1pPr>
+          </a:lstStyle>
+          <a:p>
+            <a:r>
+              <a:rPr lang="pt-BR" sz="3200" dirty="0">
+                <a:latin typeface="Arial" panose="020B0604020202020204" pitchFamily="34" charset="0"/>
+                <a:cs typeface="Arial" panose="020B0604020202020204" pitchFamily="34" charset="0"/>
+              </a:rPr>
+              <a:t>Ameaças</a:t>
+            </a:r>
+          </a:p>
+        </p:txBody>
+      </p:sp>
+      <p:sp>
+        <p:nvSpPr>
+          <p:cNvPr id="10" name="CaixaDeTexto 9">
+            <a:extLst>
+              <a:ext uri="{FF2B5EF4-FFF2-40B4-BE49-F238E27FC236}">
+                <a16:creationId xmlns:a16="http://schemas.microsoft.com/office/drawing/2014/main" id="{712FF671-709F-F424-0C48-696D319C0AAD}"/>
+              </a:ext>
+            </a:extLst>
+          </p:cNvPr>
+          <p:cNvSpPr txBox="1"/>
+          <p:nvPr/>
+        </p:nvSpPr>
+        <p:spPr>
+          <a:xfrm>
+            <a:off x="434570" y="2123125"/>
+            <a:ext cx="4568215" cy="3600986"/>
           </a:xfrm>
           <a:prstGeom prst="rect">
             <a:avLst/>
           </a:prstGeom>
           <a:noFill/>
-          <a:extLst>
-            <a:ext uri="{909E8E84-426E-40DD-AFC4-6F175D3DCCD1}">
-              <a14:hiddenFill xmlns:a14="http://schemas.microsoft.com/office/drawing/2010/main">
-                <a:solidFill>
-                  <a:srgbClr val="FFFFFF"/>
-                </a:solidFill>
-              </a14:hiddenFill>
-            </a:ext>
-          </a:extLst>
-        </p:spPr>
-      </p:pic>
+          <a:ln w="19050">
+            <a:noFill/>
+          </a:ln>
+        </p:spPr>
+        <p:txBody>
+          <a:bodyPr wrap="square" rtlCol="0">
+            <a:spAutoFit/>
+          </a:bodyPr>
+          <a:lstStyle/>
+          <a:p>
+            <a:pPr marL="342900" indent="-342900">
+              <a:lnSpc>
+                <a:spcPct val="150000"/>
+              </a:lnSpc>
+              <a:buFont typeface="Arial" panose="020B0604020202020204" pitchFamily="34" charset="0"/>
+              <a:buChar char="•"/>
+            </a:pPr>
+            <a:r>
+              <a:rPr lang="pt-BR" sz="2800" dirty="0">
+                <a:latin typeface="Arial" panose="020B0604020202020204" pitchFamily="34" charset="0"/>
+                <a:cs typeface="Arial" panose="020B0604020202020204" pitchFamily="34" charset="0"/>
+              </a:rPr>
+              <a:t>Ativos antigos</a:t>
+            </a:r>
+          </a:p>
+          <a:p>
+            <a:pPr marL="342900" indent="-342900">
+              <a:lnSpc>
+                <a:spcPct val="150000"/>
+              </a:lnSpc>
+              <a:buFont typeface="Arial" panose="020B0604020202020204" pitchFamily="34" charset="0"/>
+              <a:buChar char="•"/>
+            </a:pPr>
+            <a:r>
+              <a:rPr lang="pt-BR" sz="2800" dirty="0">
+                <a:latin typeface="Arial" panose="020B0604020202020204" pitchFamily="34" charset="0"/>
+                <a:cs typeface="Arial" panose="020B0604020202020204" pitchFamily="34" charset="0"/>
+              </a:rPr>
+              <a:t>Fatores climáticos</a:t>
+            </a:r>
+          </a:p>
+          <a:p>
+            <a:pPr marL="342900" indent="-342900">
+              <a:lnSpc>
+                <a:spcPct val="150000"/>
+              </a:lnSpc>
+              <a:buFont typeface="Arial" panose="020B0604020202020204" pitchFamily="34" charset="0"/>
+              <a:buChar char="•"/>
+            </a:pPr>
+            <a:r>
+              <a:rPr lang="pt-BR" sz="2800" dirty="0">
+                <a:latin typeface="Arial" panose="020B0604020202020204" pitchFamily="34" charset="0"/>
+                <a:cs typeface="Arial" panose="020B0604020202020204" pitchFamily="34" charset="0"/>
+              </a:rPr>
+              <a:t>Legislação </a:t>
+            </a:r>
+          </a:p>
+          <a:p>
+            <a:pPr marL="342900" indent="-342900">
+              <a:lnSpc>
+                <a:spcPct val="150000"/>
+              </a:lnSpc>
+              <a:buFont typeface="Arial" panose="020B0604020202020204" pitchFamily="34" charset="0"/>
+              <a:buChar char="•"/>
+            </a:pPr>
+            <a:r>
+              <a:rPr lang="pt-BR" sz="2800" dirty="0">
+                <a:latin typeface="Arial" panose="020B0604020202020204" pitchFamily="34" charset="0"/>
+                <a:cs typeface="Arial" panose="020B0604020202020204" pitchFamily="34" charset="0"/>
+              </a:rPr>
+              <a:t>Política</a:t>
+            </a:r>
+          </a:p>
+          <a:p>
+            <a:pPr marL="342900" indent="-342900">
+              <a:lnSpc>
+                <a:spcPct val="150000"/>
+              </a:lnSpc>
+              <a:buFont typeface="Arial" panose="020B0604020202020204" pitchFamily="34" charset="0"/>
+              <a:buChar char="•"/>
+            </a:pPr>
+            <a:r>
+              <a:rPr lang="pt-BR" sz="2800" dirty="0">
+                <a:latin typeface="Arial" panose="020B0604020202020204" pitchFamily="34" charset="0"/>
+                <a:cs typeface="Arial" panose="020B0604020202020204" pitchFamily="34" charset="0"/>
+              </a:rPr>
+              <a:t>Perdas e inadimplência</a:t>
+            </a:r>
+          </a:p>
+          <a:p>
+            <a:endParaRPr lang="pt-BR" dirty="0"/>
+          </a:p>
+        </p:txBody>
+      </p:sp>
+      <p:sp>
+        <p:nvSpPr>
+          <p:cNvPr id="11" name="CaixaDeTexto 10">
+            <a:extLst>
+              <a:ext uri="{FF2B5EF4-FFF2-40B4-BE49-F238E27FC236}">
+                <a16:creationId xmlns:a16="http://schemas.microsoft.com/office/drawing/2014/main" id="{5B5FA9FB-EB78-C665-D61C-5D59DD535302}"/>
+              </a:ext>
+            </a:extLst>
+          </p:cNvPr>
+          <p:cNvSpPr txBox="1"/>
+          <p:nvPr/>
+        </p:nvSpPr>
+        <p:spPr>
+          <a:xfrm>
+            <a:off x="5284961" y="2266188"/>
+            <a:ext cx="6472469" cy="4247317"/>
+          </a:xfrm>
+          <a:prstGeom prst="rect">
+            <a:avLst/>
+          </a:prstGeom>
+          <a:noFill/>
+        </p:spPr>
+        <p:txBody>
+          <a:bodyPr wrap="square" rtlCol="0">
+            <a:spAutoFit/>
+          </a:bodyPr>
+          <a:lstStyle/>
+          <a:p>
+            <a:pPr marL="457200" indent="-457200">
+              <a:lnSpc>
+                <a:spcPct val="150000"/>
+              </a:lnSpc>
+              <a:buFont typeface="Arial" panose="020B0604020202020204" pitchFamily="34" charset="0"/>
+              <a:buChar char="•"/>
+            </a:pPr>
+            <a:r>
+              <a:rPr lang="pt-BR" sz="2400" dirty="0">
+                <a:latin typeface="Arial" panose="020B0604020202020204" pitchFamily="34" charset="0"/>
+                <a:cs typeface="Arial" panose="020B0604020202020204" pitchFamily="34" charset="0"/>
+              </a:rPr>
+              <a:t>Investir na modernização de ativos;</a:t>
+            </a:r>
+          </a:p>
+          <a:p>
+            <a:pPr marL="457200" indent="-457200">
+              <a:lnSpc>
+                <a:spcPct val="150000"/>
+              </a:lnSpc>
+              <a:buFont typeface="Arial" panose="020B0604020202020204" pitchFamily="34" charset="0"/>
+              <a:buChar char="•"/>
+            </a:pPr>
+            <a:r>
+              <a:rPr lang="pt-BR" sz="2400" dirty="0">
+                <a:latin typeface="Arial" panose="020B0604020202020204" pitchFamily="34" charset="0"/>
+                <a:cs typeface="Arial" panose="020B0604020202020204" pitchFamily="34" charset="0"/>
+              </a:rPr>
+              <a:t>Aumentar as manutenções preventivas;</a:t>
+            </a:r>
+          </a:p>
+          <a:p>
+            <a:pPr marL="457200" indent="-457200">
+              <a:lnSpc>
+                <a:spcPct val="150000"/>
+              </a:lnSpc>
+              <a:buFont typeface="Arial" panose="020B0604020202020204" pitchFamily="34" charset="0"/>
+              <a:buChar char="•"/>
+            </a:pPr>
+            <a:r>
+              <a:rPr lang="pt-BR" sz="2400" dirty="0">
+                <a:latin typeface="Arial" panose="020B0604020202020204" pitchFamily="34" charset="0"/>
+                <a:cs typeface="Arial" panose="020B0604020202020204" pitchFamily="34" charset="0"/>
+              </a:rPr>
+              <a:t>Acompanhamento e adaptação às novas leis</a:t>
+            </a:r>
+          </a:p>
+          <a:p>
+            <a:pPr marL="457200" indent="-457200">
+              <a:lnSpc>
+                <a:spcPct val="150000"/>
+              </a:lnSpc>
+              <a:buFont typeface="Arial" panose="020B0604020202020204" pitchFamily="34" charset="0"/>
+              <a:buChar char="•"/>
+            </a:pPr>
+            <a:r>
+              <a:rPr lang="pt-BR" sz="2400" dirty="0">
+                <a:latin typeface="Arial" panose="020B0604020202020204" pitchFamily="34" charset="0"/>
+                <a:cs typeface="Arial" panose="020B0604020202020204" pitchFamily="34" charset="0"/>
+              </a:rPr>
+              <a:t>Se adaptar as Políticas governamentais</a:t>
+            </a:r>
+          </a:p>
+          <a:p>
+            <a:pPr marL="457200" indent="-457200">
+              <a:lnSpc>
+                <a:spcPct val="150000"/>
+              </a:lnSpc>
+              <a:buFont typeface="Arial" panose="020B0604020202020204" pitchFamily="34" charset="0"/>
+              <a:buChar char="•"/>
+            </a:pPr>
+            <a:r>
+              <a:rPr lang="pt-BR" sz="2400" dirty="0">
+                <a:latin typeface="Arial" panose="020B0604020202020204" pitchFamily="34" charset="0"/>
+                <a:cs typeface="Arial" panose="020B0604020202020204" pitchFamily="34" charset="0"/>
+              </a:rPr>
+              <a:t>Investir no combate de fraudes;</a:t>
+            </a:r>
+          </a:p>
+          <a:p>
+            <a:pPr marL="457200" indent="-457200">
+              <a:lnSpc>
+                <a:spcPct val="150000"/>
+              </a:lnSpc>
+              <a:buFont typeface="Arial" panose="020B0604020202020204" pitchFamily="34" charset="0"/>
+              <a:buChar char="•"/>
+            </a:pPr>
+            <a:endParaRPr lang="pt-BR" sz="2400" dirty="0">
+              <a:latin typeface="Arial" panose="020B0604020202020204" pitchFamily="34" charset="0"/>
+              <a:cs typeface="Arial" panose="020B0604020202020204" pitchFamily="34" charset="0"/>
+            </a:endParaRPr>
+          </a:p>
+          <a:p>
+            <a:pPr marL="285750" indent="-285750">
+              <a:buFont typeface="Arial" panose="020B0604020202020204" pitchFamily="34" charset="0"/>
+              <a:buChar char="•"/>
+            </a:pPr>
+            <a:endParaRPr lang="pt-BR" dirty="0"/>
+          </a:p>
+        </p:txBody>
+      </p:sp>
     </p:spTree>
     <p:extLst>
       <p:ext uri="{BB962C8B-B14F-4D97-AF65-F5344CB8AC3E}">
-        <p14:creationId xmlns:p14="http://schemas.microsoft.com/office/powerpoint/2010/main" val="440851007"/>
+        <p14:creationId xmlns:p14="http://schemas.microsoft.com/office/powerpoint/2010/main" val="3159553126"/>
       </p:ext>
     </p:extLst>
   </p:cSld>
@@ -6629,7 +6324,7 @@
 </p:sld>
 </file>
 
-<file path=ppt/slides/slide15.xml><?xml version="1.0" encoding="utf-8"?>
+<file path=ppt/slides/slide13.xml><?xml version="1.0" encoding="utf-8"?>
 <p:sld xmlns:a="http://schemas.openxmlformats.org/drawingml/2006/main" xmlns:r="http://schemas.openxmlformats.org/officeDocument/2006/relationships" xmlns:p="http://schemas.openxmlformats.org/presentationml/2006/main">
   <p:cSld>
     <p:spTree>
@@ -6978,7 +6673,7 @@
 </p:sld>
 </file>
 
-<file path=ppt/slides/slide16.xml><?xml version="1.0" encoding="utf-8"?>
+<file path=ppt/slides/slide14.xml><?xml version="1.0" encoding="utf-8"?>
 <p:sld xmlns:a="http://schemas.openxmlformats.org/drawingml/2006/main" xmlns:r="http://schemas.openxmlformats.org/officeDocument/2006/relationships" xmlns:p="http://schemas.openxmlformats.org/presentationml/2006/main">
   <p:cSld>
     <p:spTree>
@@ -7215,264 +6910,7 @@
 </p:sld>
 </file>
 
-<file path=ppt/slides/slide17.xml><?xml version="1.0" encoding="utf-8"?>
-<p:sld xmlns:a="http://schemas.openxmlformats.org/drawingml/2006/main" xmlns:r="http://schemas.openxmlformats.org/officeDocument/2006/relationships" xmlns:p="http://schemas.openxmlformats.org/presentationml/2006/main">
-  <p:cSld>
-    <p:spTree>
-      <p:nvGrpSpPr>
-        <p:cNvPr id="1" name=""/>
-        <p:cNvGrpSpPr/>
-        <p:nvPr/>
-      </p:nvGrpSpPr>
-      <p:grpSpPr>
-        <a:xfrm>
-          <a:off x="0" y="0"/>
-          <a:ext cx="0" cy="0"/>
-          <a:chOff x="0" y="0"/>
-          <a:chExt cx="0" cy="0"/>
-        </a:xfrm>
-      </p:grpSpPr>
-      <p:sp>
-        <p:nvSpPr>
-          <p:cNvPr id="2" name="Título 1">
-            <a:extLst>
-              <a:ext uri="{FF2B5EF4-FFF2-40B4-BE49-F238E27FC236}">
-                <a16:creationId xmlns:a16="http://schemas.microsoft.com/office/drawing/2014/main" id="{291D89C4-053F-18E2-B15A-EBDA32C61CED}"/>
-              </a:ext>
-            </a:extLst>
-          </p:cNvPr>
-          <p:cNvSpPr>
-            <a:spLocks noGrp="1"/>
-          </p:cNvSpPr>
-          <p:nvPr>
-            <p:ph type="title"/>
-          </p:nvPr>
-        </p:nvSpPr>
-        <p:spPr>
-          <a:xfrm>
-            <a:off x="508650" y="688849"/>
-            <a:ext cx="5587350" cy="1475231"/>
-          </a:xfrm>
-        </p:spPr>
-        <p:txBody>
-          <a:bodyPr>
-            <a:noAutofit/>
-          </a:bodyPr>
-          <a:lstStyle/>
-          <a:p>
-            <a:r>
-              <a:rPr lang="pt-BR" sz="4000" dirty="0" err="1">
-                <a:latin typeface="Arial" panose="020B0604020202020204" pitchFamily="34" charset="0"/>
-                <a:cs typeface="Arial" panose="020B0604020202020204" pitchFamily="34" charset="0"/>
-              </a:rPr>
-              <a:t>Plan</a:t>
-            </a:r>
-            <a:r>
-              <a:rPr lang="pt-BR" sz="4000" dirty="0">
-                <a:latin typeface="Arial" panose="020B0604020202020204" pitchFamily="34" charset="0"/>
-                <a:cs typeface="Arial" panose="020B0604020202020204" pitchFamily="34" charset="0"/>
-              </a:rPr>
-              <a:t>-Do-</a:t>
-            </a:r>
-            <a:r>
-              <a:rPr lang="pt-BR" sz="4000" dirty="0" err="1">
-                <a:latin typeface="Arial" panose="020B0604020202020204" pitchFamily="34" charset="0"/>
-                <a:cs typeface="Arial" panose="020B0604020202020204" pitchFamily="34" charset="0"/>
-              </a:rPr>
-              <a:t>Check</a:t>
-            </a:r>
-            <a:r>
-              <a:rPr lang="pt-BR" sz="4000" dirty="0">
-                <a:latin typeface="Arial" panose="020B0604020202020204" pitchFamily="34" charset="0"/>
-                <a:cs typeface="Arial" panose="020B0604020202020204" pitchFamily="34" charset="0"/>
-              </a:rPr>
-              <a:t>-</a:t>
-            </a:r>
-            <a:r>
-              <a:rPr lang="pt-BR" sz="4000" dirty="0" err="1">
-                <a:latin typeface="Arial" panose="020B0604020202020204" pitchFamily="34" charset="0"/>
-                <a:cs typeface="Arial" panose="020B0604020202020204" pitchFamily="34" charset="0"/>
-              </a:rPr>
-              <a:t>Action</a:t>
-            </a:r>
-            <a:br>
-              <a:rPr lang="pt-BR" sz="4000" dirty="0">
-                <a:latin typeface="Arial" panose="020B0604020202020204" pitchFamily="34" charset="0"/>
-                <a:cs typeface="Arial" panose="020B0604020202020204" pitchFamily="34" charset="0"/>
-              </a:rPr>
-            </a:br>
-            <a:r>
-              <a:rPr lang="pt-BR" sz="4000" dirty="0">
-                <a:latin typeface="Arial" panose="020B0604020202020204" pitchFamily="34" charset="0"/>
-                <a:cs typeface="Arial" panose="020B0604020202020204" pitchFamily="34" charset="0"/>
-              </a:rPr>
-              <a:t>(PDCA)</a:t>
-            </a:r>
-            <a:br>
-              <a:rPr lang="pt-BR" sz="4000" dirty="0">
-                <a:latin typeface="Arial" panose="020B0604020202020204" pitchFamily="34" charset="0"/>
-                <a:cs typeface="Arial" panose="020B0604020202020204" pitchFamily="34" charset="0"/>
-              </a:rPr>
-            </a:br>
-            <a:br>
-              <a:rPr lang="pt-BR" sz="4000" dirty="0">
-                <a:latin typeface="Arial" panose="020B0604020202020204" pitchFamily="34" charset="0"/>
-                <a:cs typeface="Arial" panose="020B0604020202020204" pitchFamily="34" charset="0"/>
-              </a:rPr>
-            </a:br>
-            <a:br>
-              <a:rPr lang="pt-BR" sz="4000" dirty="0">
-                <a:latin typeface="Arial" panose="020B0604020202020204" pitchFamily="34" charset="0"/>
-                <a:cs typeface="Arial" panose="020B0604020202020204" pitchFamily="34" charset="0"/>
-              </a:rPr>
-            </a:br>
-            <a:endParaRPr lang="pt-BR" sz="4000" dirty="0">
-              <a:latin typeface="Arial" panose="020B0604020202020204" pitchFamily="34" charset="0"/>
-              <a:cs typeface="Arial" panose="020B0604020202020204" pitchFamily="34" charset="0"/>
-            </a:endParaRPr>
-          </a:p>
-        </p:txBody>
-      </p:sp>
-      <p:sp>
-        <p:nvSpPr>
-          <p:cNvPr id="4" name="Triângulo Retângulo 3">
-            <a:extLst>
-              <a:ext uri="{FF2B5EF4-FFF2-40B4-BE49-F238E27FC236}">
-                <a16:creationId xmlns:a16="http://schemas.microsoft.com/office/drawing/2014/main" id="{116EC607-7B07-9A91-D369-2DEAE8471510}"/>
-              </a:ext>
-            </a:extLst>
-          </p:cNvPr>
-          <p:cNvSpPr/>
-          <p:nvPr/>
-        </p:nvSpPr>
-        <p:spPr>
-          <a:xfrm>
-            <a:off x="-22462" y="4693920"/>
-            <a:ext cx="2506582" cy="2164080"/>
-          </a:xfrm>
-          <a:prstGeom prst="rtTriangle">
-            <a:avLst/>
-          </a:prstGeom>
-          <a:ln>
-            <a:noFill/>
-          </a:ln>
-        </p:spPr>
-        <p:style>
-          <a:lnRef idx="2">
-            <a:schemeClr val="accent1">
-              <a:shade val="15000"/>
-            </a:schemeClr>
-          </a:lnRef>
-          <a:fillRef idx="1">
-            <a:schemeClr val="accent1"/>
-          </a:fillRef>
-          <a:effectRef idx="0">
-            <a:schemeClr val="accent1"/>
-          </a:effectRef>
-          <a:fontRef idx="minor">
-            <a:schemeClr val="lt1"/>
-          </a:fontRef>
-        </p:style>
-        <p:txBody>
-          <a:bodyPr rtlCol="0" anchor="ctr"/>
-          <a:lstStyle/>
-          <a:p>
-            <a:pPr algn="ctr"/>
-            <a:endParaRPr lang="pt-BR"/>
-          </a:p>
-        </p:txBody>
-      </p:sp>
-      <p:pic>
-        <p:nvPicPr>
-          <p:cNvPr id="6" name="Picture 2" descr="Fatec Votorantim">
-            <a:extLst>
-              <a:ext uri="{FF2B5EF4-FFF2-40B4-BE49-F238E27FC236}">
-                <a16:creationId xmlns:a16="http://schemas.microsoft.com/office/drawing/2014/main" id="{E19D8493-9A9C-8D11-2058-7BC3906A4306}"/>
-              </a:ext>
-            </a:extLst>
-          </p:cNvPr>
-          <p:cNvPicPr>
-            <a:picLocks noChangeAspect="1" noChangeArrowheads="1"/>
-          </p:cNvPicPr>
-          <p:nvPr/>
-        </p:nvPicPr>
-        <p:blipFill>
-          <a:blip r:embed="rId2" cstate="print">
-            <a:extLst>
-              <a:ext uri="{28A0092B-C50C-407E-A947-70E740481C1C}">
-                <a14:useLocalDpi xmlns:a14="http://schemas.microsoft.com/office/drawing/2010/main" val="0"/>
-              </a:ext>
-            </a:extLst>
-          </a:blip>
-          <a:srcRect/>
-          <a:stretch>
-            <a:fillRect/>
-          </a:stretch>
-        </p:blipFill>
-        <p:spPr bwMode="auto">
-          <a:xfrm>
-            <a:off x="9739911" y="124518"/>
-            <a:ext cx="2309086" cy="605254"/>
-          </a:xfrm>
-          <a:prstGeom prst="rect">
-            <a:avLst/>
-          </a:prstGeom>
-          <a:noFill/>
-          <a:extLst>
-            <a:ext uri="{909E8E84-426E-40DD-AFC4-6F175D3DCCD1}">
-              <a14:hiddenFill xmlns:a14="http://schemas.microsoft.com/office/drawing/2010/main">
-                <a:solidFill>
-                  <a:srgbClr val="FFFFFF"/>
-                </a:solidFill>
-              </a14:hiddenFill>
-            </a:ext>
-          </a:extLst>
-        </p:spPr>
-      </p:pic>
-      <p:pic>
-        <p:nvPicPr>
-          <p:cNvPr id="5" name="Imagem 4">
-            <a:extLst>
-              <a:ext uri="{FF2B5EF4-FFF2-40B4-BE49-F238E27FC236}">
-                <a16:creationId xmlns:a16="http://schemas.microsoft.com/office/drawing/2014/main" id="{B451AB9D-EB04-AF2B-0618-F14B59653299}"/>
-              </a:ext>
-            </a:extLst>
-          </p:cNvPr>
-          <p:cNvPicPr>
-            <a:picLocks noChangeAspect="1"/>
-          </p:cNvPicPr>
-          <p:nvPr/>
-        </p:nvPicPr>
-        <p:blipFill>
-          <a:blip r:embed="rId3" cstate="print"/>
-          <a:stretch>
-            <a:fillRect/>
-          </a:stretch>
-        </p:blipFill>
-        <p:spPr>
-          <a:xfrm>
-            <a:off x="184399" y="5775963"/>
-            <a:ext cx="924757" cy="924757"/>
-          </a:xfrm>
-          <a:prstGeom prst="rect">
-            <a:avLst/>
-          </a:prstGeom>
-        </p:spPr>
-      </p:pic>
-    </p:spTree>
-    <p:extLst>
-      <p:ext uri="{BB962C8B-B14F-4D97-AF65-F5344CB8AC3E}">
-        <p14:creationId xmlns:p14="http://schemas.microsoft.com/office/powerpoint/2010/main" val="3089811086"/>
-      </p:ext>
-    </p:extLst>
-  </p:cSld>
-  <p:clrMapOvr>
-    <a:masterClrMapping/>
-  </p:clrMapOvr>
-</p:sld>
-</file>
-
-<file path=ppt/slides/slide18.xml><?xml version="1.0" encoding="utf-8"?>
+<file path=ppt/slides/slide15.xml><?xml version="1.0" encoding="utf-8"?>
 <p:sld xmlns:a="http://schemas.openxmlformats.org/drawingml/2006/main" xmlns:r="http://schemas.openxmlformats.org/officeDocument/2006/relationships" xmlns:p="http://schemas.openxmlformats.org/presentationml/2006/main">
   <p:cSld>
     <p:spTree>
@@ -7589,7 +7027,7 @@
         <p:spPr>
           <a:xfrm>
             <a:off x="508650" y="688848"/>
-            <a:ext cx="4992990" cy="1322831"/>
+            <a:ext cx="9896114" cy="1322831"/>
           </a:xfrm>
           <a:prstGeom prst="rect">
             <a:avLst/>
@@ -7659,8 +7097,8 @@
         </p:nvSpPr>
         <p:spPr>
           <a:xfrm>
-            <a:off x="944282" y="2501776"/>
-            <a:ext cx="10852077" cy="3068812"/>
+            <a:off x="1130058" y="1894594"/>
+            <a:ext cx="6024554" cy="3068812"/>
           </a:xfrm>
           <a:prstGeom prst="rect">
             <a:avLst/>
@@ -7835,10 +7273,77 @@
             </a:lvl9pPr>
           </a:lstStyle>
           <a:p>
-            <a:r>
-              <a:rPr lang="pt-BR" dirty="0"/>
-              <a:t>Escreva aqui quais são as ferramentas que vocês irão utilizar para medir a efetividade do planejamento com vistas aos objetivos pretendidos.</a:t>
-            </a:r>
+            <a:pPr marL="342900" indent="-342900">
+              <a:buFont typeface="Arial" panose="020B0604020202020204" pitchFamily="34" charset="0"/>
+              <a:buChar char="•"/>
+            </a:pPr>
+            <a:r>
+              <a:rPr lang="pt-BR" sz="3200" dirty="0">
+                <a:latin typeface="Arial" panose="020B0604020202020204" pitchFamily="34" charset="0"/>
+                <a:cs typeface="Arial" panose="020B0604020202020204" pitchFamily="34" charset="0"/>
+              </a:rPr>
+              <a:t>Planilhas </a:t>
+            </a:r>
+          </a:p>
+          <a:p>
+            <a:pPr marL="342900" indent="-342900">
+              <a:buFont typeface="Arial" panose="020B0604020202020204" pitchFamily="34" charset="0"/>
+              <a:buChar char="•"/>
+            </a:pPr>
+            <a:r>
+              <a:rPr lang="pt-BR" sz="3200" dirty="0">
+                <a:latin typeface="Arial" panose="020B0604020202020204" pitchFamily="34" charset="0"/>
+                <a:cs typeface="Arial" panose="020B0604020202020204" pitchFamily="34" charset="0"/>
+              </a:rPr>
+              <a:t>Power BI</a:t>
+            </a:r>
+          </a:p>
+          <a:p>
+            <a:pPr marL="342900" indent="-342900">
+              <a:buFont typeface="Arial" panose="020B0604020202020204" pitchFamily="34" charset="0"/>
+              <a:buChar char="•"/>
+            </a:pPr>
+            <a:r>
+              <a:rPr lang="pt-BR" sz="3200" dirty="0">
+                <a:latin typeface="Arial" panose="020B0604020202020204" pitchFamily="34" charset="0"/>
+                <a:cs typeface="Arial" panose="020B0604020202020204" pitchFamily="34" charset="0"/>
+              </a:rPr>
+              <a:t>Dashboards</a:t>
+            </a:r>
+          </a:p>
+          <a:p>
+            <a:pPr marL="342900" indent="-342900">
+              <a:buFont typeface="Arial" panose="020B0604020202020204" pitchFamily="34" charset="0"/>
+              <a:buChar char="•"/>
+            </a:pPr>
+            <a:r>
+              <a:rPr lang="pt-BR" sz="3200" dirty="0" err="1">
+                <a:latin typeface="Arial" panose="020B0604020202020204" pitchFamily="34" charset="0"/>
+                <a:cs typeface="Arial" panose="020B0604020202020204" pitchFamily="34" charset="0"/>
+              </a:rPr>
+              <a:t>Capex</a:t>
+            </a:r>
+            <a:r>
+              <a:rPr lang="pt-BR" sz="3200" dirty="0">
+                <a:latin typeface="Arial" panose="020B0604020202020204" pitchFamily="34" charset="0"/>
+                <a:cs typeface="Arial" panose="020B0604020202020204" pitchFamily="34" charset="0"/>
+              </a:rPr>
+              <a:t> e </a:t>
+            </a:r>
+            <a:r>
+              <a:rPr lang="pt-BR" sz="3200" dirty="0" err="1">
+                <a:latin typeface="Arial" panose="020B0604020202020204" pitchFamily="34" charset="0"/>
+                <a:cs typeface="Arial" panose="020B0604020202020204" pitchFamily="34" charset="0"/>
+              </a:rPr>
+              <a:t>Opex</a:t>
+            </a:r>
+            <a:endParaRPr lang="pt-BR" sz="3200" dirty="0">
+              <a:latin typeface="Arial" panose="020B0604020202020204" pitchFamily="34" charset="0"/>
+              <a:cs typeface="Arial" panose="020B0604020202020204" pitchFamily="34" charset="0"/>
+            </a:endParaRPr>
+          </a:p>
+          <a:p>
+            <a:endParaRPr lang="pt-BR" dirty="0"/>
           </a:p>
         </p:txBody>
       </p:sp>
@@ -7887,6 +7392,108 @@
               </a14:hiddenFill>
             </a:ext>
           </a:extLst>
+        </p:spPr>
+      </p:pic>
+      <p:pic>
+        <p:nvPicPr>
+          <p:cNvPr id="6" name="Imagem 5">
+            <a:extLst>
+              <a:ext uri="{FF2B5EF4-FFF2-40B4-BE49-F238E27FC236}">
+                <a16:creationId xmlns:a16="http://schemas.microsoft.com/office/drawing/2014/main" id="{A73C5C98-40D3-11A7-DF05-1FBEDF4A3958}"/>
+              </a:ext>
+            </a:extLst>
+          </p:cNvPr>
+          <p:cNvPicPr>
+            <a:picLocks noChangeAspect="1"/>
+          </p:cNvPicPr>
+          <p:nvPr/>
+        </p:nvPicPr>
+        <p:blipFill>
+          <a:blip r:embed="rId4"/>
+          <a:stretch>
+            <a:fillRect/>
+          </a:stretch>
+        </p:blipFill>
+        <p:spPr>
+          <a:xfrm>
+            <a:off x="7888598" y="1294102"/>
+            <a:ext cx="3794752" cy="2339483"/>
+          </a:xfrm>
+          <a:prstGeom prst="rect">
+            <a:avLst/>
+          </a:prstGeom>
+          <a:ln>
+            <a:noFill/>
+          </a:ln>
+          <a:effectLst>
+            <a:outerShdw blurRad="190500" dist="228600" dir="2700000" algn="ctr">
+              <a:srgbClr val="000000">
+                <a:alpha val="30000"/>
+              </a:srgbClr>
+            </a:outerShdw>
+          </a:effectLst>
+          <a:scene3d>
+            <a:camera prst="orthographicFront">
+              <a:rot lat="0" lon="0" rev="0"/>
+            </a:camera>
+            <a:lightRig rig="glow" dir="t">
+              <a:rot lat="0" lon="0" rev="4800000"/>
+            </a:lightRig>
+          </a:scene3d>
+          <a:sp3d prstMaterial="matte">
+            <a:bevelT w="127000" h="63500"/>
+          </a:sp3d>
+        </p:spPr>
+      </p:pic>
+      <p:pic>
+        <p:nvPicPr>
+          <p:cNvPr id="9" name="Imagem 8">
+            <a:extLst>
+              <a:ext uri="{FF2B5EF4-FFF2-40B4-BE49-F238E27FC236}">
+                <a16:creationId xmlns:a16="http://schemas.microsoft.com/office/drawing/2014/main" id="{BD42E42F-16F1-5C5C-4519-E74A96B361E1}"/>
+              </a:ext>
+            </a:extLst>
+          </p:cNvPr>
+          <p:cNvPicPr>
+            <a:picLocks noChangeAspect="1"/>
+          </p:cNvPicPr>
+          <p:nvPr/>
+        </p:nvPicPr>
+        <p:blipFill>
+          <a:blip r:embed="rId5"/>
+          <a:stretch>
+            <a:fillRect/>
+          </a:stretch>
+        </p:blipFill>
+        <p:spPr>
+          <a:xfrm>
+            <a:off x="5793785" y="3863456"/>
+            <a:ext cx="3100661" cy="2650315"/>
+          </a:xfrm>
+          <a:prstGeom prst="rect">
+            <a:avLst/>
+          </a:prstGeom>
+          <a:ln>
+            <a:noFill/>
+          </a:ln>
+          <a:effectLst>
+            <a:outerShdw blurRad="190500" dist="228600" dir="2700000" algn="ctr">
+              <a:srgbClr val="000000">
+                <a:alpha val="30000"/>
+              </a:srgbClr>
+            </a:outerShdw>
+          </a:effectLst>
+          <a:scene3d>
+            <a:camera prst="orthographicFront">
+              <a:rot lat="0" lon="0" rev="0"/>
+            </a:camera>
+            <a:lightRig rig="glow" dir="t">
+              <a:rot lat="0" lon="0" rev="4800000"/>
+            </a:lightRig>
+          </a:scene3d>
+          <a:sp3d prstMaterial="matte">
+            <a:bevelT w="127000" h="63500"/>
+          </a:sp3d>
         </p:spPr>
       </p:pic>
     </p:spTree>
@@ -7902,7 +7509,7 @@
 </p:sld>
 </file>
 
-<file path=ppt/slides/slide19.xml><?xml version="1.0" encoding="utf-8"?>
+<file path=ppt/slides/slide16.xml><?xml version="1.0" encoding="utf-8"?>
 <p:sld xmlns:a="http://schemas.openxmlformats.org/drawingml/2006/main" xmlns:r="http://schemas.openxmlformats.org/officeDocument/2006/relationships" xmlns:p="http://schemas.openxmlformats.org/presentationml/2006/main">
   <p:cSld>
     <p:spTree>
@@ -8127,8 +7734,659 @@
         </p:nvSpPr>
         <p:spPr>
           <a:xfrm>
-            <a:off x="1115385" y="3226195"/>
-            <a:ext cx="9961230" cy="2164080"/>
+            <a:off x="1355520" y="1912093"/>
+            <a:ext cx="9961230" cy="4257058"/>
+          </a:xfrm>
+          <a:prstGeom prst="rect">
+            <a:avLst/>
+          </a:prstGeom>
+        </p:spPr>
+        <p:txBody>
+          <a:bodyPr vert="horz" lIns="91440" tIns="45720" rIns="91440" bIns="45720" rtlCol="0">
+            <a:normAutofit lnSpcReduction="10000"/>
+          </a:bodyPr>
+          <a:lstStyle>
+            <a:lvl1pPr marL="0" indent="0" algn="l" defTabSz="914400" rtl="0" eaLnBrk="1" latinLnBrk="0" hangingPunct="1">
+              <a:lnSpc>
+                <a:spcPct val="110000"/>
+              </a:lnSpc>
+              <a:spcBef>
+                <a:spcPts val="1000"/>
+              </a:spcBef>
+              <a:buFont typeface="Arial" panose="020B0604020202020204" pitchFamily="34" charset="0"/>
+              <a:buNone/>
+              <a:defRPr sz="2000" kern="1200">
+                <a:solidFill>
+                  <a:schemeClr val="tx1"/>
+                </a:solidFill>
+                <a:latin typeface="+mn-lt"/>
+                <a:ea typeface="+mn-ea"/>
+                <a:cs typeface="+mn-cs"/>
+              </a:defRPr>
+            </a:lvl1pPr>
+            <a:lvl2pPr marL="274320" indent="-274320" algn="l" defTabSz="914400" rtl="0" eaLnBrk="1" latinLnBrk="0" hangingPunct="1">
+              <a:lnSpc>
+                <a:spcPct val="110000"/>
+              </a:lnSpc>
+              <a:spcBef>
+                <a:spcPts val="500"/>
+              </a:spcBef>
+              <a:buFont typeface="Arial" panose="020B0604020202020204" pitchFamily="34" charset="0"/>
+              <a:buChar char="•"/>
+              <a:defRPr sz="1800" kern="1200">
+                <a:solidFill>
+                  <a:schemeClr val="tx1"/>
+                </a:solidFill>
+                <a:latin typeface="+mn-lt"/>
+                <a:ea typeface="+mn-ea"/>
+                <a:cs typeface="+mn-cs"/>
+              </a:defRPr>
+            </a:lvl2pPr>
+            <a:lvl3pPr marL="274320" indent="0" algn="l" defTabSz="914400" rtl="0" eaLnBrk="1" latinLnBrk="0" hangingPunct="1">
+              <a:lnSpc>
+                <a:spcPct val="110000"/>
+              </a:lnSpc>
+              <a:spcBef>
+                <a:spcPts val="500"/>
+              </a:spcBef>
+              <a:buFont typeface="Arial" panose="020B0604020202020204" pitchFamily="34" charset="0"/>
+              <a:buNone/>
+              <a:defRPr sz="1800" kern="1200">
+                <a:solidFill>
+                  <a:schemeClr val="tx1"/>
+                </a:solidFill>
+                <a:latin typeface="+mn-lt"/>
+                <a:ea typeface="+mn-ea"/>
+                <a:cs typeface="+mn-cs"/>
+              </a:defRPr>
+            </a:lvl3pPr>
+            <a:lvl4pPr marL="548640" indent="-274320" algn="l" defTabSz="914400" rtl="0" eaLnBrk="1" latinLnBrk="0" hangingPunct="1">
+              <a:lnSpc>
+                <a:spcPct val="110000"/>
+              </a:lnSpc>
+              <a:spcBef>
+                <a:spcPts val="500"/>
+              </a:spcBef>
+              <a:buFont typeface="Arial" panose="020B0604020202020204" pitchFamily="34" charset="0"/>
+              <a:buChar char="•"/>
+              <a:defRPr sz="1600" kern="1200">
+                <a:solidFill>
+                  <a:schemeClr val="tx1"/>
+                </a:solidFill>
+                <a:latin typeface="+mn-lt"/>
+                <a:ea typeface="+mn-ea"/>
+                <a:cs typeface="+mn-cs"/>
+              </a:defRPr>
+            </a:lvl4pPr>
+            <a:lvl5pPr marL="548640" indent="0" algn="l" defTabSz="914400" rtl="0" eaLnBrk="1" latinLnBrk="0" hangingPunct="1">
+              <a:lnSpc>
+                <a:spcPct val="110000"/>
+              </a:lnSpc>
+              <a:spcBef>
+                <a:spcPts val="500"/>
+              </a:spcBef>
+              <a:buFont typeface="Arial" panose="020B0604020202020204" pitchFamily="34" charset="0"/>
+              <a:buNone/>
+              <a:defRPr sz="1600" kern="1200">
+                <a:solidFill>
+                  <a:schemeClr val="tx1"/>
+                </a:solidFill>
+                <a:latin typeface="+mn-lt"/>
+                <a:ea typeface="+mn-ea"/>
+                <a:cs typeface="+mn-cs"/>
+              </a:defRPr>
+            </a:lvl5pPr>
+            <a:lvl6pPr marL="2514600" indent="-228600" algn="l" defTabSz="914400" rtl="0" eaLnBrk="1" latinLnBrk="0" hangingPunct="1">
+              <a:lnSpc>
+                <a:spcPct val="90000"/>
+              </a:lnSpc>
+              <a:spcBef>
+                <a:spcPts val="500"/>
+              </a:spcBef>
+              <a:buFont typeface="Arial" panose="020B0604020202020204" pitchFamily="34" charset="0"/>
+              <a:buChar char="•"/>
+              <a:defRPr sz="1800" kern="1200">
+                <a:solidFill>
+                  <a:schemeClr val="tx1"/>
+                </a:solidFill>
+                <a:latin typeface="+mn-lt"/>
+                <a:ea typeface="+mn-ea"/>
+                <a:cs typeface="+mn-cs"/>
+              </a:defRPr>
+            </a:lvl6pPr>
+            <a:lvl7pPr marL="2971800" indent="-228600" algn="l" defTabSz="914400" rtl="0" eaLnBrk="1" latinLnBrk="0" hangingPunct="1">
+              <a:lnSpc>
+                <a:spcPct val="90000"/>
+              </a:lnSpc>
+              <a:spcBef>
+                <a:spcPts val="500"/>
+              </a:spcBef>
+              <a:buFont typeface="Arial" panose="020B0604020202020204" pitchFamily="34" charset="0"/>
+              <a:buChar char="•"/>
+              <a:defRPr sz="1800" kern="1200">
+                <a:solidFill>
+                  <a:schemeClr val="tx1"/>
+                </a:solidFill>
+                <a:latin typeface="+mn-lt"/>
+                <a:ea typeface="+mn-ea"/>
+                <a:cs typeface="+mn-cs"/>
+              </a:defRPr>
+            </a:lvl7pPr>
+            <a:lvl8pPr marL="3429000" indent="-228600" algn="l" defTabSz="914400" rtl="0" eaLnBrk="1" latinLnBrk="0" hangingPunct="1">
+              <a:lnSpc>
+                <a:spcPct val="90000"/>
+              </a:lnSpc>
+              <a:spcBef>
+                <a:spcPts val="500"/>
+              </a:spcBef>
+              <a:buFont typeface="Arial" panose="020B0604020202020204" pitchFamily="34" charset="0"/>
+              <a:buChar char="•"/>
+              <a:defRPr sz="1800" kern="1200">
+                <a:solidFill>
+                  <a:schemeClr val="tx1"/>
+                </a:solidFill>
+                <a:latin typeface="+mn-lt"/>
+                <a:ea typeface="+mn-ea"/>
+                <a:cs typeface="+mn-cs"/>
+              </a:defRPr>
+            </a:lvl8pPr>
+            <a:lvl9pPr marL="3886200" indent="-228600" algn="l" defTabSz="914400" rtl="0" eaLnBrk="1" latinLnBrk="0" hangingPunct="1">
+              <a:lnSpc>
+                <a:spcPct val="90000"/>
+              </a:lnSpc>
+              <a:spcBef>
+                <a:spcPts val="500"/>
+              </a:spcBef>
+              <a:buFont typeface="Arial" panose="020B0604020202020204" pitchFamily="34" charset="0"/>
+              <a:buChar char="•"/>
+              <a:defRPr sz="1800" kern="1200">
+                <a:solidFill>
+                  <a:schemeClr val="tx1"/>
+                </a:solidFill>
+                <a:latin typeface="+mn-lt"/>
+                <a:ea typeface="+mn-ea"/>
+                <a:cs typeface="+mn-cs"/>
+              </a:defRPr>
+            </a:lvl9pPr>
+          </a:lstStyle>
+          <a:p>
+            <a:pPr algn="just">
+              <a:lnSpc>
+                <a:spcPct val="150000"/>
+              </a:lnSpc>
+            </a:pPr>
+            <a:r>
+              <a:rPr lang="pt-BR" sz="2400" dirty="0">
+                <a:latin typeface="Arial" panose="020B0604020202020204" pitchFamily="34" charset="0"/>
+                <a:cs typeface="Arial" panose="020B0604020202020204" pitchFamily="34" charset="0"/>
+              </a:rPr>
+              <a:t>Por mais que a empresa esteja trabalhando de acordo com sua missão com foco em sua visão e seguindo seu valores, é perceptível que o maio problema que a empresa enfrenta é a forma como é vista pelos seus clientes. Como não há uma concorrência direta, os clientes não tem parâmetros de comparação, mesmo a empresa se destacando no mercado nacional, a empresa ainda é vista de forma negativa pelos clientes tendo como destaque reclamações por interrupção do serviço e mal atendimento ao cliente. </a:t>
+            </a:r>
+          </a:p>
+        </p:txBody>
+      </p:sp>
+    </p:spTree>
+    <p:extLst>
+      <p:ext uri="{BB962C8B-B14F-4D97-AF65-F5344CB8AC3E}">
+        <p14:creationId xmlns:p14="http://schemas.microsoft.com/office/powerpoint/2010/main" val="2809128205"/>
+      </p:ext>
+    </p:extLst>
+  </p:cSld>
+  <p:clrMapOvr>
+    <a:masterClrMapping/>
+  </p:clrMapOvr>
+</p:sld>
+</file>
+
+<file path=ppt/slides/slide17.xml><?xml version="1.0" encoding="utf-8"?>
+<p:sld xmlns:a="http://schemas.openxmlformats.org/drawingml/2006/main" xmlns:r="http://schemas.openxmlformats.org/officeDocument/2006/relationships" xmlns:p="http://schemas.openxmlformats.org/presentationml/2006/main">
+  <p:cSld>
+    <p:spTree>
+      <p:nvGrpSpPr>
+        <p:cNvPr id="1" name=""/>
+        <p:cNvGrpSpPr/>
+        <p:nvPr/>
+      </p:nvGrpSpPr>
+      <p:grpSpPr>
+        <a:xfrm>
+          <a:off x="0" y="0"/>
+          <a:ext cx="0" cy="0"/>
+          <a:chOff x="0" y="0"/>
+          <a:chExt cx="0" cy="0"/>
+        </a:xfrm>
+      </p:grpSpPr>
+      <p:sp>
+        <p:nvSpPr>
+          <p:cNvPr id="2" name="Título 1">
+            <a:extLst>
+              <a:ext uri="{FF2B5EF4-FFF2-40B4-BE49-F238E27FC236}">
+                <a16:creationId xmlns:a16="http://schemas.microsoft.com/office/drawing/2014/main" id="{291D89C4-053F-18E2-B15A-EBDA32C61CED}"/>
+              </a:ext>
+            </a:extLst>
+          </p:cNvPr>
+          <p:cNvSpPr>
+            <a:spLocks noGrp="1"/>
+          </p:cNvSpPr>
+          <p:nvPr>
+            <p:ph type="title"/>
+          </p:nvPr>
+        </p:nvSpPr>
+        <p:spPr>
+          <a:xfrm>
+            <a:off x="508650" y="688849"/>
+            <a:ext cx="5008230" cy="835152"/>
+          </a:xfrm>
+        </p:spPr>
+        <p:txBody>
+          <a:bodyPr>
+            <a:noAutofit/>
+          </a:bodyPr>
+          <a:lstStyle/>
+          <a:p>
+            <a:r>
+              <a:rPr lang="pt-BR" sz="4000" dirty="0">
+                <a:latin typeface="Arial" panose="020B0604020202020204" pitchFamily="34" charset="0"/>
+                <a:cs typeface="Arial" panose="020B0604020202020204" pitchFamily="34" charset="0"/>
+              </a:rPr>
+              <a:t>Anexos</a:t>
+            </a:r>
+            <a:br>
+              <a:rPr lang="pt-BR" sz="4000" dirty="0">
+                <a:latin typeface="Arial" panose="020B0604020202020204" pitchFamily="34" charset="0"/>
+                <a:cs typeface="Arial" panose="020B0604020202020204" pitchFamily="34" charset="0"/>
+              </a:rPr>
+            </a:br>
+            <a:br>
+              <a:rPr lang="pt-BR" sz="4000" dirty="0">
+                <a:latin typeface="Arial" panose="020B0604020202020204" pitchFamily="34" charset="0"/>
+                <a:cs typeface="Arial" panose="020B0604020202020204" pitchFamily="34" charset="0"/>
+              </a:rPr>
+            </a:br>
+            <a:br>
+              <a:rPr lang="pt-BR" sz="4000" dirty="0">
+                <a:latin typeface="Arial" panose="020B0604020202020204" pitchFamily="34" charset="0"/>
+                <a:cs typeface="Arial" panose="020B0604020202020204" pitchFamily="34" charset="0"/>
+              </a:rPr>
+            </a:br>
+            <a:endParaRPr lang="pt-BR" sz="4000" dirty="0">
+              <a:latin typeface="Arial" panose="020B0604020202020204" pitchFamily="34" charset="0"/>
+              <a:cs typeface="Arial" panose="020B0604020202020204" pitchFamily="34" charset="0"/>
+            </a:endParaRPr>
+          </a:p>
+        </p:txBody>
+      </p:sp>
+      <p:sp>
+        <p:nvSpPr>
+          <p:cNvPr id="4" name="Triângulo Retângulo 3">
+            <a:extLst>
+              <a:ext uri="{FF2B5EF4-FFF2-40B4-BE49-F238E27FC236}">
+                <a16:creationId xmlns:a16="http://schemas.microsoft.com/office/drawing/2014/main" id="{116EC607-7B07-9A91-D369-2DEAE8471510}"/>
+              </a:ext>
+            </a:extLst>
+          </p:cNvPr>
+          <p:cNvSpPr/>
+          <p:nvPr/>
+        </p:nvSpPr>
+        <p:spPr>
+          <a:xfrm>
+            <a:off x="-22462" y="4693920"/>
+            <a:ext cx="2506582" cy="2164080"/>
+          </a:xfrm>
+          <a:prstGeom prst="rtTriangle">
+            <a:avLst/>
+          </a:prstGeom>
+          <a:ln>
+            <a:noFill/>
+          </a:ln>
+        </p:spPr>
+        <p:style>
+          <a:lnRef idx="2">
+            <a:schemeClr val="accent1">
+              <a:shade val="15000"/>
+            </a:schemeClr>
+          </a:lnRef>
+          <a:fillRef idx="1">
+            <a:schemeClr val="accent1"/>
+          </a:fillRef>
+          <a:effectRef idx="0">
+            <a:schemeClr val="accent1"/>
+          </a:effectRef>
+          <a:fontRef idx="minor">
+            <a:schemeClr val="lt1"/>
+          </a:fontRef>
+        </p:style>
+        <p:txBody>
+          <a:bodyPr rtlCol="0" anchor="ctr"/>
+          <a:lstStyle/>
+          <a:p>
+            <a:pPr algn="ctr"/>
+            <a:endParaRPr lang="pt-BR"/>
+          </a:p>
+        </p:txBody>
+      </p:sp>
+      <p:pic>
+        <p:nvPicPr>
+          <p:cNvPr id="6" name="Picture 2" descr="Fatec Votorantim">
+            <a:extLst>
+              <a:ext uri="{FF2B5EF4-FFF2-40B4-BE49-F238E27FC236}">
+                <a16:creationId xmlns:a16="http://schemas.microsoft.com/office/drawing/2014/main" id="{E19D8493-9A9C-8D11-2058-7BC3906A4306}"/>
+              </a:ext>
+            </a:extLst>
+          </p:cNvPr>
+          <p:cNvPicPr>
+            <a:picLocks noChangeAspect="1" noChangeArrowheads="1"/>
+          </p:cNvPicPr>
+          <p:nvPr/>
+        </p:nvPicPr>
+        <p:blipFill>
+          <a:blip r:embed="rId2" cstate="print">
+            <a:extLst>
+              <a:ext uri="{28A0092B-C50C-407E-A947-70E740481C1C}">
+                <a14:useLocalDpi xmlns:a14="http://schemas.microsoft.com/office/drawing/2010/main" val="0"/>
+              </a:ext>
+            </a:extLst>
+          </a:blip>
+          <a:srcRect/>
+          <a:stretch>
+            <a:fillRect/>
+          </a:stretch>
+        </p:blipFill>
+        <p:spPr bwMode="auto">
+          <a:xfrm>
+            <a:off x="9739911" y="124518"/>
+            <a:ext cx="2309086" cy="605254"/>
+          </a:xfrm>
+          <a:prstGeom prst="rect">
+            <a:avLst/>
+          </a:prstGeom>
+          <a:noFill/>
+          <a:extLst>
+            <a:ext uri="{909E8E84-426E-40DD-AFC4-6F175D3DCCD1}">
+              <a14:hiddenFill xmlns:a14="http://schemas.microsoft.com/office/drawing/2010/main">
+                <a:solidFill>
+                  <a:srgbClr val="FFFFFF"/>
+                </a:solidFill>
+              </a14:hiddenFill>
+            </a:ext>
+          </a:extLst>
+        </p:spPr>
+      </p:pic>
+      <p:pic>
+        <p:nvPicPr>
+          <p:cNvPr id="7" name="Imagem 6" descr="Ícone&#10;&#10;O conteúdo gerado por IA pode estar incorreto.">
+            <a:extLst>
+              <a:ext uri="{FF2B5EF4-FFF2-40B4-BE49-F238E27FC236}">
+                <a16:creationId xmlns:a16="http://schemas.microsoft.com/office/drawing/2014/main" id="{2FF85EDE-A709-4C2C-F12A-1375433FB5DD}"/>
+              </a:ext>
+            </a:extLst>
+          </p:cNvPr>
+          <p:cNvPicPr>
+            <a:picLocks noChangeAspect="1"/>
+          </p:cNvPicPr>
+          <p:nvPr/>
+        </p:nvPicPr>
+        <p:blipFill>
+          <a:blip r:embed="rId3" cstate="print">
+            <a:clrChange>
+              <a:clrFrom>
+                <a:srgbClr val="FFFFFF"/>
+              </a:clrFrom>
+              <a:clrTo>
+                <a:srgbClr val="FFFFFF">
+                  <a:alpha val="0"/>
+                </a:srgbClr>
+              </a:clrTo>
+            </a:clrChange>
+            <a:extLst>
+              <a:ext uri="{28A0092B-C50C-407E-A947-70E740481C1C}">
+                <a14:useLocalDpi xmlns:a14="http://schemas.microsoft.com/office/drawing/2010/main" val="0"/>
+              </a:ext>
+            </a:extLst>
+          </a:blip>
+          <a:stretch>
+            <a:fillRect/>
+          </a:stretch>
+        </p:blipFill>
+        <p:spPr>
+          <a:xfrm>
+            <a:off x="216313" y="5730097"/>
+            <a:ext cx="878108" cy="878108"/>
+          </a:xfrm>
+          <a:prstGeom prst="rect">
+            <a:avLst/>
+          </a:prstGeom>
+        </p:spPr>
+      </p:pic>
+    </p:spTree>
+    <p:extLst>
+      <p:ext uri="{BB962C8B-B14F-4D97-AF65-F5344CB8AC3E}">
+        <p14:creationId xmlns:p14="http://schemas.microsoft.com/office/powerpoint/2010/main" val="1409185930"/>
+      </p:ext>
+    </p:extLst>
+  </p:cSld>
+  <p:clrMapOvr>
+    <a:masterClrMapping/>
+  </p:clrMapOvr>
+</p:sld>
+</file>
+
+<file path=ppt/slides/slide18.xml><?xml version="1.0" encoding="utf-8"?>
+<p:sld xmlns:a="http://schemas.openxmlformats.org/drawingml/2006/main" xmlns:r="http://schemas.openxmlformats.org/officeDocument/2006/relationships" xmlns:p="http://schemas.openxmlformats.org/presentationml/2006/main">
+  <p:cSld>
+    <p:spTree>
+      <p:nvGrpSpPr>
+        <p:cNvPr id="1" name=""/>
+        <p:cNvGrpSpPr/>
+        <p:nvPr/>
+      </p:nvGrpSpPr>
+      <p:grpSpPr>
+        <a:xfrm>
+          <a:off x="0" y="0"/>
+          <a:ext cx="0" cy="0"/>
+          <a:chOff x="0" y="0"/>
+          <a:chExt cx="0" cy="0"/>
+        </a:xfrm>
+      </p:grpSpPr>
+      <p:sp>
+        <p:nvSpPr>
+          <p:cNvPr id="2" name="Título 1">
+            <a:extLst>
+              <a:ext uri="{FF2B5EF4-FFF2-40B4-BE49-F238E27FC236}">
+                <a16:creationId xmlns:a16="http://schemas.microsoft.com/office/drawing/2014/main" id="{291D89C4-053F-18E2-B15A-EBDA32C61CED}"/>
+              </a:ext>
+            </a:extLst>
+          </p:cNvPr>
+          <p:cNvSpPr>
+            <a:spLocks noGrp="1"/>
+          </p:cNvSpPr>
+          <p:nvPr>
+            <p:ph type="title"/>
+          </p:nvPr>
+        </p:nvSpPr>
+        <p:spPr>
+          <a:xfrm>
+            <a:off x="508650" y="688849"/>
+            <a:ext cx="5008230" cy="835152"/>
+          </a:xfrm>
+        </p:spPr>
+        <p:txBody>
+          <a:bodyPr>
+            <a:noAutofit/>
+          </a:bodyPr>
+          <a:lstStyle/>
+          <a:p>
+            <a:r>
+              <a:rPr lang="pt-BR" sz="4000" dirty="0">
+                <a:latin typeface="Arial" panose="020B0604020202020204" pitchFamily="34" charset="0"/>
+                <a:cs typeface="Arial" panose="020B0604020202020204" pitchFamily="34" charset="0"/>
+              </a:rPr>
+              <a:t>Referências </a:t>
+            </a:r>
+            <a:br>
+              <a:rPr lang="pt-BR" sz="4000" dirty="0">
+                <a:latin typeface="Arial" panose="020B0604020202020204" pitchFamily="34" charset="0"/>
+                <a:cs typeface="Arial" panose="020B0604020202020204" pitchFamily="34" charset="0"/>
+              </a:rPr>
+            </a:br>
+            <a:br>
+              <a:rPr lang="pt-BR" sz="4000" dirty="0">
+                <a:latin typeface="Arial" panose="020B0604020202020204" pitchFamily="34" charset="0"/>
+                <a:cs typeface="Arial" panose="020B0604020202020204" pitchFamily="34" charset="0"/>
+              </a:rPr>
+            </a:br>
+            <a:br>
+              <a:rPr lang="pt-BR" sz="4000" dirty="0">
+                <a:latin typeface="Arial" panose="020B0604020202020204" pitchFamily="34" charset="0"/>
+                <a:cs typeface="Arial" panose="020B0604020202020204" pitchFamily="34" charset="0"/>
+              </a:rPr>
+            </a:br>
+            <a:endParaRPr lang="pt-BR" sz="4000" dirty="0">
+              <a:latin typeface="Arial" panose="020B0604020202020204" pitchFamily="34" charset="0"/>
+              <a:cs typeface="Arial" panose="020B0604020202020204" pitchFamily="34" charset="0"/>
+            </a:endParaRPr>
+          </a:p>
+        </p:txBody>
+      </p:sp>
+      <p:pic>
+        <p:nvPicPr>
+          <p:cNvPr id="6" name="Picture 2" descr="Fatec Votorantim">
+            <a:extLst>
+              <a:ext uri="{FF2B5EF4-FFF2-40B4-BE49-F238E27FC236}">
+                <a16:creationId xmlns:a16="http://schemas.microsoft.com/office/drawing/2014/main" id="{E19D8493-9A9C-8D11-2058-7BC3906A4306}"/>
+              </a:ext>
+            </a:extLst>
+          </p:cNvPr>
+          <p:cNvPicPr>
+            <a:picLocks noChangeAspect="1" noChangeArrowheads="1"/>
+          </p:cNvPicPr>
+          <p:nvPr/>
+        </p:nvPicPr>
+        <p:blipFill>
+          <a:blip r:embed="rId2" cstate="print">
+            <a:extLst>
+              <a:ext uri="{28A0092B-C50C-407E-A947-70E740481C1C}">
+                <a14:useLocalDpi xmlns:a14="http://schemas.microsoft.com/office/drawing/2010/main" val="0"/>
+              </a:ext>
+            </a:extLst>
+          </a:blip>
+          <a:srcRect/>
+          <a:stretch>
+            <a:fillRect/>
+          </a:stretch>
+        </p:blipFill>
+        <p:spPr bwMode="auto">
+          <a:xfrm>
+            <a:off x="9739911" y="124518"/>
+            <a:ext cx="2309086" cy="605254"/>
+          </a:xfrm>
+          <a:prstGeom prst="rect">
+            <a:avLst/>
+          </a:prstGeom>
+          <a:noFill/>
+          <a:extLst>
+            <a:ext uri="{909E8E84-426E-40DD-AFC4-6F175D3DCCD1}">
+              <a14:hiddenFill xmlns:a14="http://schemas.microsoft.com/office/drawing/2010/main">
+                <a:solidFill>
+                  <a:srgbClr val="FFFFFF"/>
+                </a:solidFill>
+              </a14:hiddenFill>
+            </a:ext>
+          </a:extLst>
+        </p:spPr>
+      </p:pic>
+      <p:sp>
+        <p:nvSpPr>
+          <p:cNvPr id="10" name="Triângulo Retângulo 3">
+            <a:extLst>
+              <a:ext uri="{FF2B5EF4-FFF2-40B4-BE49-F238E27FC236}">
+                <a16:creationId xmlns:a16="http://schemas.microsoft.com/office/drawing/2014/main" id="{116EC607-7B07-9A91-D369-2DEAE8471510}"/>
+              </a:ext>
+            </a:extLst>
+          </p:cNvPr>
+          <p:cNvSpPr/>
+          <p:nvPr/>
+        </p:nvSpPr>
+        <p:spPr>
+          <a:xfrm>
+            <a:off x="-22462" y="4693920"/>
+            <a:ext cx="2506582" cy="2164080"/>
+          </a:xfrm>
+          <a:prstGeom prst="rtTriangle">
+            <a:avLst/>
+          </a:prstGeom>
+          <a:ln>
+            <a:noFill/>
+          </a:ln>
+        </p:spPr>
+        <p:style>
+          <a:lnRef idx="2">
+            <a:schemeClr val="accent1">
+              <a:shade val="15000"/>
+            </a:schemeClr>
+          </a:lnRef>
+          <a:fillRef idx="1">
+            <a:schemeClr val="accent1"/>
+          </a:fillRef>
+          <a:effectRef idx="0">
+            <a:schemeClr val="accent1"/>
+          </a:effectRef>
+          <a:fontRef idx="minor">
+            <a:schemeClr val="lt1"/>
+          </a:fontRef>
+        </p:style>
+        <p:txBody>
+          <a:bodyPr rtlCol="0" anchor="ctr"/>
+          <a:lstStyle/>
+          <a:p>
+            <a:pPr algn="ctr"/>
+            <a:endParaRPr lang="pt-BR"/>
+          </a:p>
+        </p:txBody>
+      </p:sp>
+      <p:pic>
+        <p:nvPicPr>
+          <p:cNvPr id="1026" name="Picture 2" descr="Download Free Reference Icons in PNG &amp; SVG"/>
+          <p:cNvPicPr>
+            <a:picLocks noChangeAspect="1" noChangeArrowheads="1"/>
+          </p:cNvPicPr>
+          <p:nvPr/>
+        </p:nvPicPr>
+        <p:blipFill>
+          <a:blip r:embed="rId3" cstate="print"/>
+          <a:srcRect/>
+          <a:stretch>
+            <a:fillRect/>
+          </a:stretch>
+        </p:blipFill>
+        <p:spPr bwMode="auto">
+          <a:xfrm>
+            <a:off x="197829" y="5786563"/>
+            <a:ext cx="860425" cy="860425"/>
+          </a:xfrm>
+          <a:prstGeom prst="rect">
+            <a:avLst/>
+          </a:prstGeom>
+          <a:noFill/>
+        </p:spPr>
+      </p:pic>
+      <p:sp>
+        <p:nvSpPr>
+          <p:cNvPr id="3" name="Espaço Reservado para Conteúdo 2">
+            <a:extLst>
+              <a:ext uri="{FF2B5EF4-FFF2-40B4-BE49-F238E27FC236}">
+                <a16:creationId xmlns:a16="http://schemas.microsoft.com/office/drawing/2014/main" id="{105327F3-FD2F-08E7-C2FE-F92810D76DD5}"/>
+              </a:ext>
+            </a:extLst>
+          </p:cNvPr>
+          <p:cNvSpPr>
+            <a:spLocks noGrp="1"/>
+          </p:cNvSpPr>
+          <p:nvPr/>
+        </p:nvSpPr>
+        <p:spPr>
+          <a:xfrm>
+            <a:off x="1907865" y="2273109"/>
+            <a:ext cx="9961230" cy="4373879"/>
           </a:xfrm>
           <a:prstGeom prst="rect">
             <a:avLst/>
@@ -8305,7 +8563,7 @@
           <a:p>
             <a:r>
               <a:rPr lang="pt-BR" dirty="0"/>
-              <a:t>Escreva aqui quais foram as principais lições aprendidas com o projeto.</a:t>
+              <a:t>Coloque aqui todos os sites, livros, artigos que foram pesquisados e utilizados.</a:t>
             </a:r>
           </a:p>
         </p:txBody>
@@ -8313,7 +8571,7 @@
     </p:spTree>
     <p:extLst>
       <p:ext uri="{BB962C8B-B14F-4D97-AF65-F5344CB8AC3E}">
-        <p14:creationId xmlns:p14="http://schemas.microsoft.com/office/powerpoint/2010/main" val="2809128205"/>
+        <p14:creationId xmlns:p14="http://schemas.microsoft.com/office/powerpoint/2010/main" val="984600318"/>
       </p:ext>
     </p:extLst>
   </p:cSld>
@@ -8358,8 +8616,8 @@
         </p:nvSpPr>
         <p:spPr>
           <a:xfrm>
-            <a:off x="517327" y="643131"/>
-            <a:ext cx="4983770" cy="1292349"/>
+            <a:off x="517326" y="643131"/>
+            <a:ext cx="6077437" cy="1292349"/>
           </a:xfrm>
         </p:spPr>
         <p:txBody>
@@ -8780,7 +9038,7 @@
 </p:sld>
 </file>
 
-<file path=ppt/slides/slide20.xml><?xml version="1.0" encoding="utf-8"?>
+<file path=ppt/slides/slide3.xml><?xml version="1.0" encoding="utf-8"?>
 <p:sld xmlns:a="http://schemas.openxmlformats.org/drawingml/2006/main" xmlns:r="http://schemas.openxmlformats.org/officeDocument/2006/relationships" xmlns:p="http://schemas.openxmlformats.org/presentationml/2006/main">
   <p:cSld>
     <p:spTree>
@@ -8815,45 +9073,98 @@
         </p:nvSpPr>
         <p:spPr>
           <a:xfrm>
-            <a:off x="508650" y="688849"/>
-            <a:ext cx="5008230" cy="835152"/>
-          </a:xfrm>
-        </p:spPr>
-        <p:txBody>
-          <a:bodyPr>
+            <a:off x="398403" y="977165"/>
+            <a:ext cx="11253859" cy="1475231"/>
+          </a:xfrm>
+        </p:spPr>
+        <p:txBody>
+          <a:bodyPr vert="horz" lIns="91440" tIns="45720" rIns="91440" bIns="45720" rtlCol="0" anchor="t">
             <a:noAutofit/>
           </a:bodyPr>
           <a:lstStyle/>
           <a:p>
             <a:r>
-              <a:rPr lang="pt-BR" sz="4000" dirty="0">
-                <a:latin typeface="Arial" panose="020B0604020202020204" pitchFamily="34" charset="0"/>
-                <a:cs typeface="Arial" panose="020B0604020202020204" pitchFamily="34" charset="0"/>
-              </a:rPr>
-              <a:t>Anexos</a:t>
+              <a:rPr lang="pt-BR" sz="3600" b="1" dirty="0">
+                <a:latin typeface="Arial" panose="020B0604020202020204" pitchFamily="34" charset="0"/>
+                <a:ea typeface="Aptos" panose="020B0004020202020204" pitchFamily="34" charset="0"/>
+              </a:rPr>
+              <a:t>O que impulsionou na escolha desta empresa?</a:t>
             </a:r>
             <a:br>
-              <a:rPr lang="pt-BR" sz="4000" dirty="0">
-                <a:latin typeface="Arial" panose="020B0604020202020204" pitchFamily="34" charset="0"/>
-                <a:cs typeface="Arial" panose="020B0604020202020204" pitchFamily="34" charset="0"/>
-              </a:rPr>
-            </a:br>
-            <a:br>
-              <a:rPr lang="pt-BR" sz="4000" dirty="0">
-                <a:latin typeface="Arial" panose="020B0604020202020204" pitchFamily="34" charset="0"/>
-                <a:cs typeface="Arial" panose="020B0604020202020204" pitchFamily="34" charset="0"/>
-              </a:rPr>
-            </a:br>
-            <a:br>
-              <a:rPr lang="pt-BR" sz="4000" dirty="0">
-                <a:latin typeface="Arial" panose="020B0604020202020204" pitchFamily="34" charset="0"/>
-                <a:cs typeface="Arial" panose="020B0604020202020204" pitchFamily="34" charset="0"/>
+              <a:rPr lang="pt-BR" sz="4000" b="1" dirty="0">
+                <a:latin typeface="Arial" panose="020B0604020202020204" pitchFamily="34" charset="0"/>
+                <a:ea typeface="Aptos" panose="020B0004020202020204" pitchFamily="34" charset="0"/>
               </a:rPr>
             </a:br>
             <a:endParaRPr lang="pt-BR" sz="4000" dirty="0">
               <a:latin typeface="Arial" panose="020B0604020202020204" pitchFamily="34" charset="0"/>
               <a:cs typeface="Arial" panose="020B0604020202020204" pitchFamily="34" charset="0"/>
             </a:endParaRPr>
+          </a:p>
+        </p:txBody>
+      </p:sp>
+      <p:sp>
+        <p:nvSpPr>
+          <p:cNvPr id="3" name="Espaço Reservado para Conteúdo 2">
+            <a:extLst>
+              <a:ext uri="{FF2B5EF4-FFF2-40B4-BE49-F238E27FC236}">
+                <a16:creationId xmlns:a16="http://schemas.microsoft.com/office/drawing/2014/main" id="{105327F3-FD2F-08E7-C2FE-F92810D76DD5}"/>
+              </a:ext>
+            </a:extLst>
+          </p:cNvPr>
+          <p:cNvSpPr>
+            <a:spLocks noGrp="1"/>
+          </p:cNvSpPr>
+          <p:nvPr>
+            <p:ph idx="1"/>
+          </p:nvPr>
+        </p:nvSpPr>
+        <p:spPr>
+          <a:xfrm>
+            <a:off x="664410" y="2331495"/>
+            <a:ext cx="10987852" cy="1777519"/>
+          </a:xfrm>
+        </p:spPr>
+        <p:txBody>
+          <a:bodyPr>
+            <a:normAutofit/>
+          </a:bodyPr>
+          <a:lstStyle/>
+          <a:p>
+            <a:pPr marL="457200" indent="-457200">
+              <a:buFont typeface="Arial" panose="020B0604020202020204" pitchFamily="34" charset="0"/>
+              <a:buChar char="•"/>
+            </a:pPr>
+            <a:r>
+              <a:rPr lang="pt-BR" sz="2800" dirty="0">
+                <a:effectLst/>
+                <a:latin typeface="Arial" panose="020B0604020202020204" pitchFamily="34" charset="0"/>
+                <a:ea typeface="Aptos" panose="020B0004020202020204" pitchFamily="34" charset="0"/>
+              </a:rPr>
+              <a:t>A CPFL é uma empresa que está presente em nosso dia a dia;</a:t>
+            </a:r>
+          </a:p>
+          <a:p>
+            <a:pPr marL="457200" indent="-457200">
+              <a:buFont typeface="Arial" panose="020B0604020202020204" pitchFamily="34" charset="0"/>
+              <a:buChar char="•"/>
+            </a:pPr>
+            <a:r>
+              <a:rPr lang="pt-BR" sz="2800" dirty="0">
+                <a:latin typeface="Arial" panose="020B0604020202020204" pitchFamily="34" charset="0"/>
+                <a:ea typeface="Aptos" panose="020B0004020202020204" pitchFamily="34" charset="0"/>
+              </a:rPr>
+              <a:t>U</a:t>
+            </a:r>
+            <a:r>
+              <a:rPr lang="pt-BR" sz="2800" dirty="0">
+                <a:effectLst/>
+                <a:latin typeface="Arial" panose="020B0604020202020204" pitchFamily="34" charset="0"/>
+                <a:ea typeface="Aptos" panose="020B0004020202020204" pitchFamily="34" charset="0"/>
+              </a:rPr>
+              <a:t>m membro do grupo, é colaborador da empresa.</a:t>
+            </a:r>
+            <a:endParaRPr lang="pt-BR" sz="3200" dirty="0"/>
           </a:p>
         </p:txBody>
       </p:sp>
@@ -8908,6 +9219,42 @@
       </p:sp>
       <p:pic>
         <p:nvPicPr>
+          <p:cNvPr id="5" name="Imagem 4" descr="Ícone&#10;&#10;O conteúdo gerado por IA pode estar incorreto.">
+            <a:extLst>
+              <a:ext uri="{FF2B5EF4-FFF2-40B4-BE49-F238E27FC236}">
+                <a16:creationId xmlns:a16="http://schemas.microsoft.com/office/drawing/2014/main" id="{ECAC0DFB-AD73-8183-0EF7-EFFABD9F7C6E}"/>
+              </a:ext>
+            </a:extLst>
+          </p:cNvPr>
+          <p:cNvPicPr>
+            <a:picLocks noChangeAspect="1"/>
+          </p:cNvPicPr>
+          <p:nvPr/>
+        </p:nvPicPr>
+        <p:blipFill>
+          <a:blip r:embed="rId2" cstate="print">
+            <a:extLst>
+              <a:ext uri="{28A0092B-C50C-407E-A947-70E740481C1C}">
+                <a14:useLocalDpi xmlns:a14="http://schemas.microsoft.com/office/drawing/2010/main" val="0"/>
+              </a:ext>
+            </a:extLst>
+          </a:blip>
+          <a:stretch>
+            <a:fillRect/>
+          </a:stretch>
+        </p:blipFill>
+        <p:spPr>
+          <a:xfrm>
+            <a:off x="127650" y="5750051"/>
+            <a:ext cx="990600" cy="990600"/>
+          </a:xfrm>
+          <a:prstGeom prst="rect">
+            <a:avLst/>
+          </a:prstGeom>
+        </p:spPr>
+      </p:pic>
+      <p:pic>
+        <p:nvPicPr>
           <p:cNvPr id="6" name="Picture 2" descr="Fatec Votorantim">
             <a:extLst>
               <a:ext uri="{FF2B5EF4-FFF2-40B4-BE49-F238E27FC236}">
@@ -8921,7 +9268,7 @@
           <p:nvPr/>
         </p:nvPicPr>
         <p:blipFill>
-          <a:blip r:embed="rId2" cstate="print">
+          <a:blip r:embed="rId3" cstate="print">
             <a:extLst>
               <a:ext uri="{28A0092B-C50C-407E-A947-70E740481C1C}">
                 <a14:useLocalDpi xmlns:a14="http://schemas.microsoft.com/office/drawing/2010/main" val="0"/>
@@ -8955,10 +9302,10 @@
       </p:pic>
       <p:pic>
         <p:nvPicPr>
-          <p:cNvPr id="7" name="Imagem 6" descr="Ícone&#10;&#10;O conteúdo gerado por IA pode estar incorreto.">
-            <a:extLst>
-              <a:ext uri="{FF2B5EF4-FFF2-40B4-BE49-F238E27FC236}">
-                <a16:creationId xmlns:a16="http://schemas.microsoft.com/office/drawing/2014/main" id="{2FF85EDE-A709-4C2C-F12A-1375433FB5DD}"/>
+          <p:cNvPr id="7" name="Imagem 6" descr="Logotipo&#10;&#10;O conteúdo gerado por IA pode estar incorreto.">
+            <a:extLst>
+              <a:ext uri="{FF2B5EF4-FFF2-40B4-BE49-F238E27FC236}">
+                <a16:creationId xmlns:a16="http://schemas.microsoft.com/office/drawing/2014/main" id="{3FB9CC5D-424D-11E9-1BFB-348034FA4DF5}"/>
               </a:ext>
             </a:extLst>
           </p:cNvPr>
@@ -8968,17 +9315,7 @@
           <p:nvPr/>
         </p:nvPicPr>
         <p:blipFill>
-          <a:blip r:embed="rId3" cstate="print">
-            <a:clrChange>
-              <a:clrFrom>
-                <a:srgbClr val="FFFFFF"/>
-              </a:clrFrom>
-              <a:clrTo>
-                <a:srgbClr val="FFFFFF">
-                  <a:alpha val="0"/>
-                </a:srgbClr>
-              </a:clrTo>
-            </a:clrChange>
+          <a:blip r:embed="rId4">
             <a:extLst>
               <a:ext uri="{28A0092B-C50C-407E-A947-70E740481C1C}">
                 <a14:useLocalDpi xmlns:a14="http://schemas.microsoft.com/office/drawing/2010/main" val="0"/>
@@ -8991,8 +9328,8 @@
         </p:blipFill>
         <p:spPr>
           <a:xfrm>
-            <a:off x="216313" y="5730097"/>
-            <a:ext cx="878108" cy="878108"/>
+            <a:off x="4791043" y="3839874"/>
+            <a:ext cx="2704266" cy="2091581"/>
           </a:xfrm>
           <a:prstGeom prst="rect">
             <a:avLst/>
@@ -9002,7 +9339,7 @@
     </p:spTree>
     <p:extLst>
       <p:ext uri="{BB962C8B-B14F-4D97-AF65-F5344CB8AC3E}">
-        <p14:creationId xmlns:p14="http://schemas.microsoft.com/office/powerpoint/2010/main" val="1409185930"/>
+        <p14:creationId xmlns:p14="http://schemas.microsoft.com/office/powerpoint/2010/main" val="4058808201"/>
       </p:ext>
     </p:extLst>
   </p:cSld>
@@ -9012,12 +9349,18 @@
 </p:sld>
 </file>
 
-<file path=ppt/slides/slide21.xml><?xml version="1.0" encoding="utf-8"?>
+<file path=ppt/slides/slide4.xml><?xml version="1.0" encoding="utf-8"?>
 <p:sld xmlns:a="http://schemas.openxmlformats.org/drawingml/2006/main" xmlns:r="http://schemas.openxmlformats.org/officeDocument/2006/relationships" xmlns:p="http://schemas.openxmlformats.org/presentationml/2006/main">
   <p:cSld>
     <p:spTree>
       <p:nvGrpSpPr>
-        <p:cNvPr id="1" name=""/>
+        <p:cNvPr id="1" name="">
+          <a:extLst>
+            <a:ext uri="{FF2B5EF4-FFF2-40B4-BE49-F238E27FC236}">
+              <a16:creationId xmlns:a16="http://schemas.microsoft.com/office/drawing/2014/main" id="{5CA240AA-9CDC-B96B-83A7-98E754CFA319}"/>
+            </a:ext>
+          </a:extLst>
+        </p:cNvPr>
         <p:cNvGrpSpPr/>
         <p:nvPr/>
       </p:nvGrpSpPr>
@@ -9034,7 +9377,7 @@
           <p:cNvPr id="2" name="Título 1">
             <a:extLst>
               <a:ext uri="{FF2B5EF4-FFF2-40B4-BE49-F238E27FC236}">
-                <a16:creationId xmlns:a16="http://schemas.microsoft.com/office/drawing/2014/main" id="{291D89C4-053F-18E2-B15A-EBDA32C61CED}"/>
+                <a16:creationId xmlns:a16="http://schemas.microsoft.com/office/drawing/2014/main" id="{76673ABE-C882-AD6C-BBE8-14E675BA3E58}"/>
               </a:ext>
             </a:extLst>
           </p:cNvPr>
@@ -9047,8 +9390,8 @@
         </p:nvSpPr>
         <p:spPr>
           <a:xfrm>
-            <a:off x="508650" y="688849"/>
-            <a:ext cx="5008230" cy="835152"/>
+            <a:off x="508649" y="688849"/>
+            <a:ext cx="7571415" cy="835152"/>
           </a:xfrm>
         </p:spPr>
         <p:txBody>
@@ -9058,90 +9401,21 @@
           <a:lstStyle/>
           <a:p>
             <a:r>
-              <a:rPr lang="pt-BR" sz="4000" dirty="0">
+              <a:rPr lang="pt-BR" sz="3600" dirty="0">
                 <a:latin typeface="Arial" panose="020B0604020202020204" pitchFamily="34" charset="0"/>
                 <a:cs typeface="Arial" panose="020B0604020202020204" pitchFamily="34" charset="0"/>
               </a:rPr>
-              <a:t>Referências </a:t>
-            </a:r>
-            <a:br>
-              <a:rPr lang="pt-BR" sz="4000" dirty="0">
-                <a:latin typeface="Arial" panose="020B0604020202020204" pitchFamily="34" charset="0"/>
-                <a:cs typeface="Arial" panose="020B0604020202020204" pitchFamily="34" charset="0"/>
-              </a:rPr>
-            </a:br>
-            <a:br>
-              <a:rPr lang="pt-BR" sz="4000" dirty="0">
-                <a:latin typeface="Arial" panose="020B0604020202020204" pitchFamily="34" charset="0"/>
-                <a:cs typeface="Arial" panose="020B0604020202020204" pitchFamily="34" charset="0"/>
-              </a:rPr>
-            </a:br>
-            <a:br>
-              <a:rPr lang="pt-BR" sz="4000" dirty="0">
-                <a:latin typeface="Arial" panose="020B0604020202020204" pitchFamily="34" charset="0"/>
-                <a:cs typeface="Arial" panose="020B0604020202020204" pitchFamily="34" charset="0"/>
-              </a:rPr>
-            </a:br>
-            <a:endParaRPr lang="pt-BR" sz="4000" dirty="0">
-              <a:latin typeface="Arial" panose="020B0604020202020204" pitchFamily="34" charset="0"/>
-              <a:cs typeface="Arial" panose="020B0604020202020204" pitchFamily="34" charset="0"/>
-            </a:endParaRPr>
-          </a:p>
-        </p:txBody>
-      </p:sp>
-      <p:pic>
-        <p:nvPicPr>
-          <p:cNvPr id="6" name="Picture 2" descr="Fatec Votorantim">
-            <a:extLst>
-              <a:ext uri="{FF2B5EF4-FFF2-40B4-BE49-F238E27FC236}">
-                <a16:creationId xmlns:a16="http://schemas.microsoft.com/office/drawing/2014/main" id="{E19D8493-9A9C-8D11-2058-7BC3906A4306}"/>
-              </a:ext>
-            </a:extLst>
-          </p:cNvPr>
-          <p:cNvPicPr>
-            <a:picLocks noChangeAspect="1" noChangeArrowheads="1"/>
-          </p:cNvPicPr>
-          <p:nvPr/>
-        </p:nvPicPr>
-        <p:blipFill>
-          <a:blip r:embed="rId2" cstate="print">
-            <a:extLst>
-              <a:ext uri="{28A0092B-C50C-407E-A947-70E740481C1C}">
-                <a14:useLocalDpi xmlns:a14="http://schemas.microsoft.com/office/drawing/2010/main" val="0"/>
-              </a:ext>
-            </a:extLst>
-          </a:blip>
-          <a:srcRect/>
-          <a:stretch>
-            <a:fillRect/>
-          </a:stretch>
-        </p:blipFill>
-        <p:spPr bwMode="auto">
-          <a:xfrm>
-            <a:off x="9739911" y="124518"/>
-            <a:ext cx="2309086" cy="605254"/>
-          </a:xfrm>
-          <a:prstGeom prst="rect">
-            <a:avLst/>
-          </a:prstGeom>
-          <a:noFill/>
-          <a:extLst>
-            <a:ext uri="{909E8E84-426E-40DD-AFC4-6F175D3DCCD1}">
-              <a14:hiddenFill xmlns:a14="http://schemas.microsoft.com/office/drawing/2010/main">
-                <a:solidFill>
-                  <a:srgbClr val="FFFFFF"/>
-                </a:solidFill>
-              </a14:hiddenFill>
-            </a:ext>
-          </a:extLst>
-        </p:spPr>
-      </p:pic>
-      <p:sp>
-        <p:nvSpPr>
-          <p:cNvPr id="10" name="Triângulo Retângulo 3">
-            <a:extLst>
-              <a:ext uri="{FF2B5EF4-FFF2-40B4-BE49-F238E27FC236}">
-                <a16:creationId xmlns:a16="http://schemas.microsoft.com/office/drawing/2014/main" id="{116EC607-7B07-9A91-D369-2DEAE8471510}"/>
+              <a:t>Apresentação da Empresa</a:t>
+            </a:r>
+          </a:p>
+        </p:txBody>
+      </p:sp>
+      <p:sp>
+        <p:nvSpPr>
+          <p:cNvPr id="4" name="Triângulo Retângulo 3">
+            <a:extLst>
+              <a:ext uri="{FF2B5EF4-FFF2-40B4-BE49-F238E27FC236}">
+                <a16:creationId xmlns:a16="http://schemas.microsoft.com/office/drawing/2014/main" id="{A0371A02-6BF4-31EE-E6B6-2723544FD480}"/>
               </a:ext>
             </a:extLst>
           </p:cNvPr>
@@ -9187,14 +9461,26 @@
       </p:sp>
       <p:pic>
         <p:nvPicPr>
-          <p:cNvPr id="1026" name="Picture 2" descr="Download Free Reference Icons in PNG &amp; SVG"/>
+          <p:cNvPr id="6" name="Picture 2" descr="Fatec Votorantim">
+            <a:extLst>
+              <a:ext uri="{FF2B5EF4-FFF2-40B4-BE49-F238E27FC236}">
+                <a16:creationId xmlns:a16="http://schemas.microsoft.com/office/drawing/2014/main" id="{A04638F4-1791-8007-644D-DCF5A2B0AB6F}"/>
+              </a:ext>
+            </a:extLst>
+          </p:cNvPr>
           <p:cNvPicPr>
             <a:picLocks noChangeAspect="1" noChangeArrowheads="1"/>
           </p:cNvPicPr>
           <p:nvPr/>
         </p:nvPicPr>
         <p:blipFill>
-          <a:blip r:embed="rId3" cstate="print"/>
+          <a:blip r:embed="rId2" cstate="print">
+            <a:extLst>
+              <a:ext uri="{28A0092B-C50C-407E-A947-70E740481C1C}">
+                <a14:useLocalDpi xmlns:a14="http://schemas.microsoft.com/office/drawing/2010/main" val="0"/>
+              </a:ext>
+            </a:extLst>
+          </a:blip>
           <a:srcRect/>
           <a:stretch>
             <a:fillRect/>
@@ -9202,21 +9488,66 @@
         </p:blipFill>
         <p:spPr bwMode="auto">
           <a:xfrm>
-            <a:off x="197829" y="5786563"/>
-            <a:ext cx="860425" cy="860425"/>
+            <a:off x="9739911" y="124518"/>
+            <a:ext cx="2309086" cy="605254"/>
           </a:xfrm>
           <a:prstGeom prst="rect">
             <a:avLst/>
           </a:prstGeom>
           <a:noFill/>
+          <a:extLst>
+            <a:ext uri="{909E8E84-426E-40DD-AFC4-6F175D3DCCD1}">
+              <a14:hiddenFill xmlns:a14="http://schemas.microsoft.com/office/drawing/2010/main">
+                <a:solidFill>
+                  <a:srgbClr val="FFFFFF"/>
+                </a:solidFill>
+              </a14:hiddenFill>
+            </a:ext>
+          </a:extLst>
         </p:spPr>
       </p:pic>
+      <p:pic>
+        <p:nvPicPr>
+          <p:cNvPr id="7" name="Imagem 6" descr="Interface gráfica do usuário, Aplicativo, Ícone&#10;&#10;O conteúdo gerado por IA pode estar incorreto.">
+            <a:extLst>
+              <a:ext uri="{FF2B5EF4-FFF2-40B4-BE49-F238E27FC236}">
+                <a16:creationId xmlns:a16="http://schemas.microsoft.com/office/drawing/2014/main" id="{D06F350A-9E33-01D3-2D55-D3521707CA71}"/>
+              </a:ext>
+            </a:extLst>
+          </p:cNvPr>
+          <p:cNvPicPr>
+            <a:picLocks noChangeAspect="1"/>
+          </p:cNvPicPr>
+          <p:nvPr/>
+        </p:nvPicPr>
+        <p:blipFill>
+          <a:blip r:embed="rId3" cstate="print">
+            <a:extLst>
+              <a:ext uri="{28A0092B-C50C-407E-A947-70E740481C1C}">
+                <a14:useLocalDpi xmlns:a14="http://schemas.microsoft.com/office/drawing/2010/main" val="0"/>
+              </a:ext>
+            </a:extLst>
+          </a:blip>
+          <a:stretch>
+            <a:fillRect/>
+          </a:stretch>
+        </p:blipFill>
+        <p:spPr>
+          <a:xfrm>
+            <a:off x="172135" y="5680061"/>
+            <a:ext cx="1057882" cy="1057882"/>
+          </a:xfrm>
+          <a:prstGeom prst="rect">
+            <a:avLst/>
+          </a:prstGeom>
+        </p:spPr>
+      </p:pic>
       <p:sp>
         <p:nvSpPr>
           <p:cNvPr id="3" name="Espaço Reservado para Conteúdo 2">
             <a:extLst>
               <a:ext uri="{FF2B5EF4-FFF2-40B4-BE49-F238E27FC236}">
-                <a16:creationId xmlns:a16="http://schemas.microsoft.com/office/drawing/2014/main" id="{105327F3-FD2F-08E7-C2FE-F92810D76DD5}"/>
+                <a16:creationId xmlns:a16="http://schemas.microsoft.com/office/drawing/2014/main" id="{9AB7953C-7857-7FBA-B1E9-C325A66A8A4D}"/>
               </a:ext>
             </a:extLst>
           </p:cNvPr>
@@ -9227,8 +9558,8 @@
         </p:nvSpPr>
         <p:spPr>
           <a:xfrm>
-            <a:off x="1907865" y="2273109"/>
-            <a:ext cx="9961230" cy="4373879"/>
+            <a:off x="1092457" y="1715914"/>
+            <a:ext cx="10927408" cy="4153462"/>
           </a:xfrm>
           <a:prstGeom prst="rect">
             <a:avLst/>
@@ -9403,17 +9734,242 @@
             </a:lvl9pPr>
           </a:lstStyle>
           <a:p>
-            <a:r>
-              <a:rPr lang="pt-BR" dirty="0"/>
-              <a:t>Coloque aqui todos os sites, livros, artigos que foram pesquisados e utilizados.</a:t>
-            </a:r>
+            <a:pPr marL="285750" indent="-285750">
+              <a:buFont typeface="Arial" panose="020B0604020202020204" pitchFamily="34" charset="0"/>
+              <a:buChar char="•"/>
+            </a:pPr>
+            <a:r>
+              <a:rPr lang="pt-BR" dirty="0">
+                <a:effectLst/>
+                <a:latin typeface="Arial" panose="020B0604020202020204" pitchFamily="34" charset="0"/>
+                <a:ea typeface="Aptos" panose="020B0004020202020204" pitchFamily="34" charset="0"/>
+              </a:rPr>
+              <a:t>Fornece o serviço de </a:t>
+            </a:r>
+            <a:r>
+              <a:rPr lang="pt-BR" dirty="0">
+                <a:latin typeface="Arial" panose="020B0604020202020204" pitchFamily="34" charset="0"/>
+                <a:ea typeface="Aptos" panose="020B0004020202020204" pitchFamily="34" charset="0"/>
+              </a:rPr>
+              <a:t>E</a:t>
+            </a:r>
+            <a:r>
+              <a:rPr lang="pt-BR" dirty="0">
+                <a:effectLst/>
+                <a:latin typeface="Arial" panose="020B0604020202020204" pitchFamily="34" charset="0"/>
+                <a:ea typeface="Aptos" panose="020B0004020202020204" pitchFamily="34" charset="0"/>
+              </a:rPr>
+              <a:t>nergia </a:t>
+            </a:r>
+            <a:r>
+              <a:rPr lang="pt-BR" dirty="0">
+                <a:latin typeface="Arial" panose="020B0604020202020204" pitchFamily="34" charset="0"/>
+                <a:ea typeface="Aptos" panose="020B0004020202020204" pitchFamily="34" charset="0"/>
+              </a:rPr>
+              <a:t>E</a:t>
+            </a:r>
+            <a:r>
+              <a:rPr lang="pt-BR" dirty="0">
+                <a:effectLst/>
+                <a:latin typeface="Arial" panose="020B0604020202020204" pitchFamily="34" charset="0"/>
+                <a:ea typeface="Aptos" panose="020B0004020202020204" pitchFamily="34" charset="0"/>
+              </a:rPr>
+              <a:t>létrica;</a:t>
+            </a:r>
+          </a:p>
+          <a:p>
+            <a:pPr marL="285750" indent="-285750">
+              <a:buFont typeface="Arial" panose="020B0604020202020204" pitchFamily="34" charset="0"/>
+              <a:buChar char="•"/>
+            </a:pPr>
+            <a:r>
+              <a:rPr lang="pt-BR" dirty="0">
+                <a:effectLst/>
+                <a:latin typeface="Arial" panose="020B0604020202020204" pitchFamily="34" charset="0"/>
+                <a:ea typeface="Aptos" panose="020B0004020202020204" pitchFamily="34" charset="0"/>
+              </a:rPr>
+              <a:t>A CPFL é uma empresa brasileira, nascida no estado de São Paulo;</a:t>
+            </a:r>
+          </a:p>
+          <a:p>
+            <a:pPr marL="285750" indent="-285750">
+              <a:buFont typeface="Arial" panose="020B0604020202020204" pitchFamily="34" charset="0"/>
+              <a:buChar char="•"/>
+            </a:pPr>
+            <a:r>
+              <a:rPr lang="pt-BR" dirty="0">
+                <a:effectLst/>
+                <a:latin typeface="Arial" panose="020B0604020202020204" pitchFamily="34" charset="0"/>
+                <a:ea typeface="Aptos" panose="020B0004020202020204" pitchFamily="34" charset="0"/>
+              </a:rPr>
+              <a:t>Fundada pelos engenheiros José Balbino de Siqueira e Manfredo Antônio da Costa;</a:t>
+            </a:r>
+          </a:p>
+          <a:p>
+            <a:pPr marL="285750" indent="-285750">
+              <a:buFont typeface="Arial" panose="020B0604020202020204" pitchFamily="34" charset="0"/>
+              <a:buChar char="•"/>
+            </a:pPr>
+            <a:r>
+              <a:rPr lang="pt-BR" kern="100" dirty="0">
+                <a:effectLst/>
+                <a:latin typeface="Arial" panose="020B0604020202020204" pitchFamily="34" charset="0"/>
+                <a:ea typeface="Aptos" panose="020B0004020202020204" pitchFamily="34" charset="0"/>
+                <a:cs typeface="Times New Roman" panose="02020603050405020304" pitchFamily="18" charset="0"/>
+              </a:rPr>
+              <a:t>1927 – O controle acionário foi passado para a American &amp; </a:t>
+            </a:r>
+            <a:r>
+              <a:rPr lang="pt-BR" kern="100" dirty="0" err="1">
+                <a:effectLst/>
+                <a:latin typeface="Arial" panose="020B0604020202020204" pitchFamily="34" charset="0"/>
+                <a:ea typeface="Aptos" panose="020B0004020202020204" pitchFamily="34" charset="0"/>
+                <a:cs typeface="Times New Roman" panose="02020603050405020304" pitchFamily="18" charset="0"/>
+              </a:rPr>
+              <a:t>Foreign</a:t>
+            </a:r>
+            <a:r>
+              <a:rPr lang="pt-BR" kern="100" dirty="0">
+                <a:effectLst/>
+                <a:latin typeface="Arial" panose="020B0604020202020204" pitchFamily="34" charset="0"/>
+                <a:ea typeface="Aptos" panose="020B0004020202020204" pitchFamily="34" charset="0"/>
+                <a:cs typeface="Times New Roman" panose="02020603050405020304" pitchFamily="18" charset="0"/>
+              </a:rPr>
+              <a:t> Power </a:t>
+            </a:r>
+            <a:r>
+              <a:rPr lang="pt-BR" kern="100" dirty="0" err="1">
+                <a:effectLst/>
+                <a:latin typeface="Arial" panose="020B0604020202020204" pitchFamily="34" charset="0"/>
+                <a:ea typeface="Aptos" panose="020B0004020202020204" pitchFamily="34" charset="0"/>
+                <a:cs typeface="Times New Roman" panose="02020603050405020304" pitchFamily="18" charset="0"/>
+              </a:rPr>
+              <a:t>Company</a:t>
+            </a:r>
+            <a:r>
+              <a:rPr lang="pt-BR" kern="100" dirty="0">
+                <a:effectLst/>
+                <a:latin typeface="Arial" panose="020B0604020202020204" pitchFamily="34" charset="0"/>
+                <a:ea typeface="Aptos" panose="020B0004020202020204" pitchFamily="34" charset="0"/>
+                <a:cs typeface="Times New Roman" panose="02020603050405020304" pitchFamily="18" charset="0"/>
+              </a:rPr>
+              <a:t> (AMFORP);</a:t>
+            </a:r>
+            <a:endParaRPr lang="pt-BR" kern="100" dirty="0">
+              <a:effectLst/>
+              <a:latin typeface="Aptos" panose="020B0004020202020204" pitchFamily="34" charset="0"/>
+              <a:ea typeface="Aptos" panose="020B0004020202020204" pitchFamily="34" charset="0"/>
+              <a:cs typeface="Times New Roman" panose="02020603050405020304" pitchFamily="18" charset="0"/>
+            </a:endParaRPr>
+          </a:p>
+          <a:p>
+            <a:pPr marL="285750" indent="-285750">
+              <a:buFont typeface="Arial" panose="020B0604020202020204" pitchFamily="34" charset="0"/>
+              <a:buChar char="•"/>
+            </a:pPr>
+            <a:r>
+              <a:rPr lang="pt-BR" kern="100" dirty="0">
+                <a:effectLst/>
+                <a:latin typeface="Arial" panose="020B0604020202020204" pitchFamily="34" charset="0"/>
+                <a:ea typeface="Aptos" panose="020B0004020202020204" pitchFamily="34" charset="0"/>
+                <a:cs typeface="Times New Roman" panose="02020603050405020304" pitchFamily="18" charset="0"/>
+              </a:rPr>
+              <a:t>1975 – O controle acionário passado para a Companhia Energética de São Paulo (CESP);</a:t>
+            </a:r>
+            <a:endParaRPr lang="pt-BR" kern="100" dirty="0">
+              <a:effectLst/>
+              <a:latin typeface="Aptos" panose="020B0004020202020204" pitchFamily="34" charset="0"/>
+              <a:ea typeface="Aptos" panose="020B0004020202020204" pitchFamily="34" charset="0"/>
+              <a:cs typeface="Times New Roman" panose="02020603050405020304" pitchFamily="18" charset="0"/>
+            </a:endParaRPr>
+          </a:p>
+          <a:p>
+            <a:pPr marL="285750" indent="-285750">
+              <a:buFont typeface="Arial" panose="020B0604020202020204" pitchFamily="34" charset="0"/>
+              <a:buChar char="•"/>
+            </a:pPr>
+            <a:r>
+              <a:rPr lang="pt-BR" kern="100" dirty="0">
+                <a:effectLst/>
+                <a:latin typeface="Arial" panose="020B0604020202020204" pitchFamily="34" charset="0"/>
+                <a:ea typeface="Aptos" panose="020B0004020202020204" pitchFamily="34" charset="0"/>
+                <a:cs typeface="Times New Roman" panose="02020603050405020304" pitchFamily="18" charset="0"/>
+              </a:rPr>
+              <a:t>1997 – Venda para a união Votorantim, Bradesco e Camargo Correa (VBC);</a:t>
+            </a:r>
+            <a:endParaRPr lang="pt-BR" kern="100" dirty="0">
+              <a:effectLst/>
+              <a:latin typeface="Aptos" panose="020B0004020202020204" pitchFamily="34" charset="0"/>
+              <a:ea typeface="Aptos" panose="020B0004020202020204" pitchFamily="34" charset="0"/>
+              <a:cs typeface="Times New Roman" panose="02020603050405020304" pitchFamily="18" charset="0"/>
+            </a:endParaRPr>
+          </a:p>
+          <a:p>
+            <a:pPr marL="285750" indent="-285750">
+              <a:buFont typeface="Arial" panose="020B0604020202020204" pitchFamily="34" charset="0"/>
+              <a:buChar char="•"/>
+            </a:pPr>
+            <a:r>
+              <a:rPr lang="pt-BR" dirty="0">
+                <a:effectLst/>
+                <a:latin typeface="Arial" panose="020B0604020202020204" pitchFamily="34" charset="0"/>
+                <a:ea typeface="Aptos" panose="020B0004020202020204" pitchFamily="34" charset="0"/>
+              </a:rPr>
+              <a:t>2017– A </a:t>
+            </a:r>
+            <a:r>
+              <a:rPr lang="pt-BR" dirty="0" err="1">
+                <a:effectLst/>
+                <a:latin typeface="Arial" panose="020B0604020202020204" pitchFamily="34" charset="0"/>
+                <a:ea typeface="Aptos" panose="020B0004020202020204" pitchFamily="34" charset="0"/>
+              </a:rPr>
+              <a:t>State</a:t>
+            </a:r>
+            <a:r>
+              <a:rPr lang="pt-BR" dirty="0">
+                <a:effectLst/>
+                <a:latin typeface="Arial" panose="020B0604020202020204" pitchFamily="34" charset="0"/>
+                <a:ea typeface="Aptos" panose="020B0004020202020204" pitchFamily="34" charset="0"/>
+              </a:rPr>
+              <a:t> Grid </a:t>
+            </a:r>
+            <a:r>
+              <a:rPr lang="pt-BR" dirty="0" err="1">
+                <a:effectLst/>
+                <a:latin typeface="Arial" panose="020B0604020202020204" pitchFamily="34" charset="0"/>
+                <a:ea typeface="Aptos" panose="020B0004020202020204" pitchFamily="34" charset="0"/>
+              </a:rPr>
+              <a:t>Brazil</a:t>
+            </a:r>
+            <a:r>
+              <a:rPr lang="pt-BR" dirty="0">
+                <a:effectLst/>
+                <a:latin typeface="Arial" panose="020B0604020202020204" pitchFamily="34" charset="0"/>
+                <a:ea typeface="Aptos" panose="020B0004020202020204" pitchFamily="34" charset="0"/>
+              </a:rPr>
+              <a:t> Power Participações S.A assumiu o controle acionário da CPFL Energia;</a:t>
+            </a:r>
+          </a:p>
+          <a:p>
+            <a:endParaRPr lang="pt-BR" dirty="0">
+              <a:effectLst/>
+              <a:latin typeface="Arial" panose="020B0604020202020204" pitchFamily="34" charset="0"/>
+              <a:ea typeface="Aptos" panose="020B0004020202020204" pitchFamily="34" charset="0"/>
+            </a:endParaRPr>
+          </a:p>
+          <a:p>
+            <a:pPr marL="285750" indent="-285750">
+              <a:buFont typeface="Arial" panose="020B0604020202020204" pitchFamily="34" charset="0"/>
+              <a:buChar char="•"/>
+            </a:pPr>
+            <a:endParaRPr lang="pt-BR" dirty="0"/>
           </a:p>
         </p:txBody>
       </p:sp>
     </p:spTree>
     <p:extLst>
       <p:ext uri="{BB962C8B-B14F-4D97-AF65-F5344CB8AC3E}">
-        <p14:creationId xmlns:p14="http://schemas.microsoft.com/office/powerpoint/2010/main" val="984600318"/>
+        <p14:creationId xmlns:p14="http://schemas.microsoft.com/office/powerpoint/2010/main" val="3210734425"/>
       </p:ext>
     </p:extLst>
   </p:cSld>
@@ -9423,7 +9979,7 @@
 </p:sld>
 </file>
 
-<file path=ppt/slides/slide3.xml><?xml version="1.0" encoding="utf-8"?>
+<file path=ppt/slides/slide5.xml><?xml version="1.0" encoding="utf-8"?>
 <p:sld xmlns:a="http://schemas.openxmlformats.org/drawingml/2006/main" xmlns:r="http://schemas.openxmlformats.org/officeDocument/2006/relationships" xmlns:p="http://schemas.openxmlformats.org/presentationml/2006/main">
   <p:cSld>
     <p:spTree>
@@ -9442,119 +9998,6 @@
       </p:grpSpPr>
       <p:sp>
         <p:nvSpPr>
-          <p:cNvPr id="2" name="Título 1">
-            <a:extLst>
-              <a:ext uri="{FF2B5EF4-FFF2-40B4-BE49-F238E27FC236}">
-                <a16:creationId xmlns:a16="http://schemas.microsoft.com/office/drawing/2014/main" id="{291D89C4-053F-18E2-B15A-EBDA32C61CED}"/>
-              </a:ext>
-            </a:extLst>
-          </p:cNvPr>
-          <p:cNvSpPr>
-            <a:spLocks noGrp="1"/>
-          </p:cNvSpPr>
-          <p:nvPr>
-            <p:ph type="title"/>
-          </p:nvPr>
-        </p:nvSpPr>
-        <p:spPr>
-          <a:xfrm>
-            <a:off x="398403" y="977165"/>
-            <a:ext cx="11253859" cy="1475231"/>
-          </a:xfrm>
-        </p:spPr>
-        <p:txBody>
-          <a:bodyPr vert="horz" lIns="91440" tIns="45720" rIns="91440" bIns="45720" rtlCol="0" anchor="t">
-            <a:noAutofit/>
-          </a:bodyPr>
-          <a:lstStyle/>
-          <a:p>
-            <a:r>
-              <a:rPr lang="pt-BR" sz="3600" b="1" dirty="0">
-                <a:latin typeface="Arial" panose="020B0604020202020204" pitchFamily="34" charset="0"/>
-                <a:ea typeface="Aptos" panose="020B0004020202020204" pitchFamily="34" charset="0"/>
-              </a:rPr>
-              <a:t>O que impulsionou na escolha desta empresa?</a:t>
-            </a:r>
-            <a:br>
-              <a:rPr lang="pt-BR" sz="4000" b="1" dirty="0">
-                <a:latin typeface="Arial" panose="020B0604020202020204" pitchFamily="34" charset="0"/>
-                <a:ea typeface="Aptos" panose="020B0004020202020204" pitchFamily="34" charset="0"/>
-              </a:rPr>
-            </a:br>
-            <a:endParaRPr lang="pt-BR" sz="4000" dirty="0">
-              <a:latin typeface="Arial" panose="020B0604020202020204" pitchFamily="34" charset="0"/>
-              <a:cs typeface="Arial" panose="020B0604020202020204" pitchFamily="34" charset="0"/>
-            </a:endParaRPr>
-          </a:p>
-        </p:txBody>
-      </p:sp>
-      <p:sp>
-        <p:nvSpPr>
-          <p:cNvPr id="3" name="Espaço Reservado para Conteúdo 2">
-            <a:extLst>
-              <a:ext uri="{FF2B5EF4-FFF2-40B4-BE49-F238E27FC236}">
-                <a16:creationId xmlns:a16="http://schemas.microsoft.com/office/drawing/2014/main" id="{105327F3-FD2F-08E7-C2FE-F92810D76DD5}"/>
-              </a:ext>
-            </a:extLst>
-          </p:cNvPr>
-          <p:cNvSpPr>
-            <a:spLocks noGrp="1"/>
-          </p:cNvSpPr>
-          <p:nvPr>
-            <p:ph idx="1"/>
-          </p:nvPr>
-        </p:nvSpPr>
-        <p:spPr>
-          <a:xfrm>
-            <a:off x="664410" y="2331495"/>
-            <a:ext cx="10987852" cy="1777519"/>
-          </a:xfrm>
-        </p:spPr>
-        <p:txBody>
-          <a:bodyPr>
-            <a:normAutofit/>
-          </a:bodyPr>
-          <a:lstStyle/>
-          <a:p>
-            <a:pPr marL="457200" indent="-457200">
-              <a:buFont typeface="Arial" panose="020B0604020202020204" pitchFamily="34" charset="0"/>
-              <a:buChar char="•"/>
-            </a:pPr>
-            <a:r>
-              <a:rPr lang="pt-BR" sz="2800" dirty="0">
-                <a:effectLst/>
-                <a:latin typeface="Arial" panose="020B0604020202020204" pitchFamily="34" charset="0"/>
-                <a:ea typeface="Aptos" panose="020B0004020202020204" pitchFamily="34" charset="0"/>
-              </a:rPr>
-              <a:t>A CPFL é uma empresa que está presente em nosso dia a dia;</a:t>
-            </a:r>
-          </a:p>
-          <a:p>
-            <a:pPr marL="457200" indent="-457200">
-              <a:buFont typeface="Arial" panose="020B0604020202020204" pitchFamily="34" charset="0"/>
-              <a:buChar char="•"/>
-            </a:pPr>
-            <a:r>
-              <a:rPr lang="pt-BR" sz="2800" dirty="0">
-                <a:latin typeface="Arial" panose="020B0604020202020204" pitchFamily="34" charset="0"/>
-                <a:ea typeface="Aptos" panose="020B0004020202020204" pitchFamily="34" charset="0"/>
-              </a:rPr>
-              <a:t>U</a:t>
-            </a:r>
-            <a:r>
-              <a:rPr lang="pt-BR" sz="2800" dirty="0">
-                <a:effectLst/>
-                <a:latin typeface="Arial" panose="020B0604020202020204" pitchFamily="34" charset="0"/>
-                <a:ea typeface="Aptos" panose="020B0004020202020204" pitchFamily="34" charset="0"/>
-              </a:rPr>
-              <a:t>m membro do grupo, é colaborador da empresa.</a:t>
-            </a:r>
-            <a:endParaRPr lang="pt-BR" sz="3200" dirty="0"/>
-          </a:p>
-        </p:txBody>
-      </p:sp>
-      <p:sp>
-        <p:nvSpPr>
           <p:cNvPr id="4" name="Triângulo Retângulo 3">
             <a:extLst>
               <a:ext uri="{FF2B5EF4-FFF2-40B4-BE49-F238E27FC236}">
@@ -9604,42 +10047,6 @@
       </p:sp>
       <p:pic>
         <p:nvPicPr>
-          <p:cNvPr id="5" name="Imagem 4" descr="Ícone&#10;&#10;O conteúdo gerado por IA pode estar incorreto.">
-            <a:extLst>
-              <a:ext uri="{FF2B5EF4-FFF2-40B4-BE49-F238E27FC236}">
-                <a16:creationId xmlns:a16="http://schemas.microsoft.com/office/drawing/2014/main" id="{ECAC0DFB-AD73-8183-0EF7-EFFABD9F7C6E}"/>
-              </a:ext>
-            </a:extLst>
-          </p:cNvPr>
-          <p:cNvPicPr>
-            <a:picLocks noChangeAspect="1"/>
-          </p:cNvPicPr>
-          <p:nvPr/>
-        </p:nvPicPr>
-        <p:blipFill>
-          <a:blip r:embed="rId2" cstate="print">
-            <a:extLst>
-              <a:ext uri="{28A0092B-C50C-407E-A947-70E740481C1C}">
-                <a14:useLocalDpi xmlns:a14="http://schemas.microsoft.com/office/drawing/2010/main" val="0"/>
-              </a:ext>
-            </a:extLst>
-          </a:blip>
-          <a:stretch>
-            <a:fillRect/>
-          </a:stretch>
-        </p:blipFill>
-        <p:spPr>
-          <a:xfrm>
-            <a:off x="127650" y="5750051"/>
-            <a:ext cx="990600" cy="990600"/>
-          </a:xfrm>
-          <a:prstGeom prst="rect">
-            <a:avLst/>
-          </a:prstGeom>
-        </p:spPr>
-      </p:pic>
-      <p:pic>
-        <p:nvPicPr>
           <p:cNvPr id="6" name="Picture 2" descr="Fatec Votorantim">
             <a:extLst>
               <a:ext uri="{FF2B5EF4-FFF2-40B4-BE49-F238E27FC236}">
@@ -9653,7 +10060,7 @@
           <p:nvPr/>
         </p:nvPicPr>
         <p:blipFill>
-          <a:blip r:embed="rId3" cstate="print">
+          <a:blip r:embed="rId2" cstate="print">
             <a:extLst>
               <a:ext uri="{28A0092B-C50C-407E-A947-70E740481C1C}">
                 <a14:useLocalDpi xmlns:a14="http://schemas.microsoft.com/office/drawing/2010/main" val="0"/>
@@ -9667,7 +10074,7 @@
         </p:blipFill>
         <p:spPr bwMode="auto">
           <a:xfrm>
-            <a:off x="9739911" y="124518"/>
+            <a:off x="9704351" y="167855"/>
             <a:ext cx="2309086" cy="605254"/>
           </a:xfrm>
           <a:prstGeom prst="rect">
@@ -9685,190 +10092,24 @@
           </a:extLst>
         </p:spPr>
       </p:pic>
-      <p:pic>
-        <p:nvPicPr>
-          <p:cNvPr id="7" name="Imagem 6" descr="Logotipo&#10;&#10;O conteúdo gerado por IA pode estar incorreto.">
-            <a:extLst>
-              <a:ext uri="{FF2B5EF4-FFF2-40B4-BE49-F238E27FC236}">
-                <a16:creationId xmlns:a16="http://schemas.microsoft.com/office/drawing/2014/main" id="{3FB9CC5D-424D-11E9-1BFB-348034FA4DF5}"/>
-              </a:ext>
-            </a:extLst>
-          </p:cNvPr>
-          <p:cNvPicPr>
-            <a:picLocks noChangeAspect="1"/>
-          </p:cNvPicPr>
+      <p:sp>
+        <p:nvSpPr>
+          <p:cNvPr id="8" name="AutoShape 2">
+            <a:extLst>
+              <a:ext uri="{FF2B5EF4-FFF2-40B4-BE49-F238E27FC236}">
+                <a16:creationId xmlns:a16="http://schemas.microsoft.com/office/drawing/2014/main" id="{87EB6D93-0E24-39BD-DADC-D451874B170E}"/>
+              </a:ext>
+            </a:extLst>
+          </p:cNvPr>
+          <p:cNvSpPr>
+            <a:spLocks noChangeAspect="1" noChangeArrowheads="1"/>
+          </p:cNvSpPr>
           <p:nvPr/>
-        </p:nvPicPr>
-        <p:blipFill>
-          <a:blip r:embed="rId4">
-            <a:extLst>
-              <a:ext uri="{28A0092B-C50C-407E-A947-70E740481C1C}">
-                <a14:useLocalDpi xmlns:a14="http://schemas.microsoft.com/office/drawing/2010/main" val="0"/>
-              </a:ext>
-            </a:extLst>
-          </a:blip>
-          <a:stretch>
-            <a:fillRect/>
-          </a:stretch>
-        </p:blipFill>
-        <p:spPr>
-          <a:xfrm>
-            <a:off x="4791043" y="3839874"/>
-            <a:ext cx="2704266" cy="2091581"/>
-          </a:xfrm>
-          <a:prstGeom prst="rect">
-            <a:avLst/>
-          </a:prstGeom>
-        </p:spPr>
-      </p:pic>
-    </p:spTree>
-    <p:extLst>
-      <p:ext uri="{BB962C8B-B14F-4D97-AF65-F5344CB8AC3E}">
-        <p14:creationId xmlns:p14="http://schemas.microsoft.com/office/powerpoint/2010/main" val="4058808201"/>
-      </p:ext>
-    </p:extLst>
-  </p:cSld>
-  <p:clrMapOvr>
-    <a:masterClrMapping/>
-  </p:clrMapOvr>
-</p:sld>
-</file>
-
-<file path=ppt/slides/slide4.xml><?xml version="1.0" encoding="utf-8"?>
-<p:sld xmlns:a="http://schemas.openxmlformats.org/drawingml/2006/main" xmlns:r="http://schemas.openxmlformats.org/officeDocument/2006/relationships" xmlns:p="http://schemas.openxmlformats.org/presentationml/2006/main">
-  <p:cSld>
-    <p:spTree>
-      <p:nvGrpSpPr>
-        <p:cNvPr id="1" name=""/>
-        <p:cNvGrpSpPr/>
-        <p:nvPr/>
-      </p:nvGrpSpPr>
-      <p:grpSpPr>
-        <a:xfrm>
-          <a:off x="0" y="0"/>
-          <a:ext cx="0" cy="0"/>
-          <a:chOff x="0" y="0"/>
-          <a:chExt cx="0" cy="0"/>
-        </a:xfrm>
-      </p:grpSpPr>
-      <p:sp>
-        <p:nvSpPr>
-          <p:cNvPr id="2" name="Título 1">
-            <a:extLst>
-              <a:ext uri="{FF2B5EF4-FFF2-40B4-BE49-F238E27FC236}">
-                <a16:creationId xmlns:a16="http://schemas.microsoft.com/office/drawing/2014/main" id="{291D89C4-053F-18E2-B15A-EBDA32C61CED}"/>
-              </a:ext>
-            </a:extLst>
-          </p:cNvPr>
-          <p:cNvSpPr>
-            <a:spLocks noGrp="1"/>
-          </p:cNvSpPr>
-          <p:nvPr>
-            <p:ph type="title"/>
-          </p:nvPr>
-        </p:nvSpPr>
-        <p:spPr>
-          <a:xfrm>
-            <a:off x="508650" y="688849"/>
-            <a:ext cx="5008230" cy="835152"/>
-          </a:xfrm>
-        </p:spPr>
-        <p:txBody>
-          <a:bodyPr>
-            <a:noAutofit/>
-          </a:bodyPr>
-          <a:lstStyle/>
-          <a:p>
-            <a:r>
-              <a:rPr lang="pt-BR" sz="4000" dirty="0">
-                <a:latin typeface="Arial" panose="020B0604020202020204" pitchFamily="34" charset="0"/>
-                <a:cs typeface="Arial" panose="020B0604020202020204" pitchFamily="34" charset="0"/>
-              </a:rPr>
-              <a:t>Apresentação da Empresa</a:t>
-            </a:r>
-          </a:p>
-        </p:txBody>
-      </p:sp>
-      <p:sp>
-        <p:nvSpPr>
-          <p:cNvPr id="4" name="Triângulo Retângulo 3">
-            <a:extLst>
-              <a:ext uri="{FF2B5EF4-FFF2-40B4-BE49-F238E27FC236}">
-                <a16:creationId xmlns:a16="http://schemas.microsoft.com/office/drawing/2014/main" id="{116EC607-7B07-9A91-D369-2DEAE8471510}"/>
-              </a:ext>
-            </a:extLst>
-          </p:cNvPr>
-          <p:cNvSpPr/>
-          <p:nvPr/>
-        </p:nvSpPr>
-        <p:spPr>
-          <a:xfrm>
-            <a:off x="-22462" y="4693920"/>
-            <a:ext cx="2506582" cy="2164080"/>
-          </a:xfrm>
-          <a:prstGeom prst="rtTriangle">
-            <a:avLst/>
-          </a:prstGeom>
-          <a:ln>
-            <a:noFill/>
-          </a:ln>
-        </p:spPr>
-        <p:style>
-          <a:lnRef idx="2">
-            <a:schemeClr val="accent1">
-              <a:shade val="15000"/>
-            </a:schemeClr>
-          </a:lnRef>
-          <a:fillRef idx="1">
-            <a:schemeClr val="accent1"/>
-          </a:fillRef>
-          <a:effectRef idx="0">
-            <a:schemeClr val="accent1"/>
-          </a:effectRef>
-          <a:fontRef idx="minor">
-            <a:schemeClr val="lt1"/>
-          </a:fontRef>
-        </p:style>
-        <p:txBody>
-          <a:bodyPr rtlCol="0" anchor="ctr"/>
-          <a:lstStyle/>
-          <a:p>
-            <a:pPr algn="ctr"/>
-            <a:endParaRPr lang="pt-BR"/>
-          </a:p>
-        </p:txBody>
-      </p:sp>
-      <p:pic>
-        <p:nvPicPr>
-          <p:cNvPr id="6" name="Picture 2" descr="Fatec Votorantim">
-            <a:extLst>
-              <a:ext uri="{FF2B5EF4-FFF2-40B4-BE49-F238E27FC236}">
-                <a16:creationId xmlns:a16="http://schemas.microsoft.com/office/drawing/2014/main" id="{E19D8493-9A9C-8D11-2058-7BC3906A4306}"/>
-              </a:ext>
-            </a:extLst>
-          </p:cNvPr>
-          <p:cNvPicPr>
-            <a:picLocks noChangeAspect="1" noChangeArrowheads="1"/>
-          </p:cNvPicPr>
-          <p:nvPr/>
-        </p:nvPicPr>
-        <p:blipFill>
-          <a:blip r:embed="rId2" cstate="print">
-            <a:extLst>
-              <a:ext uri="{28A0092B-C50C-407E-A947-70E740481C1C}">
-                <a14:useLocalDpi xmlns:a14="http://schemas.microsoft.com/office/drawing/2010/main" val="0"/>
-              </a:ext>
-            </a:extLst>
-          </a:blip>
-          <a:srcRect/>
-          <a:stretch>
-            <a:fillRect/>
-          </a:stretch>
-        </p:blipFill>
+        </p:nvSpPr>
         <p:spPr bwMode="auto">
           <a:xfrm>
-            <a:off x="9739911" y="124518"/>
-            <a:ext cx="2309086" cy="605254"/>
+            <a:off x="1955800" y="5723339"/>
+            <a:ext cx="304800" cy="304800"/>
           </a:xfrm>
           <a:prstGeom prst="rect">
             <a:avLst/>
@@ -9884,13 +10125,168 @@
             </a:ext>
           </a:extLst>
         </p:spPr>
-      </p:pic>
+        <p:txBody>
+          <a:bodyPr vert="horz" wrap="square" lIns="91440" tIns="45720" rIns="91440" bIns="45720" numCol="1" anchor="t" anchorCtr="0" compatLnSpc="1">
+            <a:prstTxWarp prst="textNoShape">
+              <a:avLst/>
+            </a:prstTxWarp>
+          </a:bodyPr>
+          <a:lstStyle/>
+          <a:p>
+            <a:endParaRPr lang="pt-BR"/>
+          </a:p>
+        </p:txBody>
+      </p:sp>
+      <p:sp>
+        <p:nvSpPr>
+          <p:cNvPr id="20" name="Título 1">
+            <a:extLst>
+              <a:ext uri="{FF2B5EF4-FFF2-40B4-BE49-F238E27FC236}">
+                <a16:creationId xmlns:a16="http://schemas.microsoft.com/office/drawing/2014/main" id="{913E46AE-4D39-F054-05A6-28FF9049171E}"/>
+              </a:ext>
+            </a:extLst>
+          </p:cNvPr>
+          <p:cNvSpPr>
+            <a:spLocks noGrp="1"/>
+          </p:cNvSpPr>
+          <p:nvPr>
+            <p:ph type="title"/>
+          </p:nvPr>
+        </p:nvSpPr>
+        <p:spPr>
+          <a:xfrm>
+            <a:off x="1098565" y="971992"/>
+            <a:ext cx="2309086" cy="835152"/>
+          </a:xfrm>
+        </p:spPr>
+        <p:txBody>
+          <a:bodyPr>
+            <a:normAutofit fontScale="90000"/>
+          </a:bodyPr>
+          <a:lstStyle/>
+          <a:p>
+            <a:r>
+              <a:rPr lang="pt-BR" sz="4900" dirty="0">
+                <a:latin typeface="Arial" panose="020B0604020202020204" pitchFamily="34" charset="0"/>
+                <a:cs typeface="Arial" panose="020B0604020202020204" pitchFamily="34" charset="0"/>
+              </a:rPr>
+              <a:t>Missão</a:t>
+            </a:r>
+            <a:endParaRPr lang="pt-BR" sz="5400" dirty="0">
+              <a:latin typeface="Arial" panose="020B0604020202020204" pitchFamily="34" charset="0"/>
+              <a:cs typeface="Arial" panose="020B0604020202020204" pitchFamily="34" charset="0"/>
+            </a:endParaRPr>
+          </a:p>
+        </p:txBody>
+      </p:sp>
+      <p:sp>
+        <p:nvSpPr>
+          <p:cNvPr id="21" name="Espaço Reservado para Conteúdo 2">
+            <a:extLst>
+              <a:ext uri="{FF2B5EF4-FFF2-40B4-BE49-F238E27FC236}">
+                <a16:creationId xmlns:a16="http://schemas.microsoft.com/office/drawing/2014/main" id="{97552128-F6B3-6C6B-A16F-D7586A81EE5A}"/>
+              </a:ext>
+            </a:extLst>
+          </p:cNvPr>
+          <p:cNvSpPr>
+            <a:spLocks noGrp="1"/>
+          </p:cNvSpPr>
+          <p:nvPr>
+            <p:ph idx="1"/>
+          </p:nvPr>
+        </p:nvSpPr>
+        <p:spPr>
+          <a:xfrm>
+            <a:off x="295477" y="1962077"/>
+            <a:ext cx="3763905" cy="4373879"/>
+          </a:xfrm>
+          <a:effectLst>
+            <a:outerShdw blurRad="63500" sx="102000" sy="102000" algn="ctr" rotWithShape="0">
+              <a:prstClr val="black">
+                <a:alpha val="40000"/>
+              </a:prstClr>
+            </a:outerShdw>
+          </a:effectLst>
+        </p:spPr>
+        <p:style>
+          <a:lnRef idx="2">
+            <a:schemeClr val="dk1"/>
+          </a:lnRef>
+          <a:fillRef idx="1">
+            <a:schemeClr val="lt1"/>
+          </a:fillRef>
+          <a:effectRef idx="0">
+            <a:schemeClr val="dk1"/>
+          </a:effectRef>
+          <a:fontRef idx="minor">
+            <a:schemeClr val="dk1"/>
+          </a:fontRef>
+        </p:style>
+        <p:txBody>
+          <a:bodyPr>
+            <a:normAutofit/>
+          </a:bodyPr>
+          <a:lstStyle/>
+          <a:p>
+            <a:pPr marL="457200" indent="-457200">
+              <a:lnSpc>
+                <a:spcPct val="100000"/>
+              </a:lnSpc>
+              <a:buFont typeface="Arial" panose="020B0604020202020204" pitchFamily="34" charset="0"/>
+              <a:buChar char="•"/>
+            </a:pPr>
+            <a:r>
+              <a:rPr lang="pt-BR" sz="2600" dirty="0">
+                <a:effectLst/>
+                <a:latin typeface="Arial" panose="020B0604020202020204" pitchFamily="34" charset="0"/>
+                <a:ea typeface="Aptos" panose="020B0004020202020204" pitchFamily="34" charset="0"/>
+              </a:rPr>
+              <a:t>Fornecer, energia sustentável; </a:t>
+            </a:r>
+          </a:p>
+          <a:p>
+            <a:pPr marL="457200" indent="-457200">
+              <a:lnSpc>
+                <a:spcPct val="100000"/>
+              </a:lnSpc>
+              <a:buFont typeface="Arial" panose="020B0604020202020204" pitchFamily="34" charset="0"/>
+              <a:buChar char="•"/>
+            </a:pPr>
+            <a:r>
+              <a:rPr lang="pt-BR" sz="2600" dirty="0">
+                <a:effectLst/>
+                <a:latin typeface="Arial" panose="020B0604020202020204" pitchFamily="34" charset="0"/>
+                <a:ea typeface="Aptos" panose="020B0004020202020204" pitchFamily="34" charset="0"/>
+              </a:rPr>
+              <a:t>Promover o crescimento do negócio;</a:t>
+            </a:r>
+          </a:p>
+          <a:p>
+            <a:pPr marL="457200" indent="-457200">
+              <a:lnSpc>
+                <a:spcPct val="100000"/>
+              </a:lnSpc>
+              <a:buFont typeface="Arial" panose="020B0604020202020204" pitchFamily="34" charset="0"/>
+              <a:buChar char="•"/>
+            </a:pPr>
+            <a:r>
+              <a:rPr lang="pt-BR" sz="2600" dirty="0">
+                <a:effectLst/>
+                <a:latin typeface="Arial" panose="020B0604020202020204" pitchFamily="34" charset="0"/>
+                <a:ea typeface="Aptos" panose="020B0004020202020204" pitchFamily="34" charset="0"/>
+              </a:rPr>
+              <a:t> Proporcionar igualdade de oportunidades </a:t>
+            </a:r>
+            <a:endParaRPr lang="pt-BR" sz="2600" dirty="0"/>
+          </a:p>
+        </p:txBody>
+      </p:sp>
       <p:pic>
         <p:nvPicPr>
-          <p:cNvPr id="7" name="Imagem 6" descr="Interface gráfica do usuário, Aplicativo, Ícone&#10;&#10;O conteúdo gerado por IA pode estar incorreto.">
-            <a:extLst>
-              <a:ext uri="{FF2B5EF4-FFF2-40B4-BE49-F238E27FC236}">
-                <a16:creationId xmlns:a16="http://schemas.microsoft.com/office/drawing/2014/main" id="{14C1BDF0-191E-91A9-BEC6-5BF0C7949B96}"/>
+          <p:cNvPr id="22" name="Imagem 21" descr="Ícone&#10;&#10;O conteúdo gerado por IA pode estar incorreto.">
+            <a:extLst>
+              <a:ext uri="{FF2B5EF4-FFF2-40B4-BE49-F238E27FC236}">
+                <a16:creationId xmlns:a16="http://schemas.microsoft.com/office/drawing/2014/main" id="{460C3E7D-9820-BB16-80C6-0C225DE104BD}"/>
               </a:ext>
             </a:extLst>
           </p:cNvPr>
@@ -9900,7 +10296,7 @@
           <p:nvPr/>
         </p:nvPicPr>
         <p:blipFill>
-          <a:blip r:embed="rId3" cstate="print">
+          <a:blip r:embed="rId3">
             <a:extLst>
               <a:ext uri="{28A0092B-C50C-407E-A947-70E740481C1C}">
                 <a14:useLocalDpi xmlns:a14="http://schemas.microsoft.com/office/drawing/2010/main" val="0"/>
@@ -9913,8 +10309,8 @@
         </p:blipFill>
         <p:spPr>
           <a:xfrm>
-            <a:off x="172135" y="5680061"/>
-            <a:ext cx="1057882" cy="1057882"/>
+            <a:off x="374684" y="1039434"/>
+            <a:ext cx="596737" cy="596737"/>
           </a:xfrm>
           <a:prstGeom prst="rect">
             <a:avLst/>
@@ -9923,27 +10319,48 @@
       </p:pic>
       <p:sp>
         <p:nvSpPr>
-          <p:cNvPr id="3" name="Espaço Reservado para Conteúdo 2">
-            <a:extLst>
-              <a:ext uri="{FF2B5EF4-FFF2-40B4-BE49-F238E27FC236}">
-                <a16:creationId xmlns:a16="http://schemas.microsoft.com/office/drawing/2014/main" id="{105327F3-FD2F-08E7-C2FE-F92810D76DD5}"/>
-              </a:ext>
-            </a:extLst>
-          </p:cNvPr>
-          <p:cNvSpPr>
-            <a:spLocks noGrp="1"/>
+          <p:cNvPr id="23" name="Espaço Reservado para Conteúdo 2">
+            <a:extLst>
+              <a:ext uri="{FF2B5EF4-FFF2-40B4-BE49-F238E27FC236}">
+                <a16:creationId xmlns:a16="http://schemas.microsoft.com/office/drawing/2014/main" id="{048AD164-050D-40C7-3F81-0577D3B89D33}"/>
+              </a:ext>
+            </a:extLst>
+          </p:cNvPr>
+          <p:cNvSpPr txBox="1">
+            <a:spLocks/>
           </p:cNvSpPr>
           <p:nvPr/>
         </p:nvSpPr>
         <p:spPr>
           <a:xfrm>
-            <a:off x="3323039" y="2225040"/>
-            <a:ext cx="7571415" cy="4373879"/>
+            <a:off x="8138867" y="1962077"/>
+            <a:ext cx="3600051" cy="4373879"/>
           </a:xfrm>
           <a:prstGeom prst="rect">
             <a:avLst/>
           </a:prstGeom>
-        </p:spPr>
+          <a:effectLst>
+            <a:outerShdw blurRad="63500" sx="102000" sy="102000" algn="ctr" rotWithShape="0">
+              <a:prstClr val="black">
+                <a:alpha val="40000"/>
+              </a:prstClr>
+            </a:outerShdw>
+          </a:effectLst>
+        </p:spPr>
+        <p:style>
+          <a:lnRef idx="2">
+            <a:schemeClr val="dk1"/>
+          </a:lnRef>
+          <a:fillRef idx="1">
+            <a:schemeClr val="lt1"/>
+          </a:fillRef>
+          <a:effectRef idx="0">
+            <a:schemeClr val="dk1"/>
+          </a:effectRef>
+          <a:fontRef idx="minor">
+            <a:schemeClr val="dk1"/>
+          </a:fontRef>
+        </p:style>
         <p:txBody>
           <a:bodyPr vert="horz" lIns="91440" tIns="45720" rIns="91440" bIns="45720" rtlCol="0">
             <a:normAutofit/>
@@ -10113,950 +10530,6 @@
             </a:lvl9pPr>
           </a:lstStyle>
           <a:p>
-            <a:r>
-              <a:rPr lang="pt-BR" dirty="0"/>
-              <a:t>História</a:t>
-            </a:r>
-          </a:p>
-          <a:p>
-            <a:r>
-              <a:rPr lang="pt-BR" dirty="0"/>
-              <a:t>Localização</a:t>
-            </a:r>
-          </a:p>
-          <a:p>
-            <a:r>
-              <a:rPr lang="pt-BR" dirty="0"/>
-              <a:t>Porte</a:t>
-            </a:r>
-          </a:p>
-          <a:p>
-            <a:r>
-              <a:rPr lang="pt-BR" dirty="0"/>
-              <a:t>Principais clientes</a:t>
-            </a:r>
-          </a:p>
-          <a:p>
-            <a:r>
-              <a:rPr lang="pt-BR" dirty="0"/>
-              <a:t>Principais concorrentes</a:t>
-            </a:r>
-          </a:p>
-          <a:p>
-            <a:r>
-              <a:rPr lang="pt-BR" dirty="0"/>
-              <a:t>Principais produtos ou serviços</a:t>
-            </a:r>
-          </a:p>
-          <a:p>
-            <a:r>
-              <a:rPr lang="pt-BR" dirty="0"/>
-              <a:t>Fotos....</a:t>
-            </a:r>
-          </a:p>
-          <a:p>
-            <a:endParaRPr lang="pt-BR" dirty="0"/>
-          </a:p>
-          <a:p>
-            <a:r>
-              <a:rPr lang="pt-BR" dirty="0"/>
-              <a:t>EXCLUIR ESTE SLIDE</a:t>
-            </a:r>
-          </a:p>
-        </p:txBody>
-      </p:sp>
-    </p:spTree>
-    <p:extLst>
-      <p:ext uri="{BB962C8B-B14F-4D97-AF65-F5344CB8AC3E}">
-        <p14:creationId xmlns:p14="http://schemas.microsoft.com/office/powerpoint/2010/main" val="4014694727"/>
-      </p:ext>
-    </p:extLst>
-  </p:cSld>
-  <p:clrMapOvr>
-    <a:masterClrMapping/>
-  </p:clrMapOvr>
-</p:sld>
-</file>
-
-<file path=ppt/slides/slide5.xml><?xml version="1.0" encoding="utf-8"?>
-<p:sld xmlns:a="http://schemas.openxmlformats.org/drawingml/2006/main" xmlns:r="http://schemas.openxmlformats.org/officeDocument/2006/relationships" xmlns:p="http://schemas.openxmlformats.org/presentationml/2006/main">
-  <p:cSld>
-    <p:spTree>
-      <p:nvGrpSpPr>
-        <p:cNvPr id="1" name="">
-          <a:extLst>
-            <a:ext uri="{FF2B5EF4-FFF2-40B4-BE49-F238E27FC236}">
-              <a16:creationId xmlns:a16="http://schemas.microsoft.com/office/drawing/2014/main" id="{5CA240AA-9CDC-B96B-83A7-98E754CFA319}"/>
-            </a:ext>
-          </a:extLst>
-        </p:cNvPr>
-        <p:cNvGrpSpPr/>
-        <p:nvPr/>
-      </p:nvGrpSpPr>
-      <p:grpSpPr>
-        <a:xfrm>
-          <a:off x="0" y="0"/>
-          <a:ext cx="0" cy="0"/>
-          <a:chOff x="0" y="0"/>
-          <a:chExt cx="0" cy="0"/>
-        </a:xfrm>
-      </p:grpSpPr>
-      <p:sp>
-        <p:nvSpPr>
-          <p:cNvPr id="2" name="Título 1">
-            <a:extLst>
-              <a:ext uri="{FF2B5EF4-FFF2-40B4-BE49-F238E27FC236}">
-                <a16:creationId xmlns:a16="http://schemas.microsoft.com/office/drawing/2014/main" id="{76673ABE-C882-AD6C-BBE8-14E675BA3E58}"/>
-              </a:ext>
-            </a:extLst>
-          </p:cNvPr>
-          <p:cNvSpPr>
-            <a:spLocks noGrp="1"/>
-          </p:cNvSpPr>
-          <p:nvPr>
-            <p:ph type="title"/>
-          </p:nvPr>
-        </p:nvSpPr>
-        <p:spPr>
-          <a:xfrm>
-            <a:off x="508649" y="688849"/>
-            <a:ext cx="7571415" cy="835152"/>
-          </a:xfrm>
-        </p:spPr>
-        <p:txBody>
-          <a:bodyPr>
-            <a:noAutofit/>
-          </a:bodyPr>
-          <a:lstStyle/>
-          <a:p>
-            <a:r>
-              <a:rPr lang="pt-BR" sz="3600" dirty="0">
-                <a:latin typeface="Arial" panose="020B0604020202020204" pitchFamily="34" charset="0"/>
-                <a:cs typeface="Arial" panose="020B0604020202020204" pitchFamily="34" charset="0"/>
-              </a:rPr>
-              <a:t>Apresentação da Empresa</a:t>
-            </a:r>
-          </a:p>
-        </p:txBody>
-      </p:sp>
-      <p:sp>
-        <p:nvSpPr>
-          <p:cNvPr id="4" name="Triângulo Retângulo 3">
-            <a:extLst>
-              <a:ext uri="{FF2B5EF4-FFF2-40B4-BE49-F238E27FC236}">
-                <a16:creationId xmlns:a16="http://schemas.microsoft.com/office/drawing/2014/main" id="{A0371A02-6BF4-31EE-E6B6-2723544FD480}"/>
-              </a:ext>
-            </a:extLst>
-          </p:cNvPr>
-          <p:cNvSpPr/>
-          <p:nvPr/>
-        </p:nvSpPr>
-        <p:spPr>
-          <a:xfrm>
-            <a:off x="-22462" y="4693920"/>
-            <a:ext cx="2506582" cy="2164080"/>
-          </a:xfrm>
-          <a:prstGeom prst="rtTriangle">
-            <a:avLst/>
-          </a:prstGeom>
-          <a:ln>
-            <a:noFill/>
-          </a:ln>
-        </p:spPr>
-        <p:style>
-          <a:lnRef idx="2">
-            <a:schemeClr val="accent1">
-              <a:shade val="15000"/>
-            </a:schemeClr>
-          </a:lnRef>
-          <a:fillRef idx="1">
-            <a:schemeClr val="accent1"/>
-          </a:fillRef>
-          <a:effectRef idx="0">
-            <a:schemeClr val="accent1"/>
-          </a:effectRef>
-          <a:fontRef idx="minor">
-            <a:schemeClr val="lt1"/>
-          </a:fontRef>
-        </p:style>
-        <p:txBody>
-          <a:bodyPr rtlCol="0" anchor="ctr"/>
-          <a:lstStyle/>
-          <a:p>
-            <a:pPr algn="ctr"/>
-            <a:endParaRPr lang="pt-BR"/>
-          </a:p>
-        </p:txBody>
-      </p:sp>
-      <p:pic>
-        <p:nvPicPr>
-          <p:cNvPr id="6" name="Picture 2" descr="Fatec Votorantim">
-            <a:extLst>
-              <a:ext uri="{FF2B5EF4-FFF2-40B4-BE49-F238E27FC236}">
-                <a16:creationId xmlns:a16="http://schemas.microsoft.com/office/drawing/2014/main" id="{A04638F4-1791-8007-644D-DCF5A2B0AB6F}"/>
-              </a:ext>
-            </a:extLst>
-          </p:cNvPr>
-          <p:cNvPicPr>
-            <a:picLocks noChangeAspect="1" noChangeArrowheads="1"/>
-          </p:cNvPicPr>
-          <p:nvPr/>
-        </p:nvPicPr>
-        <p:blipFill>
-          <a:blip r:embed="rId2" cstate="print">
-            <a:extLst>
-              <a:ext uri="{28A0092B-C50C-407E-A947-70E740481C1C}">
-                <a14:useLocalDpi xmlns:a14="http://schemas.microsoft.com/office/drawing/2010/main" val="0"/>
-              </a:ext>
-            </a:extLst>
-          </a:blip>
-          <a:srcRect/>
-          <a:stretch>
-            <a:fillRect/>
-          </a:stretch>
-        </p:blipFill>
-        <p:spPr bwMode="auto">
-          <a:xfrm>
-            <a:off x="9739911" y="124518"/>
-            <a:ext cx="2309086" cy="605254"/>
-          </a:xfrm>
-          <a:prstGeom prst="rect">
-            <a:avLst/>
-          </a:prstGeom>
-          <a:noFill/>
-          <a:extLst>
-            <a:ext uri="{909E8E84-426E-40DD-AFC4-6F175D3DCCD1}">
-              <a14:hiddenFill xmlns:a14="http://schemas.microsoft.com/office/drawing/2010/main">
-                <a:solidFill>
-                  <a:srgbClr val="FFFFFF"/>
-                </a:solidFill>
-              </a14:hiddenFill>
-            </a:ext>
-          </a:extLst>
-        </p:spPr>
-      </p:pic>
-      <p:pic>
-        <p:nvPicPr>
-          <p:cNvPr id="7" name="Imagem 6" descr="Interface gráfica do usuário, Aplicativo, Ícone&#10;&#10;O conteúdo gerado por IA pode estar incorreto.">
-            <a:extLst>
-              <a:ext uri="{FF2B5EF4-FFF2-40B4-BE49-F238E27FC236}">
-                <a16:creationId xmlns:a16="http://schemas.microsoft.com/office/drawing/2014/main" id="{D06F350A-9E33-01D3-2D55-D3521707CA71}"/>
-              </a:ext>
-            </a:extLst>
-          </p:cNvPr>
-          <p:cNvPicPr>
-            <a:picLocks noChangeAspect="1"/>
-          </p:cNvPicPr>
-          <p:nvPr/>
-        </p:nvPicPr>
-        <p:blipFill>
-          <a:blip r:embed="rId3" cstate="print">
-            <a:extLst>
-              <a:ext uri="{28A0092B-C50C-407E-A947-70E740481C1C}">
-                <a14:useLocalDpi xmlns:a14="http://schemas.microsoft.com/office/drawing/2010/main" val="0"/>
-              </a:ext>
-            </a:extLst>
-          </a:blip>
-          <a:stretch>
-            <a:fillRect/>
-          </a:stretch>
-        </p:blipFill>
-        <p:spPr>
-          <a:xfrm>
-            <a:off x="172135" y="5680061"/>
-            <a:ext cx="1057882" cy="1057882"/>
-          </a:xfrm>
-          <a:prstGeom prst="rect">
-            <a:avLst/>
-          </a:prstGeom>
-        </p:spPr>
-      </p:pic>
-      <p:sp>
-        <p:nvSpPr>
-          <p:cNvPr id="3" name="Espaço Reservado para Conteúdo 2">
-            <a:extLst>
-              <a:ext uri="{FF2B5EF4-FFF2-40B4-BE49-F238E27FC236}">
-                <a16:creationId xmlns:a16="http://schemas.microsoft.com/office/drawing/2014/main" id="{9AB7953C-7857-7FBA-B1E9-C325A66A8A4D}"/>
-              </a:ext>
-            </a:extLst>
-          </p:cNvPr>
-          <p:cNvSpPr>
-            <a:spLocks noGrp="1"/>
-          </p:cNvSpPr>
-          <p:nvPr/>
-        </p:nvSpPr>
-        <p:spPr>
-          <a:xfrm>
-            <a:off x="1092457" y="1715914"/>
-            <a:ext cx="10927408" cy="4153462"/>
-          </a:xfrm>
-          <a:prstGeom prst="rect">
-            <a:avLst/>
-          </a:prstGeom>
-        </p:spPr>
-        <p:txBody>
-          <a:bodyPr vert="horz" lIns="91440" tIns="45720" rIns="91440" bIns="45720" rtlCol="0">
-            <a:normAutofit/>
-          </a:bodyPr>
-          <a:lstStyle>
-            <a:lvl1pPr marL="0" indent="0" algn="l" defTabSz="914400" rtl="0" eaLnBrk="1" latinLnBrk="0" hangingPunct="1">
-              <a:lnSpc>
-                <a:spcPct val="110000"/>
-              </a:lnSpc>
-              <a:spcBef>
-                <a:spcPts val="1000"/>
-              </a:spcBef>
-              <a:buFont typeface="Arial" panose="020B0604020202020204" pitchFamily="34" charset="0"/>
-              <a:buNone/>
-              <a:defRPr sz="2000" kern="1200">
-                <a:solidFill>
-                  <a:schemeClr val="tx1"/>
-                </a:solidFill>
-                <a:latin typeface="+mn-lt"/>
-                <a:ea typeface="+mn-ea"/>
-                <a:cs typeface="+mn-cs"/>
-              </a:defRPr>
-            </a:lvl1pPr>
-            <a:lvl2pPr marL="274320" indent="-274320" algn="l" defTabSz="914400" rtl="0" eaLnBrk="1" latinLnBrk="0" hangingPunct="1">
-              <a:lnSpc>
-                <a:spcPct val="110000"/>
-              </a:lnSpc>
-              <a:spcBef>
-                <a:spcPts val="500"/>
-              </a:spcBef>
-              <a:buFont typeface="Arial" panose="020B0604020202020204" pitchFamily="34" charset="0"/>
-              <a:buChar char="•"/>
-              <a:defRPr sz="1800" kern="1200">
-                <a:solidFill>
-                  <a:schemeClr val="tx1"/>
-                </a:solidFill>
-                <a:latin typeface="+mn-lt"/>
-                <a:ea typeface="+mn-ea"/>
-                <a:cs typeface="+mn-cs"/>
-              </a:defRPr>
-            </a:lvl2pPr>
-            <a:lvl3pPr marL="274320" indent="0" algn="l" defTabSz="914400" rtl="0" eaLnBrk="1" latinLnBrk="0" hangingPunct="1">
-              <a:lnSpc>
-                <a:spcPct val="110000"/>
-              </a:lnSpc>
-              <a:spcBef>
-                <a:spcPts val="500"/>
-              </a:spcBef>
-              <a:buFont typeface="Arial" panose="020B0604020202020204" pitchFamily="34" charset="0"/>
-              <a:buNone/>
-              <a:defRPr sz="1800" kern="1200">
-                <a:solidFill>
-                  <a:schemeClr val="tx1"/>
-                </a:solidFill>
-                <a:latin typeface="+mn-lt"/>
-                <a:ea typeface="+mn-ea"/>
-                <a:cs typeface="+mn-cs"/>
-              </a:defRPr>
-            </a:lvl3pPr>
-            <a:lvl4pPr marL="548640" indent="-274320" algn="l" defTabSz="914400" rtl="0" eaLnBrk="1" latinLnBrk="0" hangingPunct="1">
-              <a:lnSpc>
-                <a:spcPct val="110000"/>
-              </a:lnSpc>
-              <a:spcBef>
-                <a:spcPts val="500"/>
-              </a:spcBef>
-              <a:buFont typeface="Arial" panose="020B0604020202020204" pitchFamily="34" charset="0"/>
-              <a:buChar char="•"/>
-              <a:defRPr sz="1600" kern="1200">
-                <a:solidFill>
-                  <a:schemeClr val="tx1"/>
-                </a:solidFill>
-                <a:latin typeface="+mn-lt"/>
-                <a:ea typeface="+mn-ea"/>
-                <a:cs typeface="+mn-cs"/>
-              </a:defRPr>
-            </a:lvl4pPr>
-            <a:lvl5pPr marL="548640" indent="0" algn="l" defTabSz="914400" rtl="0" eaLnBrk="1" latinLnBrk="0" hangingPunct="1">
-              <a:lnSpc>
-                <a:spcPct val="110000"/>
-              </a:lnSpc>
-              <a:spcBef>
-                <a:spcPts val="500"/>
-              </a:spcBef>
-              <a:buFont typeface="Arial" panose="020B0604020202020204" pitchFamily="34" charset="0"/>
-              <a:buNone/>
-              <a:defRPr sz="1600" kern="1200">
-                <a:solidFill>
-                  <a:schemeClr val="tx1"/>
-                </a:solidFill>
-                <a:latin typeface="+mn-lt"/>
-                <a:ea typeface="+mn-ea"/>
-                <a:cs typeface="+mn-cs"/>
-              </a:defRPr>
-            </a:lvl5pPr>
-            <a:lvl6pPr marL="2514600" indent="-228600" algn="l" defTabSz="914400" rtl="0" eaLnBrk="1" latinLnBrk="0" hangingPunct="1">
-              <a:lnSpc>
-                <a:spcPct val="90000"/>
-              </a:lnSpc>
-              <a:spcBef>
-                <a:spcPts val="500"/>
-              </a:spcBef>
-              <a:buFont typeface="Arial" panose="020B0604020202020204" pitchFamily="34" charset="0"/>
-              <a:buChar char="•"/>
-              <a:defRPr sz="1800" kern="1200">
-                <a:solidFill>
-                  <a:schemeClr val="tx1"/>
-                </a:solidFill>
-                <a:latin typeface="+mn-lt"/>
-                <a:ea typeface="+mn-ea"/>
-                <a:cs typeface="+mn-cs"/>
-              </a:defRPr>
-            </a:lvl6pPr>
-            <a:lvl7pPr marL="2971800" indent="-228600" algn="l" defTabSz="914400" rtl="0" eaLnBrk="1" latinLnBrk="0" hangingPunct="1">
-              <a:lnSpc>
-                <a:spcPct val="90000"/>
-              </a:lnSpc>
-              <a:spcBef>
-                <a:spcPts val="500"/>
-              </a:spcBef>
-              <a:buFont typeface="Arial" panose="020B0604020202020204" pitchFamily="34" charset="0"/>
-              <a:buChar char="•"/>
-              <a:defRPr sz="1800" kern="1200">
-                <a:solidFill>
-                  <a:schemeClr val="tx1"/>
-                </a:solidFill>
-                <a:latin typeface="+mn-lt"/>
-                <a:ea typeface="+mn-ea"/>
-                <a:cs typeface="+mn-cs"/>
-              </a:defRPr>
-            </a:lvl7pPr>
-            <a:lvl8pPr marL="3429000" indent="-228600" algn="l" defTabSz="914400" rtl="0" eaLnBrk="1" latinLnBrk="0" hangingPunct="1">
-              <a:lnSpc>
-                <a:spcPct val="90000"/>
-              </a:lnSpc>
-              <a:spcBef>
-                <a:spcPts val="500"/>
-              </a:spcBef>
-              <a:buFont typeface="Arial" panose="020B0604020202020204" pitchFamily="34" charset="0"/>
-              <a:buChar char="•"/>
-              <a:defRPr sz="1800" kern="1200">
-                <a:solidFill>
-                  <a:schemeClr val="tx1"/>
-                </a:solidFill>
-                <a:latin typeface="+mn-lt"/>
-                <a:ea typeface="+mn-ea"/>
-                <a:cs typeface="+mn-cs"/>
-              </a:defRPr>
-            </a:lvl8pPr>
-            <a:lvl9pPr marL="3886200" indent="-228600" algn="l" defTabSz="914400" rtl="0" eaLnBrk="1" latinLnBrk="0" hangingPunct="1">
-              <a:lnSpc>
-                <a:spcPct val="90000"/>
-              </a:lnSpc>
-              <a:spcBef>
-                <a:spcPts val="500"/>
-              </a:spcBef>
-              <a:buFont typeface="Arial" panose="020B0604020202020204" pitchFamily="34" charset="0"/>
-              <a:buChar char="•"/>
-              <a:defRPr sz="1800" kern="1200">
-                <a:solidFill>
-                  <a:schemeClr val="tx1"/>
-                </a:solidFill>
-                <a:latin typeface="+mn-lt"/>
-                <a:ea typeface="+mn-ea"/>
-                <a:cs typeface="+mn-cs"/>
-              </a:defRPr>
-            </a:lvl9pPr>
-          </a:lstStyle>
-          <a:p>
-            <a:pPr marL="285750" indent="-285750">
-              <a:buFont typeface="Arial" panose="020B0604020202020204" pitchFamily="34" charset="0"/>
-              <a:buChar char="•"/>
-            </a:pPr>
-            <a:r>
-              <a:rPr lang="pt-BR" dirty="0">
-                <a:effectLst/>
-                <a:latin typeface="Arial" panose="020B0604020202020204" pitchFamily="34" charset="0"/>
-                <a:ea typeface="Aptos" panose="020B0004020202020204" pitchFamily="34" charset="0"/>
-              </a:rPr>
-              <a:t>Fornece o serviço de </a:t>
-            </a:r>
-            <a:r>
-              <a:rPr lang="pt-BR" dirty="0">
-                <a:latin typeface="Arial" panose="020B0604020202020204" pitchFamily="34" charset="0"/>
-                <a:ea typeface="Aptos" panose="020B0004020202020204" pitchFamily="34" charset="0"/>
-              </a:rPr>
-              <a:t>E</a:t>
-            </a:r>
-            <a:r>
-              <a:rPr lang="pt-BR" dirty="0">
-                <a:effectLst/>
-                <a:latin typeface="Arial" panose="020B0604020202020204" pitchFamily="34" charset="0"/>
-                <a:ea typeface="Aptos" panose="020B0004020202020204" pitchFamily="34" charset="0"/>
-              </a:rPr>
-              <a:t>nergia </a:t>
-            </a:r>
-            <a:r>
-              <a:rPr lang="pt-BR" dirty="0">
-                <a:latin typeface="Arial" panose="020B0604020202020204" pitchFamily="34" charset="0"/>
-                <a:ea typeface="Aptos" panose="020B0004020202020204" pitchFamily="34" charset="0"/>
-              </a:rPr>
-              <a:t>E</a:t>
-            </a:r>
-            <a:r>
-              <a:rPr lang="pt-BR" dirty="0">
-                <a:effectLst/>
-                <a:latin typeface="Arial" panose="020B0604020202020204" pitchFamily="34" charset="0"/>
-                <a:ea typeface="Aptos" panose="020B0004020202020204" pitchFamily="34" charset="0"/>
-              </a:rPr>
-              <a:t>létrica;</a:t>
-            </a:r>
-          </a:p>
-          <a:p>
-            <a:pPr marL="285750" indent="-285750">
-              <a:buFont typeface="Arial" panose="020B0604020202020204" pitchFamily="34" charset="0"/>
-              <a:buChar char="•"/>
-            </a:pPr>
-            <a:r>
-              <a:rPr lang="pt-BR" dirty="0">
-                <a:effectLst/>
-                <a:latin typeface="Arial" panose="020B0604020202020204" pitchFamily="34" charset="0"/>
-                <a:ea typeface="Aptos" panose="020B0004020202020204" pitchFamily="34" charset="0"/>
-              </a:rPr>
-              <a:t>A CPFL é uma empresa brasileira, nascida no estado de São Paulo;</a:t>
-            </a:r>
-          </a:p>
-          <a:p>
-            <a:pPr marL="285750" indent="-285750">
-              <a:buFont typeface="Arial" panose="020B0604020202020204" pitchFamily="34" charset="0"/>
-              <a:buChar char="•"/>
-            </a:pPr>
-            <a:r>
-              <a:rPr lang="pt-BR" dirty="0">
-                <a:effectLst/>
-                <a:latin typeface="Arial" panose="020B0604020202020204" pitchFamily="34" charset="0"/>
-                <a:ea typeface="Aptos" panose="020B0004020202020204" pitchFamily="34" charset="0"/>
-              </a:rPr>
-              <a:t>Fundada pelos engenheiros José Balbino de Siqueira e Manfredo Antônio da Costa;</a:t>
-            </a:r>
-          </a:p>
-          <a:p>
-            <a:pPr marL="285750" indent="-285750">
-              <a:buFont typeface="Arial" panose="020B0604020202020204" pitchFamily="34" charset="0"/>
-              <a:buChar char="•"/>
-            </a:pPr>
-            <a:r>
-              <a:rPr lang="pt-BR" kern="100" dirty="0">
-                <a:effectLst/>
-                <a:latin typeface="Arial" panose="020B0604020202020204" pitchFamily="34" charset="0"/>
-                <a:ea typeface="Aptos" panose="020B0004020202020204" pitchFamily="34" charset="0"/>
-                <a:cs typeface="Times New Roman" panose="02020603050405020304" pitchFamily="18" charset="0"/>
-              </a:rPr>
-              <a:t>1927 – O controle acionário foi passado para a American &amp; </a:t>
-            </a:r>
-            <a:r>
-              <a:rPr lang="pt-BR" kern="100" dirty="0" err="1">
-                <a:effectLst/>
-                <a:latin typeface="Arial" panose="020B0604020202020204" pitchFamily="34" charset="0"/>
-                <a:ea typeface="Aptos" panose="020B0004020202020204" pitchFamily="34" charset="0"/>
-                <a:cs typeface="Times New Roman" panose="02020603050405020304" pitchFamily="18" charset="0"/>
-              </a:rPr>
-              <a:t>Foreign</a:t>
-            </a:r>
-            <a:r>
-              <a:rPr lang="pt-BR" kern="100" dirty="0">
-                <a:effectLst/>
-                <a:latin typeface="Arial" panose="020B0604020202020204" pitchFamily="34" charset="0"/>
-                <a:ea typeface="Aptos" panose="020B0004020202020204" pitchFamily="34" charset="0"/>
-                <a:cs typeface="Times New Roman" panose="02020603050405020304" pitchFamily="18" charset="0"/>
-              </a:rPr>
-              <a:t> Power </a:t>
-            </a:r>
-            <a:r>
-              <a:rPr lang="pt-BR" kern="100" dirty="0" err="1">
-                <a:effectLst/>
-                <a:latin typeface="Arial" panose="020B0604020202020204" pitchFamily="34" charset="0"/>
-                <a:ea typeface="Aptos" panose="020B0004020202020204" pitchFamily="34" charset="0"/>
-                <a:cs typeface="Times New Roman" panose="02020603050405020304" pitchFamily="18" charset="0"/>
-              </a:rPr>
-              <a:t>Company</a:t>
-            </a:r>
-            <a:r>
-              <a:rPr lang="pt-BR" kern="100" dirty="0">
-                <a:effectLst/>
-                <a:latin typeface="Arial" panose="020B0604020202020204" pitchFamily="34" charset="0"/>
-                <a:ea typeface="Aptos" panose="020B0004020202020204" pitchFamily="34" charset="0"/>
-                <a:cs typeface="Times New Roman" panose="02020603050405020304" pitchFamily="18" charset="0"/>
-              </a:rPr>
-              <a:t> (AMFORP);</a:t>
-            </a:r>
-            <a:endParaRPr lang="pt-BR" kern="100" dirty="0">
-              <a:effectLst/>
-              <a:latin typeface="Aptos" panose="020B0004020202020204" pitchFamily="34" charset="0"/>
-              <a:ea typeface="Aptos" panose="020B0004020202020204" pitchFamily="34" charset="0"/>
-              <a:cs typeface="Times New Roman" panose="02020603050405020304" pitchFamily="18" charset="0"/>
-            </a:endParaRPr>
-          </a:p>
-          <a:p>
-            <a:pPr marL="285750" indent="-285750">
-              <a:buFont typeface="Arial" panose="020B0604020202020204" pitchFamily="34" charset="0"/>
-              <a:buChar char="•"/>
-            </a:pPr>
-            <a:r>
-              <a:rPr lang="pt-BR" kern="100" dirty="0">
-                <a:effectLst/>
-                <a:latin typeface="Arial" panose="020B0604020202020204" pitchFamily="34" charset="0"/>
-                <a:ea typeface="Aptos" panose="020B0004020202020204" pitchFamily="34" charset="0"/>
-                <a:cs typeface="Times New Roman" panose="02020603050405020304" pitchFamily="18" charset="0"/>
-              </a:rPr>
-              <a:t>1975 – O controle acionário passado para a Companhia Energética de São Paulo (CESP);</a:t>
-            </a:r>
-            <a:endParaRPr lang="pt-BR" kern="100" dirty="0">
-              <a:effectLst/>
-              <a:latin typeface="Aptos" panose="020B0004020202020204" pitchFamily="34" charset="0"/>
-              <a:ea typeface="Aptos" panose="020B0004020202020204" pitchFamily="34" charset="0"/>
-              <a:cs typeface="Times New Roman" panose="02020603050405020304" pitchFamily="18" charset="0"/>
-            </a:endParaRPr>
-          </a:p>
-          <a:p>
-            <a:pPr marL="285750" indent="-285750">
-              <a:buFont typeface="Arial" panose="020B0604020202020204" pitchFamily="34" charset="0"/>
-              <a:buChar char="•"/>
-            </a:pPr>
-            <a:r>
-              <a:rPr lang="pt-BR" kern="100" dirty="0">
-                <a:effectLst/>
-                <a:latin typeface="Arial" panose="020B0604020202020204" pitchFamily="34" charset="0"/>
-                <a:ea typeface="Aptos" panose="020B0004020202020204" pitchFamily="34" charset="0"/>
-                <a:cs typeface="Times New Roman" panose="02020603050405020304" pitchFamily="18" charset="0"/>
-              </a:rPr>
-              <a:t>1997 – Venda para a união Votorantim, Bradesco e Camargo Correa (VBC);</a:t>
-            </a:r>
-            <a:endParaRPr lang="pt-BR" kern="100" dirty="0">
-              <a:effectLst/>
-              <a:latin typeface="Aptos" panose="020B0004020202020204" pitchFamily="34" charset="0"/>
-              <a:ea typeface="Aptos" panose="020B0004020202020204" pitchFamily="34" charset="0"/>
-              <a:cs typeface="Times New Roman" panose="02020603050405020304" pitchFamily="18" charset="0"/>
-            </a:endParaRPr>
-          </a:p>
-          <a:p>
-            <a:pPr marL="285750" indent="-285750">
-              <a:buFont typeface="Arial" panose="020B0604020202020204" pitchFamily="34" charset="0"/>
-              <a:buChar char="•"/>
-            </a:pPr>
-            <a:r>
-              <a:rPr lang="pt-BR" dirty="0">
-                <a:effectLst/>
-                <a:latin typeface="Arial" panose="020B0604020202020204" pitchFamily="34" charset="0"/>
-                <a:ea typeface="Aptos" panose="020B0004020202020204" pitchFamily="34" charset="0"/>
-              </a:rPr>
-              <a:t>2017– A </a:t>
-            </a:r>
-            <a:r>
-              <a:rPr lang="pt-BR" dirty="0" err="1">
-                <a:effectLst/>
-                <a:latin typeface="Arial" panose="020B0604020202020204" pitchFamily="34" charset="0"/>
-                <a:ea typeface="Aptos" panose="020B0004020202020204" pitchFamily="34" charset="0"/>
-              </a:rPr>
-              <a:t>State</a:t>
-            </a:r>
-            <a:r>
-              <a:rPr lang="pt-BR" dirty="0">
-                <a:effectLst/>
-                <a:latin typeface="Arial" panose="020B0604020202020204" pitchFamily="34" charset="0"/>
-                <a:ea typeface="Aptos" panose="020B0004020202020204" pitchFamily="34" charset="0"/>
-              </a:rPr>
-              <a:t> Grid </a:t>
-            </a:r>
-            <a:r>
-              <a:rPr lang="pt-BR" dirty="0" err="1">
-                <a:effectLst/>
-                <a:latin typeface="Arial" panose="020B0604020202020204" pitchFamily="34" charset="0"/>
-                <a:ea typeface="Aptos" panose="020B0004020202020204" pitchFamily="34" charset="0"/>
-              </a:rPr>
-              <a:t>Brazil</a:t>
-            </a:r>
-            <a:r>
-              <a:rPr lang="pt-BR" dirty="0">
-                <a:effectLst/>
-                <a:latin typeface="Arial" panose="020B0604020202020204" pitchFamily="34" charset="0"/>
-                <a:ea typeface="Aptos" panose="020B0004020202020204" pitchFamily="34" charset="0"/>
-              </a:rPr>
-              <a:t> Power Participações S.A assumiu o controle acionário da CPFL Energia;</a:t>
-            </a:r>
-          </a:p>
-          <a:p>
-            <a:endParaRPr lang="pt-BR" dirty="0">
-              <a:effectLst/>
-              <a:latin typeface="Arial" panose="020B0604020202020204" pitchFamily="34" charset="0"/>
-              <a:ea typeface="Aptos" panose="020B0004020202020204" pitchFamily="34" charset="0"/>
-            </a:endParaRPr>
-          </a:p>
-          <a:p>
-            <a:pPr marL="285750" indent="-285750">
-              <a:buFont typeface="Arial" panose="020B0604020202020204" pitchFamily="34" charset="0"/>
-              <a:buChar char="•"/>
-            </a:pPr>
-            <a:endParaRPr lang="pt-BR" dirty="0"/>
-          </a:p>
-        </p:txBody>
-      </p:sp>
-    </p:spTree>
-    <p:extLst>
-      <p:ext uri="{BB962C8B-B14F-4D97-AF65-F5344CB8AC3E}">
-        <p14:creationId xmlns:p14="http://schemas.microsoft.com/office/powerpoint/2010/main" val="3210734425"/>
-      </p:ext>
-    </p:extLst>
-  </p:cSld>
-  <p:clrMapOvr>
-    <a:masterClrMapping/>
-  </p:clrMapOvr>
-</p:sld>
-</file>
-
-<file path=ppt/slides/slide6.xml><?xml version="1.0" encoding="utf-8"?>
-<p:sld xmlns:a="http://schemas.openxmlformats.org/drawingml/2006/main" xmlns:r="http://schemas.openxmlformats.org/officeDocument/2006/relationships" xmlns:p="http://schemas.openxmlformats.org/presentationml/2006/main">
-  <p:cSld>
-    <p:spTree>
-      <p:nvGrpSpPr>
-        <p:cNvPr id="1" name=""/>
-        <p:cNvGrpSpPr/>
-        <p:nvPr/>
-      </p:nvGrpSpPr>
-      <p:grpSpPr>
-        <a:xfrm>
-          <a:off x="0" y="0"/>
-          <a:ext cx="0" cy="0"/>
-          <a:chOff x="0" y="0"/>
-          <a:chExt cx="0" cy="0"/>
-        </a:xfrm>
-      </p:grpSpPr>
-      <p:sp>
-        <p:nvSpPr>
-          <p:cNvPr id="4" name="Triângulo Retângulo 3">
-            <a:extLst>
-              <a:ext uri="{FF2B5EF4-FFF2-40B4-BE49-F238E27FC236}">
-                <a16:creationId xmlns:a16="http://schemas.microsoft.com/office/drawing/2014/main" id="{116EC607-7B07-9A91-D369-2DEAE8471510}"/>
-              </a:ext>
-            </a:extLst>
-          </p:cNvPr>
-          <p:cNvSpPr/>
-          <p:nvPr/>
-        </p:nvSpPr>
-        <p:spPr>
-          <a:xfrm>
-            <a:off x="-22462" y="4693920"/>
-            <a:ext cx="2506582" cy="2164080"/>
-          </a:xfrm>
-          <a:prstGeom prst="rtTriangle">
-            <a:avLst/>
-          </a:prstGeom>
-          <a:ln>
-            <a:noFill/>
-          </a:ln>
-        </p:spPr>
-        <p:style>
-          <a:lnRef idx="2">
-            <a:schemeClr val="accent1">
-              <a:shade val="15000"/>
-            </a:schemeClr>
-          </a:lnRef>
-          <a:fillRef idx="1">
-            <a:schemeClr val="accent1"/>
-          </a:fillRef>
-          <a:effectRef idx="0">
-            <a:schemeClr val="accent1"/>
-          </a:effectRef>
-          <a:fontRef idx="minor">
-            <a:schemeClr val="lt1"/>
-          </a:fontRef>
-        </p:style>
-        <p:txBody>
-          <a:bodyPr rtlCol="0" anchor="ctr"/>
-          <a:lstStyle/>
-          <a:p>
-            <a:pPr algn="ctr"/>
-            <a:endParaRPr lang="pt-BR"/>
-          </a:p>
-        </p:txBody>
-      </p:sp>
-      <p:pic>
-        <p:nvPicPr>
-          <p:cNvPr id="6" name="Picture 2" descr="Fatec Votorantim">
-            <a:extLst>
-              <a:ext uri="{FF2B5EF4-FFF2-40B4-BE49-F238E27FC236}">
-                <a16:creationId xmlns:a16="http://schemas.microsoft.com/office/drawing/2014/main" id="{E19D8493-9A9C-8D11-2058-7BC3906A4306}"/>
-              </a:ext>
-            </a:extLst>
-          </p:cNvPr>
-          <p:cNvPicPr>
-            <a:picLocks noChangeAspect="1" noChangeArrowheads="1"/>
-          </p:cNvPicPr>
-          <p:nvPr/>
-        </p:nvPicPr>
-        <p:blipFill>
-          <a:blip r:embed="rId2" cstate="print">
-            <a:extLst>
-              <a:ext uri="{28A0092B-C50C-407E-A947-70E740481C1C}">
-                <a14:useLocalDpi xmlns:a14="http://schemas.microsoft.com/office/drawing/2010/main" val="0"/>
-              </a:ext>
-            </a:extLst>
-          </a:blip>
-          <a:srcRect/>
-          <a:stretch>
-            <a:fillRect/>
-          </a:stretch>
-        </p:blipFill>
-        <p:spPr bwMode="auto">
-          <a:xfrm>
-            <a:off x="9704351" y="167855"/>
-            <a:ext cx="2309086" cy="605254"/>
-          </a:xfrm>
-          <a:prstGeom prst="rect">
-            <a:avLst/>
-          </a:prstGeom>
-          <a:noFill/>
-          <a:extLst>
-            <a:ext uri="{909E8E84-426E-40DD-AFC4-6F175D3DCCD1}">
-              <a14:hiddenFill xmlns:a14="http://schemas.microsoft.com/office/drawing/2010/main">
-                <a:solidFill>
-                  <a:srgbClr val="FFFFFF"/>
-                </a:solidFill>
-              </a14:hiddenFill>
-            </a:ext>
-          </a:extLst>
-        </p:spPr>
-      </p:pic>
-      <p:sp>
-        <p:nvSpPr>
-          <p:cNvPr id="8" name="AutoShape 2">
-            <a:extLst>
-              <a:ext uri="{FF2B5EF4-FFF2-40B4-BE49-F238E27FC236}">
-                <a16:creationId xmlns:a16="http://schemas.microsoft.com/office/drawing/2014/main" id="{87EB6D93-0E24-39BD-DADC-D451874B170E}"/>
-              </a:ext>
-            </a:extLst>
-          </p:cNvPr>
-          <p:cNvSpPr>
-            <a:spLocks noChangeAspect="1" noChangeArrowheads="1"/>
-          </p:cNvSpPr>
-          <p:nvPr/>
-        </p:nvSpPr>
-        <p:spPr bwMode="auto">
-          <a:xfrm>
-            <a:off x="1955800" y="5723339"/>
-            <a:ext cx="304800" cy="304800"/>
-          </a:xfrm>
-          <a:prstGeom prst="rect">
-            <a:avLst/>
-          </a:prstGeom>
-          <a:noFill/>
-          <a:extLst>
-            <a:ext uri="{909E8E84-426E-40DD-AFC4-6F175D3DCCD1}">
-              <a14:hiddenFill xmlns:a14="http://schemas.microsoft.com/office/drawing/2010/main">
-                <a:solidFill>
-                  <a:srgbClr val="FFFFFF"/>
-                </a:solidFill>
-              </a14:hiddenFill>
-            </a:ext>
-          </a:extLst>
-        </p:spPr>
-        <p:txBody>
-          <a:bodyPr vert="horz" wrap="square" lIns="91440" tIns="45720" rIns="91440" bIns="45720" numCol="1" anchor="t" anchorCtr="0" compatLnSpc="1">
-            <a:prstTxWarp prst="textNoShape">
-              <a:avLst/>
-            </a:prstTxWarp>
-          </a:bodyPr>
-          <a:lstStyle/>
-          <a:p>
-            <a:endParaRPr lang="pt-BR"/>
-          </a:p>
-        </p:txBody>
-      </p:sp>
-      <p:sp>
-        <p:nvSpPr>
-          <p:cNvPr id="20" name="Título 1">
-            <a:extLst>
-              <a:ext uri="{FF2B5EF4-FFF2-40B4-BE49-F238E27FC236}">
-                <a16:creationId xmlns:a16="http://schemas.microsoft.com/office/drawing/2014/main" id="{913E46AE-4D39-F054-05A6-28FF9049171E}"/>
-              </a:ext>
-            </a:extLst>
-          </p:cNvPr>
-          <p:cNvSpPr>
-            <a:spLocks noGrp="1"/>
-          </p:cNvSpPr>
-          <p:nvPr>
-            <p:ph type="title"/>
-          </p:nvPr>
-        </p:nvSpPr>
-        <p:spPr>
-          <a:xfrm>
-            <a:off x="1098565" y="971992"/>
-            <a:ext cx="2309086" cy="835152"/>
-          </a:xfrm>
-        </p:spPr>
-        <p:txBody>
-          <a:bodyPr>
-            <a:normAutofit fontScale="90000"/>
-          </a:bodyPr>
-          <a:lstStyle/>
-          <a:p>
-            <a:r>
-              <a:rPr lang="pt-BR" sz="4900" dirty="0">
-                <a:latin typeface="Arial" panose="020B0604020202020204" pitchFamily="34" charset="0"/>
-                <a:cs typeface="Arial" panose="020B0604020202020204" pitchFamily="34" charset="0"/>
-              </a:rPr>
-              <a:t>Missão</a:t>
-            </a:r>
-            <a:endParaRPr lang="pt-BR" sz="5400" dirty="0">
-              <a:latin typeface="Arial" panose="020B0604020202020204" pitchFamily="34" charset="0"/>
-              <a:cs typeface="Arial" panose="020B0604020202020204" pitchFamily="34" charset="0"/>
-            </a:endParaRPr>
-          </a:p>
-        </p:txBody>
-      </p:sp>
-      <p:sp>
-        <p:nvSpPr>
-          <p:cNvPr id="21" name="Espaço Reservado para Conteúdo 2">
-            <a:extLst>
-              <a:ext uri="{FF2B5EF4-FFF2-40B4-BE49-F238E27FC236}">
-                <a16:creationId xmlns:a16="http://schemas.microsoft.com/office/drawing/2014/main" id="{97552128-F6B3-6C6B-A16F-D7586A81EE5A}"/>
-              </a:ext>
-            </a:extLst>
-          </p:cNvPr>
-          <p:cNvSpPr>
-            <a:spLocks noGrp="1"/>
-          </p:cNvSpPr>
-          <p:nvPr>
-            <p:ph idx="1"/>
-          </p:nvPr>
-        </p:nvSpPr>
-        <p:spPr>
-          <a:xfrm>
-            <a:off x="295477" y="1962077"/>
-            <a:ext cx="3763905" cy="4373879"/>
-          </a:xfrm>
-          <a:effectLst>
-            <a:outerShdw blurRad="63500" sx="102000" sy="102000" algn="ctr" rotWithShape="0">
-              <a:prstClr val="black">
-                <a:alpha val="40000"/>
-              </a:prstClr>
-            </a:outerShdw>
-          </a:effectLst>
-        </p:spPr>
-        <p:style>
-          <a:lnRef idx="2">
-            <a:schemeClr val="dk1"/>
-          </a:lnRef>
-          <a:fillRef idx="1">
-            <a:schemeClr val="lt1"/>
-          </a:fillRef>
-          <a:effectRef idx="0">
-            <a:schemeClr val="dk1"/>
-          </a:effectRef>
-          <a:fontRef idx="minor">
-            <a:schemeClr val="dk1"/>
-          </a:fontRef>
-        </p:style>
-        <p:txBody>
-          <a:bodyPr>
-            <a:normAutofit/>
-          </a:bodyPr>
-          <a:lstStyle/>
-          <a:p>
             <a:pPr marL="457200" indent="-457200">
               <a:lnSpc>
                 <a:spcPct val="100000"/>
@@ -11065,316 +10538,14 @@
               <a:buChar char="•"/>
             </a:pPr>
             <a:r>
-              <a:rPr lang="pt-BR" sz="2600" dirty="0">
-                <a:effectLst/>
+              <a:rPr lang="pt-BR" sz="2600" b="1" dirty="0">
                 <a:latin typeface="Arial" panose="020B0604020202020204" pitchFamily="34" charset="0"/>
                 <a:ea typeface="Aptos" panose="020B0004020202020204" pitchFamily="34" charset="0"/>
               </a:rPr>
-              <a:t>Fornecer, energia sustentável; </a:t>
-            </a:r>
-          </a:p>
-          <a:p>
-            <a:pPr marL="457200" indent="-457200">
-              <a:lnSpc>
-                <a:spcPct val="100000"/>
-              </a:lnSpc>
-              <a:buFont typeface="Arial" panose="020B0604020202020204" pitchFamily="34" charset="0"/>
-              <a:buChar char="•"/>
-            </a:pPr>
-            <a:r>
-              <a:rPr lang="pt-BR" sz="2600" dirty="0">
-                <a:effectLst/>
-                <a:latin typeface="Arial" panose="020B0604020202020204" pitchFamily="34" charset="0"/>
-                <a:ea typeface="Aptos" panose="020B0004020202020204" pitchFamily="34" charset="0"/>
-              </a:rPr>
-              <a:t>Promover o crescimento do negócio;</a:t>
-            </a:r>
-          </a:p>
-          <a:p>
-            <a:pPr marL="457200" indent="-457200">
-              <a:lnSpc>
-                <a:spcPct val="100000"/>
-              </a:lnSpc>
-              <a:buFont typeface="Arial" panose="020B0604020202020204" pitchFamily="34" charset="0"/>
-              <a:buChar char="•"/>
-            </a:pPr>
-            <a:r>
-              <a:rPr lang="pt-BR" sz="2600" dirty="0">
-                <a:effectLst/>
-                <a:latin typeface="Arial" panose="020B0604020202020204" pitchFamily="34" charset="0"/>
-                <a:ea typeface="Aptos" panose="020B0004020202020204" pitchFamily="34" charset="0"/>
-              </a:rPr>
-              <a:t> Proporcionar igualdade de oportunidades </a:t>
-            </a:r>
-            <a:endParaRPr lang="pt-BR" sz="2600" dirty="0"/>
-          </a:p>
-        </p:txBody>
-      </p:sp>
-      <p:pic>
-        <p:nvPicPr>
-          <p:cNvPr id="22" name="Imagem 21" descr="Ícone&#10;&#10;O conteúdo gerado por IA pode estar incorreto.">
-            <a:extLst>
-              <a:ext uri="{FF2B5EF4-FFF2-40B4-BE49-F238E27FC236}">
-                <a16:creationId xmlns:a16="http://schemas.microsoft.com/office/drawing/2014/main" id="{460C3E7D-9820-BB16-80C6-0C225DE104BD}"/>
-              </a:ext>
-            </a:extLst>
-          </p:cNvPr>
-          <p:cNvPicPr>
-            <a:picLocks noChangeAspect="1"/>
-          </p:cNvPicPr>
-          <p:nvPr/>
-        </p:nvPicPr>
-        <p:blipFill>
-          <a:blip r:embed="rId3">
-            <a:extLst>
-              <a:ext uri="{28A0092B-C50C-407E-A947-70E740481C1C}">
-                <a14:useLocalDpi xmlns:a14="http://schemas.microsoft.com/office/drawing/2010/main" val="0"/>
-              </a:ext>
-            </a:extLst>
-          </a:blip>
-          <a:stretch>
-            <a:fillRect/>
-          </a:stretch>
-        </p:blipFill>
-        <p:spPr>
-          <a:xfrm>
-            <a:off x="374684" y="1039434"/>
-            <a:ext cx="596737" cy="596737"/>
-          </a:xfrm>
-          <a:prstGeom prst="rect">
-            <a:avLst/>
-          </a:prstGeom>
-        </p:spPr>
-      </p:pic>
-      <p:sp>
-        <p:nvSpPr>
-          <p:cNvPr id="23" name="Espaço Reservado para Conteúdo 2">
-            <a:extLst>
-              <a:ext uri="{FF2B5EF4-FFF2-40B4-BE49-F238E27FC236}">
-                <a16:creationId xmlns:a16="http://schemas.microsoft.com/office/drawing/2014/main" id="{048AD164-050D-40C7-3F81-0577D3B89D33}"/>
-              </a:ext>
-            </a:extLst>
-          </p:cNvPr>
-          <p:cNvSpPr txBox="1">
-            <a:spLocks/>
-          </p:cNvSpPr>
-          <p:nvPr/>
-        </p:nvSpPr>
-        <p:spPr>
-          <a:xfrm>
-            <a:off x="8138867" y="1962077"/>
-            <a:ext cx="3600051" cy="4373879"/>
-          </a:xfrm>
-          <a:prstGeom prst="rect">
-            <a:avLst/>
-          </a:prstGeom>
-          <a:effectLst>
-            <a:outerShdw blurRad="63500" sx="102000" sy="102000" algn="ctr" rotWithShape="0">
-              <a:prstClr val="black">
-                <a:alpha val="40000"/>
-              </a:prstClr>
-            </a:outerShdw>
-          </a:effectLst>
-        </p:spPr>
-        <p:style>
-          <a:lnRef idx="2">
-            <a:schemeClr val="dk1"/>
-          </a:lnRef>
-          <a:fillRef idx="1">
-            <a:schemeClr val="lt1"/>
-          </a:fillRef>
-          <a:effectRef idx="0">
-            <a:schemeClr val="dk1"/>
-          </a:effectRef>
-          <a:fontRef idx="minor">
-            <a:schemeClr val="dk1"/>
-          </a:fontRef>
-        </p:style>
-        <p:txBody>
-          <a:bodyPr vert="horz" lIns="91440" tIns="45720" rIns="91440" bIns="45720" rtlCol="0">
-            <a:normAutofit/>
-          </a:bodyPr>
-          <a:lstStyle>
-            <a:lvl1pPr marL="0" indent="0" algn="l" defTabSz="914400" rtl="0" eaLnBrk="1" latinLnBrk="0" hangingPunct="1">
-              <a:lnSpc>
-                <a:spcPct val="110000"/>
-              </a:lnSpc>
-              <a:spcBef>
-                <a:spcPts val="1000"/>
-              </a:spcBef>
-              <a:buFont typeface="Arial" panose="020B0604020202020204" pitchFamily="34" charset="0"/>
-              <a:buNone/>
-              <a:defRPr sz="2000" kern="1200">
-                <a:solidFill>
-                  <a:schemeClr val="tx1"/>
-                </a:solidFill>
-                <a:latin typeface="+mn-lt"/>
-                <a:ea typeface="+mn-ea"/>
-                <a:cs typeface="+mn-cs"/>
-              </a:defRPr>
-            </a:lvl1pPr>
-            <a:lvl2pPr marL="274320" indent="-274320" algn="l" defTabSz="914400" rtl="0" eaLnBrk="1" latinLnBrk="0" hangingPunct="1">
-              <a:lnSpc>
-                <a:spcPct val="110000"/>
-              </a:lnSpc>
-              <a:spcBef>
-                <a:spcPts val="500"/>
-              </a:spcBef>
-              <a:buFont typeface="Arial" panose="020B0604020202020204" pitchFamily="34" charset="0"/>
-              <a:buChar char="•"/>
-              <a:defRPr sz="1800" kern="1200">
-                <a:solidFill>
-                  <a:schemeClr val="tx1"/>
-                </a:solidFill>
-                <a:latin typeface="+mn-lt"/>
-                <a:ea typeface="+mn-ea"/>
-                <a:cs typeface="+mn-cs"/>
-              </a:defRPr>
-            </a:lvl2pPr>
-            <a:lvl3pPr marL="274320" indent="0" algn="l" defTabSz="914400" rtl="0" eaLnBrk="1" latinLnBrk="0" hangingPunct="1">
-              <a:lnSpc>
-                <a:spcPct val="110000"/>
-              </a:lnSpc>
-              <a:spcBef>
-                <a:spcPts val="500"/>
-              </a:spcBef>
-              <a:buFont typeface="Arial" panose="020B0604020202020204" pitchFamily="34" charset="0"/>
-              <a:buNone/>
-              <a:defRPr sz="1800" kern="1200">
-                <a:solidFill>
-                  <a:schemeClr val="tx1"/>
-                </a:solidFill>
-                <a:latin typeface="+mn-lt"/>
-                <a:ea typeface="+mn-ea"/>
-                <a:cs typeface="+mn-cs"/>
-              </a:defRPr>
-            </a:lvl3pPr>
-            <a:lvl4pPr marL="548640" indent="-274320" algn="l" defTabSz="914400" rtl="0" eaLnBrk="1" latinLnBrk="0" hangingPunct="1">
-              <a:lnSpc>
-                <a:spcPct val="110000"/>
-              </a:lnSpc>
-              <a:spcBef>
-                <a:spcPts val="500"/>
-              </a:spcBef>
-              <a:buFont typeface="Arial" panose="020B0604020202020204" pitchFamily="34" charset="0"/>
-              <a:buChar char="•"/>
-              <a:defRPr sz="1600" kern="1200">
-                <a:solidFill>
-                  <a:schemeClr val="tx1"/>
-                </a:solidFill>
-                <a:latin typeface="+mn-lt"/>
-                <a:ea typeface="+mn-ea"/>
-                <a:cs typeface="+mn-cs"/>
-              </a:defRPr>
-            </a:lvl4pPr>
-            <a:lvl5pPr marL="548640" indent="0" algn="l" defTabSz="914400" rtl="0" eaLnBrk="1" latinLnBrk="0" hangingPunct="1">
-              <a:lnSpc>
-                <a:spcPct val="110000"/>
-              </a:lnSpc>
-              <a:spcBef>
-                <a:spcPts val="500"/>
-              </a:spcBef>
-              <a:buFont typeface="Arial" panose="020B0604020202020204" pitchFamily="34" charset="0"/>
-              <a:buNone/>
-              <a:defRPr sz="1600" kern="1200">
-                <a:solidFill>
-                  <a:schemeClr val="tx1"/>
-                </a:solidFill>
-                <a:latin typeface="+mn-lt"/>
-                <a:ea typeface="+mn-ea"/>
-                <a:cs typeface="+mn-cs"/>
-              </a:defRPr>
-            </a:lvl5pPr>
-            <a:lvl6pPr marL="2514600" indent="-228600" algn="l" defTabSz="914400" rtl="0" eaLnBrk="1" latinLnBrk="0" hangingPunct="1">
-              <a:lnSpc>
-                <a:spcPct val="90000"/>
-              </a:lnSpc>
-              <a:spcBef>
-                <a:spcPts val="500"/>
-              </a:spcBef>
-              <a:buFont typeface="Arial" panose="020B0604020202020204" pitchFamily="34" charset="0"/>
-              <a:buChar char="•"/>
-              <a:defRPr sz="1800" kern="1200">
-                <a:solidFill>
-                  <a:schemeClr val="tx1"/>
-                </a:solidFill>
-                <a:latin typeface="+mn-lt"/>
-                <a:ea typeface="+mn-ea"/>
-                <a:cs typeface="+mn-cs"/>
-              </a:defRPr>
-            </a:lvl6pPr>
-            <a:lvl7pPr marL="2971800" indent="-228600" algn="l" defTabSz="914400" rtl="0" eaLnBrk="1" latinLnBrk="0" hangingPunct="1">
-              <a:lnSpc>
-                <a:spcPct val="90000"/>
-              </a:lnSpc>
-              <a:spcBef>
-                <a:spcPts val="500"/>
-              </a:spcBef>
-              <a:buFont typeface="Arial" panose="020B0604020202020204" pitchFamily="34" charset="0"/>
-              <a:buChar char="•"/>
-              <a:defRPr sz="1800" kern="1200">
-                <a:solidFill>
-                  <a:schemeClr val="tx1"/>
-                </a:solidFill>
-                <a:latin typeface="+mn-lt"/>
-                <a:ea typeface="+mn-ea"/>
-                <a:cs typeface="+mn-cs"/>
-              </a:defRPr>
-            </a:lvl7pPr>
-            <a:lvl8pPr marL="3429000" indent="-228600" algn="l" defTabSz="914400" rtl="0" eaLnBrk="1" latinLnBrk="0" hangingPunct="1">
-              <a:lnSpc>
-                <a:spcPct val="90000"/>
-              </a:lnSpc>
-              <a:spcBef>
-                <a:spcPts val="500"/>
-              </a:spcBef>
-              <a:buFont typeface="Arial" panose="020B0604020202020204" pitchFamily="34" charset="0"/>
-              <a:buChar char="•"/>
-              <a:defRPr sz="1800" kern="1200">
-                <a:solidFill>
-                  <a:schemeClr val="tx1"/>
-                </a:solidFill>
-                <a:latin typeface="+mn-lt"/>
-                <a:ea typeface="+mn-ea"/>
-                <a:cs typeface="+mn-cs"/>
-              </a:defRPr>
-            </a:lvl8pPr>
-            <a:lvl9pPr marL="3886200" indent="-228600" algn="l" defTabSz="914400" rtl="0" eaLnBrk="1" latinLnBrk="0" hangingPunct="1">
-              <a:lnSpc>
-                <a:spcPct val="90000"/>
-              </a:lnSpc>
-              <a:spcBef>
-                <a:spcPts val="500"/>
-              </a:spcBef>
-              <a:buFont typeface="Arial" panose="020B0604020202020204" pitchFamily="34" charset="0"/>
-              <a:buChar char="•"/>
-              <a:defRPr sz="1800" kern="1200">
-                <a:solidFill>
-                  <a:schemeClr val="tx1"/>
-                </a:solidFill>
-                <a:latin typeface="+mn-lt"/>
-                <a:ea typeface="+mn-ea"/>
-                <a:cs typeface="+mn-cs"/>
-              </a:defRPr>
-            </a:lvl9pPr>
-          </a:lstStyle>
-          <a:p>
-            <a:pPr marL="457200" indent="-457200">
-              <a:lnSpc>
-                <a:spcPct val="100000"/>
-              </a:lnSpc>
-              <a:buFont typeface="Arial" panose="020B0604020202020204" pitchFamily="34" charset="0"/>
-              <a:buChar char="•"/>
-            </a:pPr>
-            <a:r>
-              <a:rPr lang="pt-BR" sz="2600" dirty="0">
-                <a:latin typeface="Arial" panose="020B0604020202020204" pitchFamily="34" charset="0"/>
-                <a:ea typeface="Aptos" panose="020B0004020202020204" pitchFamily="34" charset="0"/>
-              </a:rPr>
               <a:t>S</a:t>
             </a:r>
             <a:r>
-              <a:rPr lang="pt-BR" sz="2600" dirty="0">
+              <a:rPr lang="pt-BR" sz="2600" b="1" dirty="0">
                 <a:effectLst/>
                 <a:latin typeface="Arial" panose="020B0604020202020204" pitchFamily="34" charset="0"/>
                 <a:ea typeface="Aptos" panose="020B0004020202020204" pitchFamily="34" charset="0"/>
@@ -11886,6 +11057,337 @@
 </p:sld>
 </file>
 
+<file path=ppt/slides/slide6.xml><?xml version="1.0" encoding="utf-8"?>
+<p:sld xmlns:a="http://schemas.openxmlformats.org/drawingml/2006/main" xmlns:r="http://schemas.openxmlformats.org/officeDocument/2006/relationships" xmlns:p="http://schemas.openxmlformats.org/presentationml/2006/main">
+  <p:cSld>
+    <p:spTree>
+      <p:nvGrpSpPr>
+        <p:cNvPr id="1" name=""/>
+        <p:cNvGrpSpPr/>
+        <p:nvPr/>
+      </p:nvGrpSpPr>
+      <p:grpSpPr>
+        <a:xfrm>
+          <a:off x="0" y="0"/>
+          <a:ext cx="0" cy="0"/>
+          <a:chOff x="0" y="0"/>
+          <a:chExt cx="0" cy="0"/>
+        </a:xfrm>
+      </p:grpSpPr>
+      <p:sp>
+        <p:nvSpPr>
+          <p:cNvPr id="4" name="CaixaDeTexto 3">
+            <a:extLst>
+              <a:ext uri="{FF2B5EF4-FFF2-40B4-BE49-F238E27FC236}">
+                <a16:creationId xmlns:a16="http://schemas.microsoft.com/office/drawing/2014/main" id="{14846783-63D2-1DDE-CA55-5BAE0D5BDDE9}"/>
+              </a:ext>
+            </a:extLst>
+          </p:cNvPr>
+          <p:cNvSpPr txBox="1"/>
+          <p:nvPr/>
+        </p:nvSpPr>
+        <p:spPr>
+          <a:xfrm>
+            <a:off x="1122218" y="705139"/>
+            <a:ext cx="8853055" cy="584775"/>
+          </a:xfrm>
+          <a:prstGeom prst="rect">
+            <a:avLst/>
+          </a:prstGeom>
+          <a:noFill/>
+        </p:spPr>
+        <p:txBody>
+          <a:bodyPr wrap="square" rtlCol="0">
+            <a:spAutoFit/>
+          </a:bodyPr>
+          <a:lstStyle/>
+          <a:p>
+            <a:r>
+              <a:rPr lang="pt-BR" sz="3200" b="1" dirty="0">
+                <a:latin typeface="Arial" panose="020B0604020202020204" pitchFamily="34" charset="0"/>
+                <a:cs typeface="Arial" panose="020B0604020202020204" pitchFamily="34" charset="0"/>
+              </a:rPr>
+              <a:t>Compromisso com a Missão Visão e Valores</a:t>
+            </a:r>
+          </a:p>
+        </p:txBody>
+      </p:sp>
+      <p:sp>
+        <p:nvSpPr>
+          <p:cNvPr id="5" name="CaixaDeTexto 4">
+            <a:extLst>
+              <a:ext uri="{FF2B5EF4-FFF2-40B4-BE49-F238E27FC236}">
+                <a16:creationId xmlns:a16="http://schemas.microsoft.com/office/drawing/2014/main" id="{85ACB151-FD03-5733-AF1A-D774948D6134}"/>
+              </a:ext>
+            </a:extLst>
+          </p:cNvPr>
+          <p:cNvSpPr txBox="1"/>
+          <p:nvPr/>
+        </p:nvSpPr>
+        <p:spPr>
+          <a:xfrm>
+            <a:off x="658090" y="1674712"/>
+            <a:ext cx="6636327" cy="4478149"/>
+          </a:xfrm>
+          <a:prstGeom prst="rect">
+            <a:avLst/>
+          </a:prstGeom>
+          <a:noFill/>
+        </p:spPr>
+        <p:txBody>
+          <a:bodyPr wrap="square" rtlCol="0">
+            <a:spAutoFit/>
+          </a:bodyPr>
+          <a:lstStyle/>
+          <a:p>
+            <a:pPr marL="342900" indent="-342900" algn="just">
+              <a:lnSpc>
+                <a:spcPct val="150000"/>
+              </a:lnSpc>
+              <a:buFont typeface="Arial" panose="020B0604020202020204" pitchFamily="34" charset="0"/>
+              <a:buChar char="•"/>
+            </a:pPr>
+            <a:r>
+              <a:rPr lang="pt-BR" sz="2000" dirty="0">
+                <a:latin typeface="Arial" panose="020B0604020202020204" pitchFamily="34" charset="0"/>
+                <a:cs typeface="Arial" panose="020B0604020202020204" pitchFamily="34" charset="0"/>
+              </a:rPr>
+              <a:t>Investimento em fontes renováveis;</a:t>
+            </a:r>
+          </a:p>
+          <a:p>
+            <a:pPr marL="342900" indent="-342900" algn="just">
+              <a:lnSpc>
+                <a:spcPct val="150000"/>
+              </a:lnSpc>
+              <a:buFont typeface="Arial" panose="020B0604020202020204" pitchFamily="34" charset="0"/>
+              <a:buChar char="•"/>
+            </a:pPr>
+            <a:r>
+              <a:rPr lang="pt-BR" sz="2000" dirty="0">
+                <a:latin typeface="Arial" panose="020B0604020202020204" pitchFamily="34" charset="0"/>
+                <a:cs typeface="Arial" panose="020B0604020202020204" pitchFamily="34" charset="0"/>
+              </a:rPr>
+              <a:t>Investimento em novas tecnologias;</a:t>
+            </a:r>
+          </a:p>
+          <a:p>
+            <a:pPr marL="342900" indent="-342900" algn="just">
+              <a:lnSpc>
+                <a:spcPct val="150000"/>
+              </a:lnSpc>
+              <a:buFont typeface="Arial" panose="020B0604020202020204" pitchFamily="34" charset="0"/>
+              <a:buChar char="•"/>
+            </a:pPr>
+            <a:r>
+              <a:rPr lang="pt-BR" sz="2000" dirty="0">
+                <a:latin typeface="Arial" panose="020B0604020202020204" pitchFamily="34" charset="0"/>
+                <a:cs typeface="Arial" panose="020B0604020202020204" pitchFamily="34" charset="0"/>
+              </a:rPr>
+              <a:t>Investimento em expansão da rede;</a:t>
+            </a:r>
+          </a:p>
+          <a:p>
+            <a:pPr marL="342900" indent="-342900" algn="just">
+              <a:lnSpc>
+                <a:spcPct val="150000"/>
+              </a:lnSpc>
+              <a:buFont typeface="Arial" panose="020B0604020202020204" pitchFamily="34" charset="0"/>
+              <a:buChar char="•"/>
+            </a:pPr>
+            <a:r>
+              <a:rPr lang="pt-BR" sz="2000" dirty="0">
+                <a:latin typeface="Arial" panose="020B0604020202020204" pitchFamily="34" charset="0"/>
+                <a:cs typeface="Arial" panose="020B0604020202020204" pitchFamily="34" charset="0"/>
+              </a:rPr>
+              <a:t>Vagas afirmativas;</a:t>
+            </a:r>
+          </a:p>
+          <a:p>
+            <a:pPr marL="342900" indent="-342900" algn="just">
+              <a:lnSpc>
+                <a:spcPct val="150000"/>
+              </a:lnSpc>
+              <a:buFont typeface="Arial" panose="020B0604020202020204" pitchFamily="34" charset="0"/>
+              <a:buChar char="•"/>
+            </a:pPr>
+            <a:r>
+              <a:rPr lang="pt-BR" sz="2000" dirty="0">
+                <a:latin typeface="Arial" panose="020B0604020202020204" pitchFamily="34" charset="0"/>
+                <a:cs typeface="Arial" panose="020B0604020202020204" pitchFamily="34" charset="0"/>
+              </a:rPr>
+              <a:t>Incentivo à educação dos colaboradores;</a:t>
+            </a:r>
+          </a:p>
+          <a:p>
+            <a:pPr marL="342900" indent="-342900" algn="just">
+              <a:lnSpc>
+                <a:spcPct val="150000"/>
+              </a:lnSpc>
+              <a:buFont typeface="Arial" panose="020B0604020202020204" pitchFamily="34" charset="0"/>
+              <a:buChar char="•"/>
+            </a:pPr>
+            <a:r>
+              <a:rPr lang="pt-BR" sz="2000" dirty="0">
+                <a:latin typeface="Arial" panose="020B0604020202020204" pitchFamily="34" charset="0"/>
+                <a:cs typeface="Arial" panose="020B0604020202020204" pitchFamily="34" charset="0"/>
+              </a:rPr>
+              <a:t>Programa guardião da vida;</a:t>
+            </a:r>
+          </a:p>
+          <a:p>
+            <a:pPr marL="342900" indent="-342900" algn="just">
+              <a:lnSpc>
+                <a:spcPct val="150000"/>
+              </a:lnSpc>
+              <a:buFont typeface="Arial" panose="020B0604020202020204" pitchFamily="34" charset="0"/>
+              <a:buChar char="•"/>
+            </a:pPr>
+            <a:r>
+              <a:rPr lang="pt-BR" sz="2000" dirty="0">
+                <a:latin typeface="Arial" panose="020B0604020202020204" pitchFamily="34" charset="0"/>
+                <a:cs typeface="Arial" panose="020B0604020202020204" pitchFamily="34" charset="0"/>
+              </a:rPr>
+              <a:t>Divulgação transparente de relatórios da governança corporativa;</a:t>
+            </a:r>
+          </a:p>
+          <a:p>
+            <a:pPr marL="342900" indent="-342900" algn="just">
+              <a:lnSpc>
+                <a:spcPct val="150000"/>
+              </a:lnSpc>
+              <a:buFont typeface="Arial" panose="020B0604020202020204" pitchFamily="34" charset="0"/>
+              <a:buChar char="•"/>
+            </a:pPr>
+            <a:endParaRPr lang="pt-BR" dirty="0"/>
+          </a:p>
+          <a:p>
+            <a:endParaRPr lang="pt-BR" dirty="0"/>
+          </a:p>
+        </p:txBody>
+      </p:sp>
+      <p:pic>
+        <p:nvPicPr>
+          <p:cNvPr id="7" name="Imagem 6" descr="Multidão de pessoas&#10;&#10;O conteúdo gerado por IA pode estar incorreto.">
+            <a:extLst>
+              <a:ext uri="{FF2B5EF4-FFF2-40B4-BE49-F238E27FC236}">
+                <a16:creationId xmlns:a16="http://schemas.microsoft.com/office/drawing/2014/main" id="{5E5EC79D-FD2B-222D-C757-A0D45B7B5928}"/>
+              </a:ext>
+            </a:extLst>
+          </p:cNvPr>
+          <p:cNvPicPr>
+            <a:picLocks noChangeAspect="1"/>
+          </p:cNvPicPr>
+          <p:nvPr/>
+        </p:nvPicPr>
+        <p:blipFill>
+          <a:blip r:embed="rId2">
+            <a:extLst>
+              <a:ext uri="{28A0092B-C50C-407E-A947-70E740481C1C}">
+                <a14:useLocalDpi xmlns:a14="http://schemas.microsoft.com/office/drawing/2010/main" val="0"/>
+              </a:ext>
+            </a:extLst>
+          </a:blip>
+          <a:stretch>
+            <a:fillRect/>
+          </a:stretch>
+        </p:blipFill>
+        <p:spPr>
+          <a:xfrm>
+            <a:off x="7758545" y="2542854"/>
+            <a:ext cx="3643746" cy="3610007"/>
+          </a:xfrm>
+          <a:prstGeom prst="rect">
+            <a:avLst/>
+          </a:prstGeom>
+        </p:spPr>
+      </p:pic>
+      <p:sp>
+        <p:nvSpPr>
+          <p:cNvPr id="9" name="CaixaDeTexto 8">
+            <a:extLst>
+              <a:ext uri="{FF2B5EF4-FFF2-40B4-BE49-F238E27FC236}">
+                <a16:creationId xmlns:a16="http://schemas.microsoft.com/office/drawing/2014/main" id="{0B94DFAD-4ACC-15E2-924C-05595D7E90A1}"/>
+              </a:ext>
+            </a:extLst>
+          </p:cNvPr>
+          <p:cNvSpPr txBox="1"/>
+          <p:nvPr/>
+        </p:nvSpPr>
+        <p:spPr>
+          <a:xfrm>
+            <a:off x="7543800" y="1716329"/>
+            <a:ext cx="4862946" cy="400110"/>
+          </a:xfrm>
+          <a:prstGeom prst="rect">
+            <a:avLst/>
+          </a:prstGeom>
+          <a:noFill/>
+        </p:spPr>
+        <p:txBody>
+          <a:bodyPr wrap="square" rtlCol="0">
+            <a:spAutoFit/>
+          </a:bodyPr>
+          <a:lstStyle/>
+          <a:p>
+            <a:r>
+              <a:rPr lang="pt-BR" sz="2000" b="1" dirty="0">
+                <a:latin typeface="Arial" panose="020B0604020202020204" pitchFamily="34" charset="0"/>
+                <a:cs typeface="Arial" panose="020B0604020202020204" pitchFamily="34" charset="0"/>
+              </a:rPr>
+              <a:t>A Segurança é um valor inegociável!</a:t>
+            </a:r>
+          </a:p>
+        </p:txBody>
+      </p:sp>
+      <p:sp>
+        <p:nvSpPr>
+          <p:cNvPr id="10" name="CaixaDeTexto 9">
+            <a:extLst>
+              <a:ext uri="{FF2B5EF4-FFF2-40B4-BE49-F238E27FC236}">
+                <a16:creationId xmlns:a16="http://schemas.microsoft.com/office/drawing/2014/main" id="{1709D2F7-2A77-C332-2560-C1DD06F1296B}"/>
+              </a:ext>
+            </a:extLst>
+          </p:cNvPr>
+          <p:cNvSpPr txBox="1"/>
+          <p:nvPr/>
+        </p:nvSpPr>
+        <p:spPr>
+          <a:xfrm>
+            <a:off x="7758545" y="6199367"/>
+            <a:ext cx="3990110" cy="369332"/>
+          </a:xfrm>
+          <a:prstGeom prst="rect">
+            <a:avLst/>
+          </a:prstGeom>
+          <a:noFill/>
+        </p:spPr>
+        <p:txBody>
+          <a:bodyPr wrap="square" rtlCol="0">
+            <a:spAutoFit/>
+          </a:bodyPr>
+          <a:lstStyle/>
+          <a:p>
+            <a:r>
+              <a:rPr lang="pt-BR" dirty="0"/>
+              <a:t>Palestra em escolas e empresas.</a:t>
+            </a:r>
+          </a:p>
+        </p:txBody>
+      </p:sp>
+    </p:spTree>
+    <p:extLst>
+      <p:ext uri="{BB962C8B-B14F-4D97-AF65-F5344CB8AC3E}">
+        <p14:creationId xmlns:p14="http://schemas.microsoft.com/office/powerpoint/2010/main" val="1233647955"/>
+      </p:ext>
+    </p:extLst>
+  </p:cSld>
+  <p:clrMapOvr>
+    <a:masterClrMapping/>
+  </p:clrMapOvr>
+</p:sld>
+</file>
+
 <file path=ppt/slides/slide7.xml><?xml version="1.0" encoding="utf-8"?>
 <p:sld xmlns:a="http://schemas.openxmlformats.org/drawingml/2006/main" xmlns:r="http://schemas.openxmlformats.org/officeDocument/2006/relationships" xmlns:p="http://schemas.openxmlformats.org/presentationml/2006/main">
   <p:cSld>
@@ -11905,7 +11407,56 @@
       </p:grpSpPr>
       <p:sp>
         <p:nvSpPr>
-          <p:cNvPr id="7" name="Triângulo Retângulo 3">
+          <p:cNvPr id="2" name="Título 1">
+            <a:extLst>
+              <a:ext uri="{FF2B5EF4-FFF2-40B4-BE49-F238E27FC236}">
+                <a16:creationId xmlns:a16="http://schemas.microsoft.com/office/drawing/2014/main" id="{291D89C4-053F-18E2-B15A-EBDA32C61CED}"/>
+              </a:ext>
+            </a:extLst>
+          </p:cNvPr>
+          <p:cNvSpPr>
+            <a:spLocks noGrp="1"/>
+          </p:cNvSpPr>
+          <p:nvPr>
+            <p:ph type="title"/>
+          </p:nvPr>
+        </p:nvSpPr>
+        <p:spPr>
+          <a:xfrm>
+            <a:off x="508649" y="688849"/>
+            <a:ext cx="10713533" cy="835152"/>
+          </a:xfrm>
+        </p:spPr>
+        <p:txBody>
+          <a:bodyPr>
+            <a:noAutofit/>
+          </a:bodyPr>
+          <a:lstStyle/>
+          <a:p>
+            <a:pPr algn="ctr"/>
+            <a:r>
+              <a:rPr lang="pt-BR" sz="3600" dirty="0">
+                <a:latin typeface="Arial" panose="020B0604020202020204" pitchFamily="34" charset="0"/>
+                <a:cs typeface="Arial" panose="020B0604020202020204" pitchFamily="34" charset="0"/>
+              </a:rPr>
+              <a:t>Áreas funcionais e Estrutura da Empresa</a:t>
+            </a:r>
+            <a:br>
+              <a:rPr lang="pt-BR" sz="4000" dirty="0">
+                <a:latin typeface="Arial" panose="020B0604020202020204" pitchFamily="34" charset="0"/>
+                <a:cs typeface="Arial" panose="020B0604020202020204" pitchFamily="34" charset="0"/>
+              </a:rPr>
+            </a:br>
+            <a:endParaRPr lang="pt-BR" sz="4000" dirty="0">
+              <a:latin typeface="Arial" panose="020B0604020202020204" pitchFamily="34" charset="0"/>
+              <a:cs typeface="Arial" panose="020B0604020202020204" pitchFamily="34" charset="0"/>
+            </a:endParaRPr>
+          </a:p>
+        </p:txBody>
+      </p:sp>
+      <p:sp>
+        <p:nvSpPr>
+          <p:cNvPr id="4" name="Triângulo Retângulo 3">
             <a:extLst>
               <a:ext uri="{FF2B5EF4-FFF2-40B4-BE49-F238E27FC236}">
                 <a16:creationId xmlns:a16="http://schemas.microsoft.com/office/drawing/2014/main" id="{116EC607-7B07-9A91-D369-2DEAE8471510}"/>
@@ -11952,143 +11503,22 @@
           </a:p>
         </p:txBody>
       </p:sp>
-      <p:sp>
-        <p:nvSpPr>
-          <p:cNvPr id="2" name="Título 1">
-            <a:extLst>
-              <a:ext uri="{FF2B5EF4-FFF2-40B4-BE49-F238E27FC236}">
-                <a16:creationId xmlns:a16="http://schemas.microsoft.com/office/drawing/2014/main" id="{6B2D3B75-9A2E-48B2-B7B7-E89B0976A0C3}"/>
-              </a:ext>
-            </a:extLst>
-          </p:cNvPr>
-          <p:cNvSpPr>
-            <a:spLocks noGrp="1"/>
-          </p:cNvSpPr>
-          <p:nvPr>
-            <p:ph type="title"/>
-          </p:nvPr>
-        </p:nvSpPr>
-        <p:spPr>
-          <a:xfrm>
-            <a:off x="508651" y="627889"/>
-            <a:ext cx="5021181" cy="1688591"/>
-          </a:xfrm>
-        </p:spPr>
-        <p:txBody>
-          <a:bodyPr>
-            <a:normAutofit/>
-          </a:bodyPr>
-          <a:lstStyle/>
-          <a:p>
-            <a:r>
-              <a:rPr lang="pt-BR" sz="4000" dirty="0"/>
-              <a:t>Diferenciais competitivos</a:t>
-            </a:r>
-          </a:p>
-        </p:txBody>
-      </p:sp>
-      <p:sp>
-        <p:nvSpPr>
-          <p:cNvPr id="16386" name="AutoShape 2" descr="Competition - Free sports and competition icons"/>
-          <p:cNvSpPr>
-            <a:spLocks noChangeAspect="1" noChangeArrowheads="1"/>
-          </p:cNvSpPr>
-          <p:nvPr/>
-        </p:nvSpPr>
-        <p:spPr bwMode="auto">
-          <a:xfrm>
-            <a:off x="155575" y="-144461"/>
-            <a:ext cx="304800" cy="304801"/>
-          </a:xfrm>
-          <a:prstGeom prst="rect">
-            <a:avLst/>
-          </a:prstGeom>
-          <a:noFill/>
-        </p:spPr>
-        <p:txBody>
-          <a:bodyPr vert="horz" wrap="square" lIns="91440" tIns="45720" rIns="91440" bIns="45720" numCol="1" anchor="t" anchorCtr="0" compatLnSpc="1">
-            <a:prstTxWarp prst="textNoShape">
-              <a:avLst/>
-            </a:prstTxWarp>
-          </a:bodyPr>
-          <a:lstStyle/>
-          <a:p>
-            <a:endParaRPr lang="pt-BR"/>
-          </a:p>
-        </p:txBody>
-      </p:sp>
-      <p:sp>
-        <p:nvSpPr>
-          <p:cNvPr id="16388" name="AutoShape 4" descr="Competition - Free sports and competition icons"/>
-          <p:cNvSpPr>
-            <a:spLocks noChangeAspect="1" noChangeArrowheads="1"/>
-          </p:cNvSpPr>
-          <p:nvPr/>
-        </p:nvSpPr>
-        <p:spPr bwMode="auto">
-          <a:xfrm>
-            <a:off x="155575" y="-144461"/>
-            <a:ext cx="304800" cy="304801"/>
-          </a:xfrm>
-          <a:prstGeom prst="rect">
-            <a:avLst/>
-          </a:prstGeom>
-          <a:noFill/>
-        </p:spPr>
-        <p:txBody>
-          <a:bodyPr vert="horz" wrap="square" lIns="91440" tIns="45720" rIns="91440" bIns="45720" numCol="1" anchor="t" anchorCtr="0" compatLnSpc="1">
-            <a:prstTxWarp prst="textNoShape">
-              <a:avLst/>
-            </a:prstTxWarp>
-          </a:bodyPr>
-          <a:lstStyle/>
-          <a:p>
-            <a:endParaRPr lang="pt-BR"/>
-          </a:p>
-        </p:txBody>
-      </p:sp>
       <p:pic>
         <p:nvPicPr>
-          <p:cNvPr id="16390" name="Picture 6" descr="Competition - Free sports and competition icons"/>
+          <p:cNvPr id="6" name="Picture 2" descr="Fatec Votorantim">
+            <a:extLst>
+              <a:ext uri="{FF2B5EF4-FFF2-40B4-BE49-F238E27FC236}">
+                <a16:creationId xmlns:a16="http://schemas.microsoft.com/office/drawing/2014/main" id="{E19D8493-9A9C-8D11-2058-7BC3906A4306}"/>
+              </a:ext>
+            </a:extLst>
+          </p:cNvPr>
           <p:cNvPicPr>
             <a:picLocks noChangeAspect="1" noChangeArrowheads="1"/>
           </p:cNvPicPr>
           <p:nvPr/>
         </p:nvPicPr>
         <p:blipFill>
-          <a:blip r:embed="rId2" cstate="print"/>
-          <a:srcRect/>
-          <a:stretch>
-            <a:fillRect/>
-          </a:stretch>
-        </p:blipFill>
-        <p:spPr bwMode="auto">
-          <a:xfrm>
-            <a:off x="155577" y="5650526"/>
-            <a:ext cx="1061305" cy="1061305"/>
-          </a:xfrm>
-          <a:prstGeom prst="rect">
-            <a:avLst/>
-          </a:prstGeom>
-          <a:noFill/>
-        </p:spPr>
-      </p:pic>
-      <p:pic>
-        <p:nvPicPr>
-          <p:cNvPr id="3" name="Picture 2" descr="Fatec Votorantim">
-            <a:extLst>
-              <a:ext uri="{FF2B5EF4-FFF2-40B4-BE49-F238E27FC236}">
-                <a16:creationId xmlns:a16="http://schemas.microsoft.com/office/drawing/2014/main" id="{385C3E2D-E444-5D5A-3BD6-E3F4C7AA7583}"/>
-              </a:ext>
-            </a:extLst>
-          </p:cNvPr>
-          <p:cNvPicPr>
-            <a:picLocks noChangeAspect="1" noChangeArrowheads="1"/>
-          </p:cNvPicPr>
-          <p:nvPr/>
-        </p:nvPicPr>
-        <p:blipFill>
-          <a:blip r:embed="rId3" cstate="print">
+          <a:blip r:embed="rId2" cstate="print">
             <a:extLst>
               <a:ext uri="{28A0092B-C50C-407E-A947-70E740481C1C}">
                 <a14:useLocalDpi xmlns:a14="http://schemas.microsoft.com/office/drawing/2010/main" val="0"/>
@@ -12102,7 +11532,7 @@
         </p:blipFill>
         <p:spPr bwMode="auto">
           <a:xfrm>
-            <a:off x="9670638" y="165588"/>
+            <a:off x="9739911" y="124518"/>
             <a:ext cx="2309086" cy="605254"/>
           </a:xfrm>
           <a:prstGeom prst="rect">
@@ -12120,10 +11550,97 @@
           </a:extLst>
         </p:spPr>
       </p:pic>
+      <p:pic>
+        <p:nvPicPr>
+          <p:cNvPr id="7" name="Imagem 6" descr="Ícone&#10;&#10;O conteúdo gerado por IA pode estar incorreto.">
+            <a:extLst>
+              <a:ext uri="{FF2B5EF4-FFF2-40B4-BE49-F238E27FC236}">
+                <a16:creationId xmlns:a16="http://schemas.microsoft.com/office/drawing/2014/main" id="{E93E5A4C-D571-A96C-B49D-0F60DA41A151}"/>
+              </a:ext>
+            </a:extLst>
+          </p:cNvPr>
+          <p:cNvPicPr>
+            <a:picLocks noChangeAspect="1"/>
+          </p:cNvPicPr>
+          <p:nvPr/>
+        </p:nvPicPr>
+        <p:blipFill>
+          <a:blip r:embed="rId3" cstate="print">
+            <a:clrChange>
+              <a:clrFrom>
+                <a:srgbClr val="FFFFFF"/>
+              </a:clrFrom>
+              <a:clrTo>
+                <a:srgbClr val="FFFFFF">
+                  <a:alpha val="0"/>
+                </a:srgbClr>
+              </a:clrTo>
+            </a:clrChange>
+            <a:extLst>
+              <a:ext uri="{28A0092B-C50C-407E-A947-70E740481C1C}">
+                <a14:useLocalDpi xmlns:a14="http://schemas.microsoft.com/office/drawing/2010/main" val="0"/>
+              </a:ext>
+            </a:extLst>
+          </a:blip>
+          <a:stretch>
+            <a:fillRect/>
+          </a:stretch>
+        </p:blipFill>
+        <p:spPr>
+          <a:xfrm>
+            <a:off x="113326" y="5374033"/>
+            <a:ext cx="1369109" cy="1369109"/>
+          </a:xfrm>
+          <a:prstGeom prst="rect">
+            <a:avLst/>
+          </a:prstGeom>
+        </p:spPr>
+      </p:pic>
+      <p:pic>
+        <p:nvPicPr>
+          <p:cNvPr id="3" name="Imagem 2" descr="Diagrama&#10;&#10;O conteúdo gerado por IA pode estar incorreto.">
+            <a:extLst>
+              <a:ext uri="{FF2B5EF4-FFF2-40B4-BE49-F238E27FC236}">
+                <a16:creationId xmlns:a16="http://schemas.microsoft.com/office/drawing/2014/main" id="{EA14A2C3-FE0F-B16B-C8D4-A3035F8F24D7}"/>
+              </a:ext>
+            </a:extLst>
+          </p:cNvPr>
+          <p:cNvPicPr>
+            <a:picLocks noChangeAspect="1"/>
+          </p:cNvPicPr>
+          <p:nvPr/>
+        </p:nvPicPr>
+        <p:blipFill>
+          <a:blip r:embed="rId4">
+            <a:extLst>
+              <a:ext uri="{28A0092B-C50C-407E-A947-70E740481C1C}">
+                <a14:useLocalDpi xmlns:a14="http://schemas.microsoft.com/office/drawing/2010/main" val="0"/>
+              </a:ext>
+            </a:extLst>
+          </a:blip>
+          <a:srcRect/>
+          <a:stretch>
+            <a:fillRect/>
+          </a:stretch>
+        </p:blipFill>
+        <p:spPr bwMode="auto">
+          <a:xfrm>
+            <a:off x="2244436" y="1524001"/>
+            <a:ext cx="8829314" cy="5643684"/>
+          </a:xfrm>
+          <a:prstGeom prst="rect">
+            <a:avLst/>
+          </a:prstGeom>
+          <a:noFill/>
+          <a:ln>
+            <a:noFill/>
+          </a:ln>
+        </p:spPr>
+      </p:pic>
     </p:spTree>
     <p:extLst>
       <p:ext uri="{BB962C8B-B14F-4D97-AF65-F5344CB8AC3E}">
-        <p14:creationId xmlns:p14="http://schemas.microsoft.com/office/powerpoint/2010/main" val="2100330830"/>
+        <p14:creationId xmlns:p14="http://schemas.microsoft.com/office/powerpoint/2010/main" val="3384015851"/>
       </p:ext>
     </p:extLst>
   </p:cSld>
@@ -12150,6 +11667,36 @@
           <a:chExt cx="0" cy="0"/>
         </a:xfrm>
       </p:grpSpPr>
+      <p:pic>
+        <p:nvPicPr>
+          <p:cNvPr id="11" name="Imagem 10">
+            <a:extLst>
+              <a:ext uri="{FF2B5EF4-FFF2-40B4-BE49-F238E27FC236}">
+                <a16:creationId xmlns:a16="http://schemas.microsoft.com/office/drawing/2014/main" id="{B6FD08B0-0ABD-60D5-9AFA-E5FF60B9D681}"/>
+              </a:ext>
+            </a:extLst>
+          </p:cNvPr>
+          <p:cNvPicPr>
+            <a:picLocks noChangeAspect="1"/>
+          </p:cNvPicPr>
+          <p:nvPr/>
+        </p:nvPicPr>
+        <p:blipFill>
+          <a:blip r:embed="rId2"/>
+          <a:stretch>
+            <a:fillRect/>
+          </a:stretch>
+        </p:blipFill>
+        <p:spPr>
+          <a:xfrm>
+            <a:off x="5048104" y="2517909"/>
+            <a:ext cx="2095792" cy="2210108"/>
+          </a:xfrm>
+          <a:prstGeom prst="rect">
+            <a:avLst/>
+          </a:prstGeom>
+        </p:spPr>
+      </p:pic>
       <p:sp>
         <p:nvSpPr>
           <p:cNvPr id="2" name="Título 1">
@@ -12183,8 +11730,20 @@
                 <a:latin typeface="Arial" panose="020B0604020202020204" pitchFamily="34" charset="0"/>
                 <a:cs typeface="Arial" panose="020B0604020202020204" pitchFamily="34" charset="0"/>
               </a:rPr>
-              <a:t>Estrutura da Empresa</a:t>
-            </a:r>
+              <a:t>Análise SWOT</a:t>
+            </a:r>
+            <a:br>
+              <a:rPr lang="pt-BR" sz="4000" dirty="0">
+                <a:latin typeface="Arial" panose="020B0604020202020204" pitchFamily="34" charset="0"/>
+                <a:cs typeface="Arial" panose="020B0604020202020204" pitchFamily="34" charset="0"/>
+              </a:rPr>
+            </a:br>
+            <a:br>
+              <a:rPr lang="pt-BR" sz="4000" dirty="0">
+                <a:latin typeface="Arial" panose="020B0604020202020204" pitchFamily="34" charset="0"/>
+                <a:cs typeface="Arial" panose="020B0604020202020204" pitchFamily="34" charset="0"/>
+              </a:rPr>
+            </a:br>
             <a:br>
               <a:rPr lang="pt-BR" sz="4000" dirty="0">
                 <a:latin typeface="Arial" panose="020B0604020202020204" pitchFamily="34" charset="0"/>
@@ -12262,7 +11821,7 @@
           <p:nvPr/>
         </p:nvPicPr>
         <p:blipFill>
-          <a:blip r:embed="rId2" cstate="print">
+          <a:blip r:embed="rId3" cstate="print">
             <a:extLst>
               <a:ext uri="{28A0092B-C50C-407E-A947-70E740481C1C}">
                 <a14:useLocalDpi xmlns:a14="http://schemas.microsoft.com/office/drawing/2010/main" val="0"/>
@@ -12296,10 +11855,10 @@
       </p:pic>
       <p:pic>
         <p:nvPicPr>
-          <p:cNvPr id="7" name="Imagem 6" descr="Ícone&#10;&#10;O conteúdo gerado por IA pode estar incorreto.">
-            <a:extLst>
-              <a:ext uri="{FF2B5EF4-FFF2-40B4-BE49-F238E27FC236}">
-                <a16:creationId xmlns:a16="http://schemas.microsoft.com/office/drawing/2014/main" id="{E93E5A4C-D571-A96C-B49D-0F60DA41A151}"/>
+          <p:cNvPr id="7" name="Imagem 6">
+            <a:extLst>
+              <a:ext uri="{FF2B5EF4-FFF2-40B4-BE49-F238E27FC236}">
+                <a16:creationId xmlns:a16="http://schemas.microsoft.com/office/drawing/2014/main" id="{E2FD3FFF-B65B-8297-75FE-D7BE11360F14}"/>
               </a:ext>
             </a:extLst>
           </p:cNvPr>
@@ -12309,82 +11868,415 @@
           <p:nvPr/>
         </p:nvPicPr>
         <p:blipFill>
-          <a:blip r:embed="rId3" cstate="print">
-            <a:clrChange>
-              <a:clrFrom>
-                <a:srgbClr val="FFFFFF"/>
-              </a:clrFrom>
-              <a:clrTo>
-                <a:srgbClr val="FFFFFF">
-                  <a:alpha val="0"/>
-                </a:srgbClr>
-              </a:clrTo>
-            </a:clrChange>
-            <a:extLst>
-              <a:ext uri="{28A0092B-C50C-407E-A947-70E740481C1C}">
-                <a14:useLocalDpi xmlns:a14="http://schemas.microsoft.com/office/drawing/2010/main" val="0"/>
-              </a:ext>
-            </a:extLst>
-          </a:blip>
+          <a:blip r:embed="rId4" cstate="print"/>
           <a:stretch>
             <a:fillRect/>
           </a:stretch>
         </p:blipFill>
         <p:spPr>
           <a:xfrm>
-            <a:off x="113326" y="5374033"/>
-            <a:ext cx="1369109" cy="1369109"/>
+            <a:off x="60546" y="5775960"/>
+            <a:ext cx="957168" cy="957168"/>
           </a:xfrm>
           <a:prstGeom prst="rect">
             <a:avLst/>
           </a:prstGeom>
         </p:spPr>
       </p:pic>
-      <p:pic>
-        <p:nvPicPr>
-          <p:cNvPr id="3" name="Imagem 2" descr="Diagrama&#10;&#10;O conteúdo gerado por IA pode estar incorreto.">
-            <a:extLst>
-              <a:ext uri="{FF2B5EF4-FFF2-40B4-BE49-F238E27FC236}">
-                <a16:creationId xmlns:a16="http://schemas.microsoft.com/office/drawing/2014/main" id="{EA14A2C3-FE0F-B16B-C8D4-A3035F8F24D7}"/>
-              </a:ext>
-            </a:extLst>
-          </p:cNvPr>
-          <p:cNvPicPr>
-            <a:picLocks noChangeAspect="1"/>
-          </p:cNvPicPr>
+      <p:cxnSp>
+        <p:nvCxnSpPr>
+          <p:cNvPr id="5" name="Conector reto 4">
+            <a:extLst>
+              <a:ext uri="{FF2B5EF4-FFF2-40B4-BE49-F238E27FC236}">
+                <a16:creationId xmlns:a16="http://schemas.microsoft.com/office/drawing/2014/main" id="{0CA9F93D-1568-1F61-D866-8FF00B84BD93}"/>
+              </a:ext>
+            </a:extLst>
+          </p:cNvPr>
+          <p:cNvCxnSpPr/>
           <p:nvPr/>
-        </p:nvPicPr>
-        <p:blipFill>
-          <a:blip r:embed="rId4">
-            <a:extLst>
-              <a:ext uri="{28A0092B-C50C-407E-A947-70E740481C1C}">
-                <a14:useLocalDpi xmlns:a14="http://schemas.microsoft.com/office/drawing/2010/main" val="0"/>
-              </a:ext>
-            </a:extLst>
-          </a:blip>
-          <a:srcRect/>
-          <a:stretch>
-            <a:fillRect/>
-          </a:stretch>
-        </p:blipFill>
-        <p:spPr bwMode="auto">
-          <a:xfrm>
-            <a:off x="2854037" y="1214316"/>
-            <a:ext cx="8829314" cy="5643684"/>
+        </p:nvCxnSpPr>
+        <p:spPr>
+          <a:xfrm>
+            <a:off x="879764" y="3622963"/>
+            <a:ext cx="10432472" cy="0"/>
+          </a:xfrm>
+          <a:prstGeom prst="line">
+            <a:avLst/>
+          </a:prstGeom>
+          <a:ln w="76200"/>
+        </p:spPr>
+        <p:style>
+          <a:lnRef idx="1">
+            <a:schemeClr val="dk1"/>
+          </a:lnRef>
+          <a:fillRef idx="0">
+            <a:schemeClr val="dk1"/>
+          </a:fillRef>
+          <a:effectRef idx="0">
+            <a:schemeClr val="dk1"/>
+          </a:effectRef>
+          <a:fontRef idx="minor">
+            <a:schemeClr val="tx1"/>
+          </a:fontRef>
+        </p:style>
+      </p:cxnSp>
+      <p:cxnSp>
+        <p:nvCxnSpPr>
+          <p:cNvPr id="9" name="Conector reto 8">
+            <a:extLst>
+              <a:ext uri="{FF2B5EF4-FFF2-40B4-BE49-F238E27FC236}">
+                <a16:creationId xmlns:a16="http://schemas.microsoft.com/office/drawing/2014/main" id="{EEA0B0A4-F6C8-FECF-6A70-C8BE8D4200BA}"/>
+              </a:ext>
+            </a:extLst>
+          </p:cNvPr>
+          <p:cNvCxnSpPr/>
+          <p:nvPr/>
+        </p:nvCxnSpPr>
+        <p:spPr>
+          <a:xfrm flipV="1">
+            <a:off x="6096000" y="1343891"/>
+            <a:ext cx="0" cy="4987636"/>
+          </a:xfrm>
+          <a:prstGeom prst="line">
+            <a:avLst/>
+          </a:prstGeom>
+          <a:ln w="76200"/>
+        </p:spPr>
+        <p:style>
+          <a:lnRef idx="1">
+            <a:schemeClr val="dk1"/>
+          </a:lnRef>
+          <a:fillRef idx="0">
+            <a:schemeClr val="dk1"/>
+          </a:fillRef>
+          <a:effectRef idx="0">
+            <a:schemeClr val="dk1"/>
+          </a:effectRef>
+          <a:fontRef idx="minor">
+            <a:schemeClr val="tx1"/>
+          </a:fontRef>
+        </p:style>
+      </p:cxnSp>
+      <p:sp>
+        <p:nvSpPr>
+          <p:cNvPr id="12" name="CaixaDeTexto 11">
+            <a:extLst>
+              <a:ext uri="{FF2B5EF4-FFF2-40B4-BE49-F238E27FC236}">
+                <a16:creationId xmlns:a16="http://schemas.microsoft.com/office/drawing/2014/main" id="{91C4718C-3BB9-F5A4-A494-77A46E60CB7D}"/>
+              </a:ext>
+            </a:extLst>
+          </p:cNvPr>
+          <p:cNvSpPr txBox="1"/>
+          <p:nvPr/>
+        </p:nvSpPr>
+        <p:spPr>
+          <a:xfrm>
+            <a:off x="7143895" y="1665377"/>
+            <a:ext cx="4024745" cy="1569660"/>
           </a:xfrm>
           <a:prstGeom prst="rect">
             <a:avLst/>
           </a:prstGeom>
           <a:noFill/>
-          <a:ln>
+          <a:ln w="19050">
             <a:noFill/>
           </a:ln>
         </p:spPr>
-      </p:pic>
+        <p:txBody>
+          <a:bodyPr wrap="square" rtlCol="0">
+            <a:spAutoFit/>
+          </a:bodyPr>
+          <a:lstStyle/>
+          <a:p>
+            <a:pPr marL="342900" indent="-342900">
+              <a:buFont typeface="Arial" panose="020B0604020202020204" pitchFamily="34" charset="0"/>
+              <a:buChar char="•"/>
+            </a:pPr>
+            <a:r>
+              <a:rPr lang="pt-BR" sz="2400" dirty="0">
+                <a:latin typeface="Arial" panose="020B0604020202020204" pitchFamily="34" charset="0"/>
+                <a:cs typeface="Arial" panose="020B0604020202020204" pitchFamily="34" charset="0"/>
+              </a:rPr>
+              <a:t>Preço/ condição pagamento</a:t>
+            </a:r>
+          </a:p>
+          <a:p>
+            <a:pPr marL="342900" indent="-342900">
+              <a:buFont typeface="Arial" panose="020B0604020202020204" pitchFamily="34" charset="0"/>
+              <a:buChar char="•"/>
+            </a:pPr>
+            <a:r>
+              <a:rPr lang="pt-BR" sz="2400" dirty="0">
+                <a:latin typeface="Arial" panose="020B0604020202020204" pitchFamily="34" charset="0"/>
+                <a:cs typeface="Arial" panose="020B0604020202020204" pitchFamily="34" charset="0"/>
+              </a:rPr>
+              <a:t>Comunicação</a:t>
+            </a:r>
+          </a:p>
+          <a:p>
+            <a:pPr marL="342900" indent="-342900">
+              <a:buFont typeface="Arial" panose="020B0604020202020204" pitchFamily="34" charset="0"/>
+              <a:buChar char="•"/>
+            </a:pPr>
+            <a:r>
+              <a:rPr lang="pt-BR" sz="2400" dirty="0">
+                <a:latin typeface="Arial" panose="020B0604020202020204" pitchFamily="34" charset="0"/>
+                <a:cs typeface="Arial" panose="020B0604020202020204" pitchFamily="34" charset="0"/>
+              </a:rPr>
+              <a:t>Plataforma digital</a:t>
+            </a:r>
+          </a:p>
+        </p:txBody>
+      </p:sp>
+      <p:sp>
+        <p:nvSpPr>
+          <p:cNvPr id="13" name="CaixaDeTexto 12">
+            <a:extLst>
+              <a:ext uri="{FF2B5EF4-FFF2-40B4-BE49-F238E27FC236}">
+                <a16:creationId xmlns:a16="http://schemas.microsoft.com/office/drawing/2014/main" id="{404FD637-009F-E659-58F5-87912843A5E3}"/>
+              </a:ext>
+            </a:extLst>
+          </p:cNvPr>
+          <p:cNvSpPr txBox="1"/>
+          <p:nvPr/>
+        </p:nvSpPr>
+        <p:spPr>
+          <a:xfrm>
+            <a:off x="1999458" y="1883793"/>
+            <a:ext cx="4024745" cy="1477328"/>
+          </a:xfrm>
+          <a:prstGeom prst="rect">
+            <a:avLst/>
+          </a:prstGeom>
+          <a:noFill/>
+          <a:ln w="19050">
+            <a:noFill/>
+          </a:ln>
+        </p:spPr>
+        <p:txBody>
+          <a:bodyPr wrap="square" rtlCol="0">
+            <a:spAutoFit/>
+          </a:bodyPr>
+          <a:lstStyle/>
+          <a:p>
+            <a:pPr marL="342900" indent="-342900">
+              <a:buFont typeface="Arial" panose="020B0604020202020204" pitchFamily="34" charset="0"/>
+              <a:buChar char="•"/>
+            </a:pPr>
+            <a:r>
+              <a:rPr lang="pt-BR" sz="2400" dirty="0">
+                <a:latin typeface="Arial" panose="020B0604020202020204" pitchFamily="34" charset="0"/>
+                <a:cs typeface="Arial" panose="020B0604020202020204" pitchFamily="34" charset="0"/>
+              </a:rPr>
+              <a:t>Marca</a:t>
+            </a:r>
+          </a:p>
+          <a:p>
+            <a:pPr marL="342900" indent="-342900">
+              <a:buFont typeface="Arial" panose="020B0604020202020204" pitchFamily="34" charset="0"/>
+              <a:buChar char="•"/>
+            </a:pPr>
+            <a:r>
+              <a:rPr lang="pt-BR" sz="2400" dirty="0">
+                <a:latin typeface="Arial" panose="020B0604020202020204" pitchFamily="34" charset="0"/>
+                <a:cs typeface="Arial" panose="020B0604020202020204" pitchFamily="34" charset="0"/>
+              </a:rPr>
+              <a:t>Qualidade</a:t>
+            </a:r>
+          </a:p>
+          <a:p>
+            <a:pPr marL="342900" indent="-342900">
+              <a:buFont typeface="Arial" panose="020B0604020202020204" pitchFamily="34" charset="0"/>
+              <a:buChar char="•"/>
+            </a:pPr>
+            <a:r>
+              <a:rPr lang="pt-BR" sz="2400" dirty="0">
+                <a:latin typeface="Arial" panose="020B0604020202020204" pitchFamily="34" charset="0"/>
+                <a:cs typeface="Arial" panose="020B0604020202020204" pitchFamily="34" charset="0"/>
+              </a:rPr>
+              <a:t>Tecnologia</a:t>
+            </a:r>
+          </a:p>
+          <a:p>
+            <a:pPr marL="285750" indent="-285750">
+              <a:buFont typeface="Arial" panose="020B0604020202020204" pitchFamily="34" charset="0"/>
+              <a:buChar char="•"/>
+            </a:pPr>
+            <a:endParaRPr lang="pt-BR" dirty="0">
+              <a:latin typeface="Arial" panose="020B0604020202020204" pitchFamily="34" charset="0"/>
+              <a:cs typeface="Arial" panose="020B0604020202020204" pitchFamily="34" charset="0"/>
+            </a:endParaRPr>
+          </a:p>
+        </p:txBody>
+      </p:sp>
+      <p:sp>
+        <p:nvSpPr>
+          <p:cNvPr id="14" name="CaixaDeTexto 13">
+            <a:extLst>
+              <a:ext uri="{FF2B5EF4-FFF2-40B4-BE49-F238E27FC236}">
+                <a16:creationId xmlns:a16="http://schemas.microsoft.com/office/drawing/2014/main" id="{249B81FE-5C8C-1437-3582-E7C5CC1D36FB}"/>
+              </a:ext>
+            </a:extLst>
+          </p:cNvPr>
+          <p:cNvSpPr txBox="1"/>
+          <p:nvPr/>
+        </p:nvSpPr>
+        <p:spPr>
+          <a:xfrm>
+            <a:off x="7327760" y="4410669"/>
+            <a:ext cx="4024745" cy="1846659"/>
+          </a:xfrm>
+          <a:prstGeom prst="rect">
+            <a:avLst/>
+          </a:prstGeom>
+          <a:noFill/>
+          <a:ln w="19050">
+            <a:noFill/>
+          </a:ln>
+        </p:spPr>
+        <p:txBody>
+          <a:bodyPr wrap="square" rtlCol="0">
+            <a:spAutoFit/>
+          </a:bodyPr>
+          <a:lstStyle/>
+          <a:p>
+            <a:pPr marL="342900" indent="-342900">
+              <a:buFont typeface="Arial" panose="020B0604020202020204" pitchFamily="34" charset="0"/>
+              <a:buChar char="•"/>
+            </a:pPr>
+            <a:r>
+              <a:rPr lang="pt-BR" sz="2400" dirty="0">
+                <a:latin typeface="Arial" panose="020B0604020202020204" pitchFamily="34" charset="0"/>
+                <a:cs typeface="Arial" panose="020B0604020202020204" pitchFamily="34" charset="0"/>
+              </a:rPr>
+              <a:t>Ativos antigos</a:t>
+            </a:r>
+          </a:p>
+          <a:p>
+            <a:pPr marL="342900" indent="-342900">
+              <a:buFont typeface="Arial" panose="020B0604020202020204" pitchFamily="34" charset="0"/>
+              <a:buChar char="•"/>
+            </a:pPr>
+            <a:r>
+              <a:rPr lang="pt-BR" sz="2400" dirty="0">
+                <a:latin typeface="Arial" panose="020B0604020202020204" pitchFamily="34" charset="0"/>
+                <a:cs typeface="Arial" panose="020B0604020202020204" pitchFamily="34" charset="0"/>
+              </a:rPr>
+              <a:t>Fatores climáticos</a:t>
+            </a:r>
+          </a:p>
+          <a:p>
+            <a:pPr marL="342900" indent="-342900">
+              <a:buFont typeface="Arial" panose="020B0604020202020204" pitchFamily="34" charset="0"/>
+              <a:buChar char="•"/>
+            </a:pPr>
+            <a:r>
+              <a:rPr lang="pt-BR" sz="2400" dirty="0">
+                <a:latin typeface="Arial" panose="020B0604020202020204" pitchFamily="34" charset="0"/>
+                <a:cs typeface="Arial" panose="020B0604020202020204" pitchFamily="34" charset="0"/>
+              </a:rPr>
+              <a:t>Legislação </a:t>
+            </a:r>
+          </a:p>
+          <a:p>
+            <a:pPr marL="342900" indent="-342900">
+              <a:buFont typeface="Arial" panose="020B0604020202020204" pitchFamily="34" charset="0"/>
+              <a:buChar char="•"/>
+            </a:pPr>
+            <a:r>
+              <a:rPr lang="pt-BR" sz="2400" dirty="0">
+                <a:latin typeface="Arial" panose="020B0604020202020204" pitchFamily="34" charset="0"/>
+                <a:cs typeface="Arial" panose="020B0604020202020204" pitchFamily="34" charset="0"/>
+              </a:rPr>
+              <a:t>Política</a:t>
+            </a:r>
+          </a:p>
+          <a:p>
+            <a:endParaRPr lang="pt-BR" dirty="0"/>
+          </a:p>
+        </p:txBody>
+      </p:sp>
+      <p:sp>
+        <p:nvSpPr>
+          <p:cNvPr id="15" name="CaixaDeTexto 14">
+            <a:extLst>
+              <a:ext uri="{FF2B5EF4-FFF2-40B4-BE49-F238E27FC236}">
+                <a16:creationId xmlns:a16="http://schemas.microsoft.com/office/drawing/2014/main" id="{36D996A2-7DD9-F400-ED30-30093CCCFF7B}"/>
+              </a:ext>
+            </a:extLst>
+          </p:cNvPr>
+          <p:cNvSpPr txBox="1"/>
+          <p:nvPr/>
+        </p:nvSpPr>
+        <p:spPr>
+          <a:xfrm>
+            <a:off x="1876399" y="4170235"/>
+            <a:ext cx="4024745" cy="2492990"/>
+          </a:xfrm>
+          <a:prstGeom prst="rect">
+            <a:avLst/>
+          </a:prstGeom>
+          <a:noFill/>
+          <a:ln w="19050">
+            <a:noFill/>
+          </a:ln>
+        </p:spPr>
+        <p:txBody>
+          <a:bodyPr wrap="square" rtlCol="0">
+            <a:spAutoFit/>
+          </a:bodyPr>
+          <a:lstStyle/>
+          <a:p>
+            <a:pPr marL="285750" indent="-285750">
+              <a:buFont typeface="Arial" panose="020B0604020202020204" pitchFamily="34" charset="0"/>
+              <a:buChar char="•"/>
+            </a:pPr>
+            <a:r>
+              <a:rPr lang="pt-BR" sz="2000" dirty="0">
+                <a:latin typeface="Arial" panose="020B0604020202020204" pitchFamily="34" charset="0"/>
+                <a:cs typeface="Arial" panose="020B0604020202020204" pitchFamily="34" charset="0"/>
+              </a:rPr>
+              <a:t>Expansão das rede de distribuição</a:t>
+            </a:r>
+          </a:p>
+          <a:p>
+            <a:pPr marL="285750" indent="-285750">
+              <a:buFont typeface="Arial" panose="020B0604020202020204" pitchFamily="34" charset="0"/>
+              <a:buChar char="•"/>
+            </a:pPr>
+            <a:r>
+              <a:rPr lang="pt-BR" sz="2000" dirty="0">
+                <a:latin typeface="Arial" panose="020B0604020202020204" pitchFamily="34" charset="0"/>
+                <a:cs typeface="Arial" panose="020B0604020202020204" pitchFamily="34" charset="0"/>
+              </a:rPr>
+              <a:t>Aumento do consumo de energia no País</a:t>
+            </a:r>
+          </a:p>
+          <a:p>
+            <a:pPr marL="285750" indent="-285750">
+              <a:buFont typeface="Arial" panose="020B0604020202020204" pitchFamily="34" charset="0"/>
+              <a:buChar char="•"/>
+            </a:pPr>
+            <a:r>
+              <a:rPr lang="pt-BR" sz="2000" dirty="0">
+                <a:latin typeface="Arial" panose="020B0604020202020204" pitchFamily="34" charset="0"/>
+                <a:cs typeface="Arial" panose="020B0604020202020204" pitchFamily="34" charset="0"/>
+              </a:rPr>
+              <a:t>Expansão da geração por fontes renováveis</a:t>
+            </a:r>
+          </a:p>
+          <a:p>
+            <a:endParaRPr lang="pt-BR" dirty="0"/>
+          </a:p>
+          <a:p>
+            <a:endParaRPr lang="pt-BR" dirty="0"/>
+          </a:p>
+        </p:txBody>
+      </p:sp>
     </p:spTree>
     <p:extLst>
       <p:ext uri="{BB962C8B-B14F-4D97-AF65-F5344CB8AC3E}">
-        <p14:creationId xmlns:p14="http://schemas.microsoft.com/office/powerpoint/2010/main" val="3384015851"/>
+        <p14:creationId xmlns:p14="http://schemas.microsoft.com/office/powerpoint/2010/main" val="1346890498"/>
       </p:ext>
     </p:extLst>
   </p:cSld>
@@ -12399,7 +12291,13 @@
   <p:cSld>
     <p:spTree>
       <p:nvGrpSpPr>
-        <p:cNvPr id="1" name=""/>
+        <p:cNvPr id="1" name="">
+          <a:extLst>
+            <a:ext uri="{FF2B5EF4-FFF2-40B4-BE49-F238E27FC236}">
+              <a16:creationId xmlns:a16="http://schemas.microsoft.com/office/drawing/2014/main" id="{614D0481-85B1-3428-A4DA-5D5DD1DA9432}"/>
+            </a:ext>
+          </a:extLst>
+        </p:cNvPr>
         <p:cNvGrpSpPr/>
         <p:nvPr/>
       </p:nvGrpSpPr>
@@ -12416,7 +12314,7 @@
           <p:cNvPr id="2" name="Título 1">
             <a:extLst>
               <a:ext uri="{FF2B5EF4-FFF2-40B4-BE49-F238E27FC236}">
-                <a16:creationId xmlns:a16="http://schemas.microsoft.com/office/drawing/2014/main" id="{291D89C4-053F-18E2-B15A-EBDA32C61CED}"/>
+                <a16:creationId xmlns:a16="http://schemas.microsoft.com/office/drawing/2014/main" id="{40E0224D-91F8-5A1E-12BE-E12143F7BD2D}"/>
               </a:ext>
             </a:extLst>
           </p:cNvPr>
@@ -12430,12 +12328,12 @@
         <p:spPr>
           <a:xfrm>
             <a:off x="508650" y="688849"/>
-            <a:ext cx="5023470" cy="1322832"/>
+            <a:ext cx="4992990" cy="835152"/>
           </a:xfrm>
         </p:spPr>
         <p:txBody>
           <a:bodyPr>
-            <a:normAutofit/>
+            <a:noAutofit/>
           </a:bodyPr>
           <a:lstStyle/>
           <a:p>
@@ -12444,8 +12342,30 @@
                 <a:latin typeface="Arial" panose="020B0604020202020204" pitchFamily="34" charset="0"/>
                 <a:cs typeface="Arial" panose="020B0604020202020204" pitchFamily="34" charset="0"/>
               </a:rPr>
-              <a:t>Áreas Estratégicas da Empresa</a:t>
-            </a:r>
+              <a:t>Análise SWOT</a:t>
+            </a:r>
+            <a:br>
+              <a:rPr lang="pt-BR" sz="4000" dirty="0">
+                <a:latin typeface="Arial" panose="020B0604020202020204" pitchFamily="34" charset="0"/>
+                <a:cs typeface="Arial" panose="020B0604020202020204" pitchFamily="34" charset="0"/>
+              </a:rPr>
+            </a:br>
+            <a:br>
+              <a:rPr lang="pt-BR" sz="4000" dirty="0">
+                <a:latin typeface="Arial" panose="020B0604020202020204" pitchFamily="34" charset="0"/>
+                <a:cs typeface="Arial" panose="020B0604020202020204" pitchFamily="34" charset="0"/>
+              </a:rPr>
+            </a:br>
+            <a:br>
+              <a:rPr lang="pt-BR" sz="4000" dirty="0">
+                <a:latin typeface="Arial" panose="020B0604020202020204" pitchFamily="34" charset="0"/>
+                <a:cs typeface="Arial" panose="020B0604020202020204" pitchFamily="34" charset="0"/>
+              </a:rPr>
+            </a:br>
+            <a:endParaRPr lang="pt-BR" sz="4000" dirty="0">
+              <a:latin typeface="Arial" panose="020B0604020202020204" pitchFamily="34" charset="0"/>
+              <a:cs typeface="Arial" panose="020B0604020202020204" pitchFamily="34" charset="0"/>
+            </a:endParaRPr>
           </a:p>
         </p:txBody>
       </p:sp>
@@ -12454,7 +12374,7 @@
           <p:cNvPr id="4" name="Triângulo Retângulo 3">
             <a:extLst>
               <a:ext uri="{FF2B5EF4-FFF2-40B4-BE49-F238E27FC236}">
-                <a16:creationId xmlns:a16="http://schemas.microsoft.com/office/drawing/2014/main" id="{116EC607-7B07-9A91-D369-2DEAE8471510}"/>
+                <a16:creationId xmlns:a16="http://schemas.microsoft.com/office/drawing/2014/main" id="{9DE51D30-2C91-8388-7193-4D6CFD565BDA}"/>
               </a:ext>
             </a:extLst>
           </p:cNvPr>
@@ -12503,7 +12423,7 @@
           <p:cNvPr id="6" name="Picture 2" descr="Fatec Votorantim">
             <a:extLst>
               <a:ext uri="{FF2B5EF4-FFF2-40B4-BE49-F238E27FC236}">
-                <a16:creationId xmlns:a16="http://schemas.microsoft.com/office/drawing/2014/main" id="{E19D8493-9A9C-8D11-2058-7BC3906A4306}"/>
+                <a16:creationId xmlns:a16="http://schemas.microsoft.com/office/drawing/2014/main" id="{2E7D376A-5BDC-1BB3-0495-3804EB3E0626}"/>
               </a:ext>
             </a:extLst>
           </p:cNvPr>
@@ -12547,10 +12467,10 @@
       </p:pic>
       <p:pic>
         <p:nvPicPr>
-          <p:cNvPr id="5" name="Imagem 4">
-            <a:extLst>
-              <a:ext uri="{FF2B5EF4-FFF2-40B4-BE49-F238E27FC236}">
-                <a16:creationId xmlns:a16="http://schemas.microsoft.com/office/drawing/2014/main" id="{625F5659-9E05-40C9-0F56-6ACA18AF88EF}"/>
+          <p:cNvPr id="7" name="Imagem 6">
+            <a:extLst>
+              <a:ext uri="{FF2B5EF4-FFF2-40B4-BE49-F238E27FC236}">
+                <a16:creationId xmlns:a16="http://schemas.microsoft.com/office/drawing/2014/main" id="{995853B3-8238-F0F8-84BA-50B7F5FF5D3B}"/>
               </a:ext>
             </a:extLst>
           </p:cNvPr>
@@ -12560,233 +12480,357 @@
           <p:nvPr/>
         </p:nvPicPr>
         <p:blipFill>
-          <a:blip r:embed="rId3" cstate="print">
-            <a:clrChange>
-              <a:clrFrom>
-                <a:srgbClr val="FFFFFF"/>
-              </a:clrFrom>
-              <a:clrTo>
-                <a:srgbClr val="FFFFFF">
-                  <a:alpha val="0"/>
-                </a:srgbClr>
-              </a:clrTo>
-            </a:clrChange>
-            <a:extLst>
-              <a:ext uri="{28A0092B-C50C-407E-A947-70E740481C1C}">
-                <a14:useLocalDpi xmlns:a14="http://schemas.microsoft.com/office/drawing/2010/main" val="0"/>
-              </a:ext>
-            </a:extLst>
-          </a:blip>
+          <a:blip r:embed="rId3" cstate="print"/>
           <a:stretch>
             <a:fillRect/>
           </a:stretch>
         </p:blipFill>
         <p:spPr>
           <a:xfrm>
-            <a:off x="113327" y="5610400"/>
-            <a:ext cx="1117502" cy="1117502"/>
+            <a:off x="60546" y="5775960"/>
+            <a:ext cx="957168" cy="957168"/>
           </a:xfrm>
           <a:prstGeom prst="rect">
             <a:avLst/>
           </a:prstGeom>
         </p:spPr>
       </p:pic>
-      <p:sp>
-        <p:nvSpPr>
-          <p:cNvPr id="8" name="Espaço Reservado para Conteúdo 2">
-            <a:extLst>
-              <a:ext uri="{FF2B5EF4-FFF2-40B4-BE49-F238E27FC236}">
-                <a16:creationId xmlns:a16="http://schemas.microsoft.com/office/drawing/2014/main" id="{105327F3-FD2F-08E7-C2FE-F92810D76DD5}"/>
-              </a:ext>
-            </a:extLst>
-          </p:cNvPr>
-          <p:cNvSpPr>
-            <a:spLocks noGrp="1"/>
-          </p:cNvSpPr>
+      <p:cxnSp>
+        <p:nvCxnSpPr>
+          <p:cNvPr id="9" name="Conector reto 8">
+            <a:extLst>
+              <a:ext uri="{FF2B5EF4-FFF2-40B4-BE49-F238E27FC236}">
+                <a16:creationId xmlns:a16="http://schemas.microsoft.com/office/drawing/2014/main" id="{24151FE3-F207-C83E-0F02-61D3B8F905AF}"/>
+              </a:ext>
+            </a:extLst>
+          </p:cNvPr>
+          <p:cNvCxnSpPr>
+            <a:cxnSpLocks/>
+          </p:cNvCxnSpPr>
           <p:nvPr/>
-        </p:nvSpPr>
-        <p:spPr>
-          <a:xfrm>
-            <a:off x="1923105" y="2164080"/>
-            <a:ext cx="9961230" cy="4373879"/>
+        </p:nvCxnSpPr>
+        <p:spPr>
+          <a:xfrm flipV="1">
+            <a:off x="4253718" y="1648691"/>
+            <a:ext cx="0" cy="4694752"/>
+          </a:xfrm>
+          <a:prstGeom prst="line">
+            <a:avLst/>
+          </a:prstGeom>
+          <a:ln w="76200"/>
+        </p:spPr>
+        <p:style>
+          <a:lnRef idx="1">
+            <a:schemeClr val="dk1"/>
+          </a:lnRef>
+          <a:fillRef idx="0">
+            <a:schemeClr val="dk1"/>
+          </a:fillRef>
+          <a:effectRef idx="0">
+            <a:schemeClr val="dk1"/>
+          </a:effectRef>
+          <a:fontRef idx="minor">
+            <a:schemeClr val="tx1"/>
+          </a:fontRef>
+        </p:style>
+      </p:cxnSp>
+      <p:sp>
+        <p:nvSpPr>
+          <p:cNvPr id="13" name="CaixaDeTexto 12">
+            <a:extLst>
+              <a:ext uri="{FF2B5EF4-FFF2-40B4-BE49-F238E27FC236}">
+                <a16:creationId xmlns:a16="http://schemas.microsoft.com/office/drawing/2014/main" id="{6699FDCC-235E-344B-B21F-0EED19FA9DD5}"/>
+              </a:ext>
+            </a:extLst>
+          </p:cNvPr>
+          <p:cNvSpPr txBox="1"/>
+          <p:nvPr/>
+        </p:nvSpPr>
+        <p:spPr>
+          <a:xfrm>
+            <a:off x="704951" y="2600214"/>
+            <a:ext cx="4024745" cy="2862322"/>
           </a:xfrm>
           <a:prstGeom prst="rect">
             <a:avLst/>
           </a:prstGeom>
-        </p:spPr>
-        <p:txBody>
-          <a:bodyPr vert="horz" lIns="91440" tIns="45720" rIns="91440" bIns="45720" rtlCol="0">
-            <a:normAutofit/>
+          <a:noFill/>
+          <a:ln w="19050">
+            <a:noFill/>
+          </a:ln>
+        </p:spPr>
+        <p:txBody>
+          <a:bodyPr wrap="square" rtlCol="0">
+            <a:spAutoFit/>
+          </a:bodyPr>
+          <a:lstStyle/>
+          <a:p>
+            <a:pPr marL="342900" indent="-342900">
+              <a:lnSpc>
+                <a:spcPct val="150000"/>
+              </a:lnSpc>
+              <a:buFont typeface="Arial" panose="020B0604020202020204" pitchFamily="34" charset="0"/>
+              <a:buChar char="•"/>
+            </a:pPr>
+            <a:r>
+              <a:rPr lang="pt-BR" sz="3600" dirty="0">
+                <a:latin typeface="Arial" panose="020B0604020202020204" pitchFamily="34" charset="0"/>
+                <a:cs typeface="Arial" panose="020B0604020202020204" pitchFamily="34" charset="0"/>
+              </a:rPr>
+              <a:t>Marca</a:t>
+            </a:r>
+          </a:p>
+          <a:p>
+            <a:pPr marL="342900" indent="-342900">
+              <a:lnSpc>
+                <a:spcPct val="150000"/>
+              </a:lnSpc>
+              <a:buFont typeface="Arial" panose="020B0604020202020204" pitchFamily="34" charset="0"/>
+              <a:buChar char="•"/>
+            </a:pPr>
+            <a:r>
+              <a:rPr lang="pt-BR" sz="3600" dirty="0">
+                <a:latin typeface="Arial" panose="020B0604020202020204" pitchFamily="34" charset="0"/>
+                <a:cs typeface="Arial" panose="020B0604020202020204" pitchFamily="34" charset="0"/>
+              </a:rPr>
+              <a:t>Qualidade</a:t>
+            </a:r>
+          </a:p>
+          <a:p>
+            <a:pPr marL="342900" indent="-342900">
+              <a:lnSpc>
+                <a:spcPct val="150000"/>
+              </a:lnSpc>
+              <a:buFont typeface="Arial" panose="020B0604020202020204" pitchFamily="34" charset="0"/>
+              <a:buChar char="•"/>
+            </a:pPr>
+            <a:r>
+              <a:rPr lang="pt-BR" sz="3600" dirty="0">
+                <a:latin typeface="Arial" panose="020B0604020202020204" pitchFamily="34" charset="0"/>
+                <a:cs typeface="Arial" panose="020B0604020202020204" pitchFamily="34" charset="0"/>
+              </a:rPr>
+              <a:t>Tecnologia</a:t>
+            </a:r>
+          </a:p>
+          <a:p>
+            <a:pPr marL="285750" indent="-285750">
+              <a:buFont typeface="Arial" panose="020B0604020202020204" pitchFamily="34" charset="0"/>
+              <a:buChar char="•"/>
+            </a:pPr>
+            <a:endParaRPr lang="pt-BR" dirty="0">
+              <a:latin typeface="Arial" panose="020B0604020202020204" pitchFamily="34" charset="0"/>
+              <a:cs typeface="Arial" panose="020B0604020202020204" pitchFamily="34" charset="0"/>
+            </a:endParaRPr>
+          </a:p>
+        </p:txBody>
+      </p:sp>
+      <p:sp>
+        <p:nvSpPr>
+          <p:cNvPr id="3" name="Título 1">
+            <a:extLst>
+              <a:ext uri="{FF2B5EF4-FFF2-40B4-BE49-F238E27FC236}">
+                <a16:creationId xmlns:a16="http://schemas.microsoft.com/office/drawing/2014/main" id="{99B75C40-4695-5C6B-78EE-C405AF4928C7}"/>
+              </a:ext>
+            </a:extLst>
+          </p:cNvPr>
+          <p:cNvSpPr txBox="1">
+            <a:spLocks/>
+          </p:cNvSpPr>
+          <p:nvPr/>
+        </p:nvSpPr>
+        <p:spPr>
+          <a:xfrm>
+            <a:off x="5037976" y="1771429"/>
+            <a:ext cx="7115135" cy="1657571"/>
+          </a:xfrm>
+          <a:prstGeom prst="rect">
+            <a:avLst/>
+          </a:prstGeom>
+        </p:spPr>
+        <p:txBody>
+          <a:bodyPr vert="horz" lIns="91440" tIns="45720" rIns="91440" bIns="45720" rtlCol="0" anchor="t">
+            <a:noAutofit/>
           </a:bodyPr>
           <a:lstStyle>
-            <a:lvl1pPr marL="0" indent="0" algn="l" defTabSz="914400" rtl="0" eaLnBrk="1" latinLnBrk="0" hangingPunct="1">
+            <a:lvl1pPr algn="l" defTabSz="914400" rtl="0" eaLnBrk="1" latinLnBrk="0" hangingPunct="1">
               <a:lnSpc>
-                <a:spcPct val="110000"/>
+                <a:spcPct val="100000"/>
               </a:lnSpc>
               <a:spcBef>
-                <a:spcPts val="1000"/>
+                <a:spcPct val="0"/>
               </a:spcBef>
-              <a:buFont typeface="Arial" panose="020B0604020202020204" pitchFamily="34" charset="0"/>
               <a:buNone/>
-              <a:defRPr sz="2000" kern="1200">
+              <a:defRPr sz="5400" b="1" kern="1200">
                 <a:solidFill>
                   <a:schemeClr val="tx1"/>
                 </a:solidFill>
-                <a:latin typeface="+mn-lt"/>
-                <a:ea typeface="+mn-ea"/>
-                <a:cs typeface="+mn-cs"/>
+                <a:latin typeface="+mj-lt"/>
+                <a:ea typeface="+mj-ea"/>
+                <a:cs typeface="+mj-cs"/>
               </a:defRPr>
             </a:lvl1pPr>
-            <a:lvl2pPr marL="274320" indent="-274320" algn="l" defTabSz="914400" rtl="0" eaLnBrk="1" latinLnBrk="0" hangingPunct="1">
+          </a:lstStyle>
+          <a:p>
+            <a:r>
+              <a:rPr lang="pt-BR" sz="3600" dirty="0">
+                <a:latin typeface="Arial" panose="020B0604020202020204" pitchFamily="34" charset="0"/>
+                <a:cs typeface="Arial" panose="020B0604020202020204" pitchFamily="34" charset="0"/>
+              </a:rPr>
+              <a:t>Estratégias de Crescimento</a:t>
+            </a:r>
+          </a:p>
+        </p:txBody>
+      </p:sp>
+      <p:sp>
+        <p:nvSpPr>
+          <p:cNvPr id="8" name="Título 1">
+            <a:extLst>
+              <a:ext uri="{FF2B5EF4-FFF2-40B4-BE49-F238E27FC236}">
+                <a16:creationId xmlns:a16="http://schemas.microsoft.com/office/drawing/2014/main" id="{0C2D8091-5D3A-8569-4490-FB6C7256CD47}"/>
+              </a:ext>
+            </a:extLst>
+          </p:cNvPr>
+          <p:cNvSpPr txBox="1">
+            <a:spLocks/>
+          </p:cNvSpPr>
+          <p:nvPr/>
+        </p:nvSpPr>
+        <p:spPr>
+          <a:xfrm>
+            <a:off x="783156" y="1746504"/>
+            <a:ext cx="4718484" cy="835152"/>
+          </a:xfrm>
+          <a:prstGeom prst="rect">
+            <a:avLst/>
+          </a:prstGeom>
+        </p:spPr>
+        <p:txBody>
+          <a:bodyPr vert="horz" lIns="91440" tIns="45720" rIns="91440" bIns="45720" rtlCol="0" anchor="t">
+            <a:noAutofit/>
+          </a:bodyPr>
+          <a:lstStyle>
+            <a:lvl1pPr algn="l" defTabSz="914400" rtl="0" eaLnBrk="1" latinLnBrk="0" hangingPunct="1">
               <a:lnSpc>
-                <a:spcPct val="110000"/>
+                <a:spcPct val="100000"/>
               </a:lnSpc>
               <a:spcBef>
-                <a:spcPts val="500"/>
+                <a:spcPct val="0"/>
               </a:spcBef>
-              <a:buFont typeface="Arial" panose="020B0604020202020204" pitchFamily="34" charset="0"/>
-              <a:buChar char="•"/>
-              <a:defRPr sz="1800" kern="1200">
+              <a:buNone/>
+              <a:defRPr sz="5400" b="1" kern="1200">
                 <a:solidFill>
                   <a:schemeClr val="tx1"/>
                 </a:solidFill>
-                <a:latin typeface="+mn-lt"/>
-                <a:ea typeface="+mn-ea"/>
-                <a:cs typeface="+mn-cs"/>
+                <a:latin typeface="+mj-lt"/>
+                <a:ea typeface="+mj-ea"/>
+                <a:cs typeface="+mj-cs"/>
               </a:defRPr>
-            </a:lvl2pPr>
-            <a:lvl3pPr marL="274320" indent="0" algn="l" defTabSz="914400" rtl="0" eaLnBrk="1" latinLnBrk="0" hangingPunct="1">
+            </a:lvl1pPr>
+          </a:lstStyle>
+          <a:p>
+            <a:r>
+              <a:rPr lang="pt-BR" sz="3200" dirty="0">
+                <a:latin typeface="Arial" panose="020B0604020202020204" pitchFamily="34" charset="0"/>
+                <a:cs typeface="Arial" panose="020B0604020202020204" pitchFamily="34" charset="0"/>
+              </a:rPr>
+              <a:t>Pontos fortes</a:t>
+            </a:r>
+          </a:p>
+        </p:txBody>
+      </p:sp>
+      <p:sp>
+        <p:nvSpPr>
+          <p:cNvPr id="16" name="CaixaDeTexto 15">
+            <a:extLst>
+              <a:ext uri="{FF2B5EF4-FFF2-40B4-BE49-F238E27FC236}">
+                <a16:creationId xmlns:a16="http://schemas.microsoft.com/office/drawing/2014/main" id="{38B318DF-4CA4-4B93-35FC-CCA124870E1E}"/>
+              </a:ext>
+            </a:extLst>
+          </p:cNvPr>
+          <p:cNvSpPr txBox="1"/>
+          <p:nvPr/>
+        </p:nvSpPr>
+        <p:spPr>
+          <a:xfrm>
+            <a:off x="4561999" y="2931942"/>
+            <a:ext cx="7285416" cy="3523956"/>
+          </a:xfrm>
+          <a:prstGeom prst="rect">
+            <a:avLst/>
+          </a:prstGeom>
+          <a:noFill/>
+        </p:spPr>
+        <p:txBody>
+          <a:bodyPr wrap="square" rtlCol="0">
+            <a:spAutoFit/>
+          </a:bodyPr>
+          <a:lstStyle/>
+          <a:p>
+            <a:pPr marL="285750" indent="-285750" algn="just">
               <a:lnSpc>
-                <a:spcPct val="110000"/>
+                <a:spcPct val="150000"/>
               </a:lnSpc>
-              <a:spcBef>
-                <a:spcPts val="500"/>
-              </a:spcBef>
-              <a:buFont typeface="Arial" panose="020B0604020202020204" pitchFamily="34" charset="0"/>
-              <a:buNone/>
-              <a:defRPr sz="1800" kern="1200">
-                <a:solidFill>
-                  <a:schemeClr val="tx1"/>
-                </a:solidFill>
-                <a:latin typeface="+mn-lt"/>
-                <a:ea typeface="+mn-ea"/>
-                <a:cs typeface="+mn-cs"/>
-              </a:defRPr>
-            </a:lvl3pPr>
-            <a:lvl4pPr marL="548640" indent="-274320" algn="l" defTabSz="914400" rtl="0" eaLnBrk="1" latinLnBrk="0" hangingPunct="1">
-              <a:lnSpc>
-                <a:spcPct val="110000"/>
-              </a:lnSpc>
-              <a:spcBef>
-                <a:spcPts val="500"/>
-              </a:spcBef>
               <a:buFont typeface="Arial" panose="020B0604020202020204" pitchFamily="34" charset="0"/>
               <a:buChar char="•"/>
-              <a:defRPr sz="1600" kern="1200">
-                <a:solidFill>
-                  <a:schemeClr val="tx1"/>
-                </a:solidFill>
-                <a:latin typeface="+mn-lt"/>
-                <a:ea typeface="+mn-ea"/>
-                <a:cs typeface="+mn-cs"/>
-              </a:defRPr>
-            </a:lvl4pPr>
-            <a:lvl5pPr marL="548640" indent="0" algn="l" defTabSz="914400" rtl="0" eaLnBrk="1" latinLnBrk="0" hangingPunct="1">
+            </a:pPr>
+            <a:r>
+              <a:rPr lang="pt-BR" sz="2400" dirty="0">
+                <a:latin typeface="Arial" panose="020B0604020202020204" pitchFamily="34" charset="0"/>
+                <a:cs typeface="Arial" panose="020B0604020202020204" pitchFamily="34" charset="0"/>
+              </a:rPr>
+              <a:t>Investir na expansão das redes elétricas;</a:t>
+            </a:r>
+          </a:p>
+          <a:p>
+            <a:pPr marL="285750" indent="-285750" algn="just">
               <a:lnSpc>
-                <a:spcPct val="110000"/>
+                <a:spcPct val="150000"/>
               </a:lnSpc>
-              <a:spcBef>
-                <a:spcPts val="500"/>
-              </a:spcBef>
-              <a:buFont typeface="Arial" panose="020B0604020202020204" pitchFamily="34" charset="0"/>
-              <a:buNone/>
-              <a:defRPr sz="1600" kern="1200">
-                <a:solidFill>
-                  <a:schemeClr val="tx1"/>
-                </a:solidFill>
-                <a:latin typeface="+mn-lt"/>
-                <a:ea typeface="+mn-ea"/>
-                <a:cs typeface="+mn-cs"/>
-              </a:defRPr>
-            </a:lvl5pPr>
-            <a:lvl6pPr marL="2514600" indent="-228600" algn="l" defTabSz="914400" rtl="0" eaLnBrk="1" latinLnBrk="0" hangingPunct="1">
-              <a:lnSpc>
-                <a:spcPct val="90000"/>
-              </a:lnSpc>
-              <a:spcBef>
-                <a:spcPts val="500"/>
-              </a:spcBef>
               <a:buFont typeface="Arial" panose="020B0604020202020204" pitchFamily="34" charset="0"/>
               <a:buChar char="•"/>
-              <a:defRPr sz="1800" kern="1200">
-                <a:solidFill>
-                  <a:schemeClr val="tx1"/>
-                </a:solidFill>
-                <a:latin typeface="+mn-lt"/>
-                <a:ea typeface="+mn-ea"/>
-                <a:cs typeface="+mn-cs"/>
-              </a:defRPr>
-            </a:lvl6pPr>
-            <a:lvl7pPr marL="2971800" indent="-228600" algn="l" defTabSz="914400" rtl="0" eaLnBrk="1" latinLnBrk="0" hangingPunct="1">
+            </a:pPr>
+            <a:r>
+              <a:rPr lang="pt-BR" sz="2400" dirty="0">
+                <a:latin typeface="Arial" panose="020B0604020202020204" pitchFamily="34" charset="0"/>
+                <a:cs typeface="Arial" panose="020B0604020202020204" pitchFamily="34" charset="0"/>
+              </a:rPr>
+              <a:t>Aumentar a capacidade de geração de energia;</a:t>
+            </a:r>
+          </a:p>
+          <a:p>
+            <a:pPr marL="285750" indent="-285750" algn="just">
               <a:lnSpc>
-                <a:spcPct val="90000"/>
+                <a:spcPct val="150000"/>
               </a:lnSpc>
-              <a:spcBef>
-                <a:spcPts val="500"/>
-              </a:spcBef>
               <a:buFont typeface="Arial" panose="020B0604020202020204" pitchFamily="34" charset="0"/>
               <a:buChar char="•"/>
-              <a:defRPr sz="1800" kern="1200">
-                <a:solidFill>
-                  <a:schemeClr val="tx1"/>
-                </a:solidFill>
-                <a:latin typeface="+mn-lt"/>
-                <a:ea typeface="+mn-ea"/>
-                <a:cs typeface="+mn-cs"/>
-              </a:defRPr>
-            </a:lvl7pPr>
-            <a:lvl8pPr marL="3429000" indent="-228600" algn="l" defTabSz="914400" rtl="0" eaLnBrk="1" latinLnBrk="0" hangingPunct="1">
+            </a:pPr>
+            <a:r>
+              <a:rPr lang="pt-BR" sz="2400" dirty="0">
+                <a:latin typeface="Arial" panose="020B0604020202020204" pitchFamily="34" charset="0"/>
+                <a:cs typeface="Arial" panose="020B0604020202020204" pitchFamily="34" charset="0"/>
+              </a:rPr>
+              <a:t>Aumentar manutenções preventivas;</a:t>
+            </a:r>
+          </a:p>
+          <a:p>
+            <a:pPr marL="285750" indent="-285750" algn="just">
               <a:lnSpc>
-                <a:spcPct val="90000"/>
+                <a:spcPct val="150000"/>
               </a:lnSpc>
-              <a:spcBef>
-                <a:spcPts val="500"/>
-              </a:spcBef>
               <a:buFont typeface="Arial" panose="020B0604020202020204" pitchFamily="34" charset="0"/>
               <a:buChar char="•"/>
-              <a:defRPr sz="1800" kern="1200">
-                <a:solidFill>
-                  <a:schemeClr val="tx1"/>
-                </a:solidFill>
-                <a:latin typeface="+mn-lt"/>
-                <a:ea typeface="+mn-ea"/>
-                <a:cs typeface="+mn-cs"/>
-              </a:defRPr>
-            </a:lvl8pPr>
-            <a:lvl9pPr marL="3886200" indent="-228600" algn="l" defTabSz="914400" rtl="0" eaLnBrk="1" latinLnBrk="0" hangingPunct="1">
-              <a:lnSpc>
-                <a:spcPct val="90000"/>
-              </a:lnSpc>
-              <a:spcBef>
-                <a:spcPts val="500"/>
-              </a:spcBef>
-              <a:buFont typeface="Arial" panose="020B0604020202020204" pitchFamily="34" charset="0"/>
-              <a:buChar char="•"/>
-              <a:defRPr sz="1800" kern="1200">
-                <a:solidFill>
-                  <a:schemeClr val="tx1"/>
-                </a:solidFill>
-                <a:latin typeface="+mn-lt"/>
-                <a:ea typeface="+mn-ea"/>
-                <a:cs typeface="+mn-cs"/>
-              </a:defRPr>
-            </a:lvl9pPr>
-          </a:lstStyle>
-          <a:p>
-            <a:r>
-              <a:rPr lang="pt-BR" dirty="0"/>
-              <a:t>Defina aqui as áreas “chave” da empresa que não podem ser terceirizadas, ou seja, áreas que são inerentes ao negócio.</a:t>
-            </a:r>
+            </a:pPr>
+            <a:r>
+              <a:rPr lang="pt-BR" sz="2400" dirty="0">
+                <a:latin typeface="Arial" panose="020B0604020202020204" pitchFamily="34" charset="0"/>
+                <a:cs typeface="Arial" panose="020B0604020202020204" pitchFamily="34" charset="0"/>
+              </a:rPr>
+              <a:t>Investir em fontes de geração renováveis e novas tecnologias;</a:t>
+            </a:r>
+          </a:p>
+          <a:p>
+            <a:endParaRPr lang="pt-BR" dirty="0"/>
           </a:p>
           <a:p>
             <a:endParaRPr lang="pt-BR" dirty="0"/>
@@ -12796,7 +12840,7 @@
     </p:spTree>
     <p:extLst>
       <p:ext uri="{BB962C8B-B14F-4D97-AF65-F5344CB8AC3E}">
-        <p14:creationId xmlns:p14="http://schemas.microsoft.com/office/powerpoint/2010/main" val="3333369727"/>
+        <p14:creationId xmlns:p14="http://schemas.microsoft.com/office/powerpoint/2010/main" val="2246388505"/>
       </p:ext>
     </p:extLst>
   </p:cSld>
@@ -13323,6 +13367,12 @@
 </file>
 
 <file path=customXml/item1.xml><?xml version="1.0" encoding="utf-8"?>
+<p:properties xmlns:p="http://schemas.microsoft.com/office/2006/metadata/properties" xmlns:xsi="http://www.w3.org/2001/XMLSchema-instance" xmlns:pc="http://schemas.microsoft.com/office/infopath/2007/PartnerControls">
+  <documentManagement/>
+</p:properties>
+</file>
+
+<file path=customXml/item2.xml><?xml version="1.0" encoding="utf-8"?>
 <ct:contentTypeSchema xmlns:ct="http://schemas.microsoft.com/office/2006/metadata/contentType" xmlns:ma="http://schemas.microsoft.com/office/2006/metadata/properties/metaAttributes" ct:_="" ma:_="" ma:contentTypeName="Documento" ma:contentTypeID="0x0101004774BBD8993FD64A8EE578583F89A867" ma:contentTypeVersion="3" ma:contentTypeDescription="Crie um novo documento." ma:contentTypeScope="" ma:versionID="4f44770bca70ae46598ce524cf059ff2">
   <xsd:schema xmlns:xsd="http://www.w3.org/2001/XMLSchema" xmlns:xs="http://www.w3.org/2001/XMLSchema" xmlns:p="http://schemas.microsoft.com/office/2006/metadata/properties" xmlns:ns2="16a33e64-d5b5-4ba5-9b45-7268aad6ccdf" targetNamespace="http://schemas.microsoft.com/office/2006/metadata/properties" ma:root="true" ma:fieldsID="70d4f6a4140a3433d00bd733fb8ff228" ns2:_="">
     <xsd:import namespace="16a33e64-d5b5-4ba5-9b45-7268aad6ccdf"/>
@@ -13460,12 +13510,6 @@
 </ct:contentTypeSchema>
 </file>
 
-<file path=customXml/item2.xml><?xml version="1.0" encoding="utf-8"?>
-<p:properties xmlns:p="http://schemas.microsoft.com/office/2006/metadata/properties" xmlns:xsi="http://www.w3.org/2001/XMLSchema-instance" xmlns:pc="http://schemas.microsoft.com/office/infopath/2007/PartnerControls">
-  <documentManagement/>
-</p:properties>
-</file>
-
 <file path=customXml/item3.xml><?xml version="1.0" encoding="utf-8"?>
 <?mso-contentType ?>
 <FormTemplates xmlns="http://schemas.microsoft.com/sharepoint/v3/contenttype/forms">
@@ -13476,6 +13520,22 @@
 </file>
 
 <file path=customXml/itemProps1.xml><?xml version="1.0" encoding="utf-8"?>
+<ds:datastoreItem xmlns:ds="http://schemas.openxmlformats.org/officeDocument/2006/customXml" ds:itemID="{5368BDE1-0633-4C92-ADDB-EF6E470DC3F2}">
+  <ds:schemaRefs>
+    <ds:schemaRef ds:uri="http://purl.org/dc/terms/"/>
+    <ds:schemaRef ds:uri="http://purl.org/dc/dcmitype/"/>
+    <ds:schemaRef ds:uri="http://purl.org/dc/elements/1.1/"/>
+    <ds:schemaRef ds:uri="http://schemas.microsoft.com/office/2006/metadata/properties"/>
+    <ds:schemaRef ds:uri="http://schemas.microsoft.com/office/2006/documentManagement/types"/>
+    <ds:schemaRef ds:uri="http://schemas.openxmlformats.org/package/2006/metadata/core-properties"/>
+    <ds:schemaRef ds:uri="http://www.w3.org/XML/1998/namespace"/>
+    <ds:schemaRef ds:uri="http://schemas.microsoft.com/office/infopath/2007/PartnerControls"/>
+    <ds:schemaRef ds:uri="0de1e897-f794-462e-8701-b89b1fe8ea9b"/>
+  </ds:schemaRefs>
+</ds:datastoreItem>
+</file>
+
+<file path=customXml/itemProps2.xml><?xml version="1.0" encoding="utf-8"?>
 <ds:datastoreItem xmlns:ds="http://schemas.openxmlformats.org/officeDocument/2006/customXml" ds:itemID="{B7D7409B-13B8-4216-BF65-44886EC0972D}">
   <ds:schemaRefs>
     <ds:schemaRef ds:uri="http://schemas.microsoft.com/office/2006/metadata/contentType"/>
@@ -13493,22 +13553,6 @@
 </ds:datastoreItem>
 </file>
 
-<file path=customXml/itemProps2.xml><?xml version="1.0" encoding="utf-8"?>
-<ds:datastoreItem xmlns:ds="http://schemas.openxmlformats.org/officeDocument/2006/customXml" ds:itemID="{5368BDE1-0633-4C92-ADDB-EF6E470DC3F2}">
-  <ds:schemaRefs>
-    <ds:schemaRef ds:uri="http://purl.org/dc/terms/"/>
-    <ds:schemaRef ds:uri="http://purl.org/dc/dcmitype/"/>
-    <ds:schemaRef ds:uri="http://purl.org/dc/elements/1.1/"/>
-    <ds:schemaRef ds:uri="http://schemas.microsoft.com/office/2006/metadata/properties"/>
-    <ds:schemaRef ds:uri="http://schemas.microsoft.com/office/2006/documentManagement/types"/>
-    <ds:schemaRef ds:uri="http://schemas.openxmlformats.org/package/2006/metadata/core-properties"/>
-    <ds:schemaRef ds:uri="http://www.w3.org/XML/1998/namespace"/>
-    <ds:schemaRef ds:uri="http://schemas.microsoft.com/office/infopath/2007/PartnerControls"/>
-    <ds:schemaRef ds:uri="0de1e897-f794-462e-8701-b89b1fe8ea9b"/>
-  </ds:schemaRefs>
-</ds:datastoreItem>
-</file>
-
 <file path=customXml/itemProps3.xml><?xml version="1.0" encoding="utf-8"?>
 <ds:datastoreItem xmlns:ds="http://schemas.openxmlformats.org/officeDocument/2006/customXml" ds:itemID="{62B16526-C32E-41CC-9E69-BB5C7B0D0247}">
   <ds:schemaRefs>
